--- a/2023 - Template Apresentação ✅.pptx
+++ b/2023 - Template Apresentação ✅.pptx
@@ -8,8 +8,15 @@
     <p:sldId id="256" r:id="rId2"/>
     <p:sldId id="257" r:id="rId3"/>
     <p:sldId id="258" r:id="rId4"/>
-    <p:sldId id="259" r:id="rId5"/>
-    <p:sldId id="260" r:id="rId6"/>
+    <p:sldId id="268" r:id="rId5"/>
+    <p:sldId id="269" r:id="rId6"/>
+    <p:sldId id="263" r:id="rId7"/>
+    <p:sldId id="262" r:id="rId8"/>
+    <p:sldId id="267" r:id="rId9"/>
+    <p:sldId id="261" r:id="rId10"/>
+    <p:sldId id="259" r:id="rId11"/>
+    <p:sldId id="260" r:id="rId12"/>
+    <p:sldId id="264" r:id="rId13"/>
   </p:sldIdLst>
   <p:sldSz cx="12192000" cy="6858000"/>
   <p:notesSz cx="12192000" cy="6858000"/>
@@ -13343,6 +13350,2591 @@
 </p:sld>
 </file>
 
+<file path=ppt/slides/slide10.xml><?xml version="1.0" encoding="utf-8"?>
+<p:sld xmlns:a="http://schemas.openxmlformats.org/drawingml/2006/main" xmlns:r="http://schemas.openxmlformats.org/officeDocument/2006/relationships" xmlns:p="http://schemas.openxmlformats.org/presentationml/2006/main" showMasterPhAnim="0">
+  <p:cSld>
+    <p:spTree>
+      <p:nvGrpSpPr>
+        <p:cNvPr id="1" name=""/>
+        <p:cNvGrpSpPr/>
+        <p:nvPr/>
+      </p:nvGrpSpPr>
+      <p:grpSpPr bwMode="auto">
+        <a:xfrm>
+          <a:off x="0" y="0"/>
+          <a:ext cx="0" cy="0"/>
+          <a:chOff x="0" y="0"/>
+          <a:chExt cx="0" cy="0"/>
+        </a:xfrm>
+      </p:grpSpPr>
+      <p:sp>
+        <p:nvSpPr>
+          <p:cNvPr id="114" name="Google Shape;114;p4"/>
+          <p:cNvSpPr txBox="1">
+            <a:spLocks noGrp="1"/>
+          </p:cNvSpPr>
+          <p:nvPr>
+            <p:ph type="title"/>
+          </p:nvPr>
+        </p:nvSpPr>
+        <p:spPr bwMode="auto">
+          <a:xfrm>
+            <a:off x="838200" y="365125"/>
+            <a:ext cx="10515600" cy="1325563"/>
+          </a:xfrm>
+          <a:prstGeom prst="rect">
+            <a:avLst/>
+          </a:prstGeom>
+          <a:noFill/>
+          <a:ln>
+            <a:noFill/>
+          </a:ln>
+        </p:spPr>
+        <p:txBody>
+          <a:bodyPr spcFirstLastPara="1" wrap="square" lIns="91425" tIns="45700" rIns="91425" bIns="45700" anchor="ctr" anchorCtr="0">
+            <a:normAutofit/>
+          </a:bodyPr>
+          <a:lstStyle/>
+          <a:p>
+            <a:pPr marL="0" lvl="0" indent="0" algn="l">
+              <a:lnSpc>
+                <a:spcPct val="90000"/>
+              </a:lnSpc>
+              <a:spcBef>
+                <a:spcPts val="0"/>
+              </a:spcBef>
+              <a:spcAft>
+                <a:spcPts val="0"/>
+              </a:spcAft>
+              <a:buClr>
+                <a:schemeClr val="dk1"/>
+              </a:buClr>
+              <a:buSzPts val="4400"/>
+              <a:buFont typeface="Cambria"/>
+              <a:buNone/>
+              <a:defRPr/>
+            </a:pPr>
+            <a:r>
+              <a:rPr lang="pt-BR" b="1" dirty="0">
+                <a:latin typeface="Cambria"/>
+                <a:ea typeface="Cambria"/>
+                <a:cs typeface="Cambria"/>
+              </a:rPr>
+              <a:t>Agradecimentos</a:t>
+            </a:r>
+            <a:endParaRPr dirty="0"/>
+          </a:p>
+        </p:txBody>
+      </p:sp>
+      <p:sp>
+        <p:nvSpPr>
+          <p:cNvPr id="115" name="Google Shape;115;p4"/>
+          <p:cNvSpPr txBox="1">
+            <a:spLocks noGrp="1"/>
+          </p:cNvSpPr>
+          <p:nvPr>
+            <p:ph type="body" idx="1"/>
+          </p:nvPr>
+        </p:nvSpPr>
+        <p:spPr bwMode="auto">
+          <a:xfrm>
+            <a:off x="623392" y="1772816"/>
+            <a:ext cx="10515600" cy="3699600"/>
+          </a:xfrm>
+          <a:prstGeom prst="rect">
+            <a:avLst/>
+          </a:prstGeom>
+          <a:noFill/>
+          <a:ln>
+            <a:noFill/>
+          </a:ln>
+        </p:spPr>
+        <p:txBody>
+          <a:bodyPr spcFirstLastPara="1" wrap="square" lIns="91425" tIns="45700" rIns="91425" bIns="45700" anchor="t" anchorCtr="0">
+            <a:normAutofit/>
+          </a:bodyPr>
+          <a:lstStyle/>
+          <a:p>
+            <a:pPr marL="228600" lvl="0" indent="-50800" algn="l">
+              <a:lnSpc>
+                <a:spcPct val="90000"/>
+              </a:lnSpc>
+              <a:spcBef>
+                <a:spcPts val="0"/>
+              </a:spcBef>
+              <a:spcAft>
+                <a:spcPts val="0"/>
+              </a:spcAft>
+              <a:buClr>
+                <a:schemeClr val="dk1"/>
+              </a:buClr>
+              <a:buSzPts val="2800"/>
+              <a:buFont typeface="Noto Sans Symbols"/>
+              <a:buNone/>
+              <a:defRPr/>
+            </a:pPr>
+            <a:r>
+              <a:rPr lang="pt-BR" dirty="0"/>
+              <a:t>À Fundação Araucária, CNPq (Processos  310998/2020-4 e 314603/2023-9), a FAPESP (processo 023/00148-0) e a UTFPR pelo financiamento deste trabalho.</a:t>
+            </a:r>
+            <a:endParaRPr dirty="0">
+              <a:latin typeface="Cambria"/>
+              <a:ea typeface="Cambria"/>
+              <a:cs typeface="Cambria"/>
+            </a:endParaRPr>
+          </a:p>
+        </p:txBody>
+      </p:sp>
+      <p:sp>
+        <p:nvSpPr>
+          <p:cNvPr id="116" name="Google Shape;116;p4"/>
+          <p:cNvSpPr txBox="1">
+            <a:spLocks noGrp="1"/>
+          </p:cNvSpPr>
+          <p:nvPr>
+            <p:ph type="ftr" idx="11"/>
+          </p:nvPr>
+        </p:nvSpPr>
+        <p:spPr bwMode="auto">
+          <a:xfrm>
+            <a:off x="4038600" y="6356350"/>
+            <a:ext cx="4114800" cy="365125"/>
+          </a:xfrm>
+          <a:prstGeom prst="rect">
+            <a:avLst/>
+          </a:prstGeom>
+          <a:noFill/>
+          <a:ln>
+            <a:noFill/>
+          </a:ln>
+        </p:spPr>
+        <p:txBody>
+          <a:bodyPr spcFirstLastPara="1" wrap="square" lIns="91425" tIns="45700" rIns="91425" bIns="45700" anchor="ctr" anchorCtr="0">
+            <a:noAutofit/>
+          </a:bodyPr>
+          <a:lstStyle/>
+          <a:p>
+            <a:pPr marL="0" lvl="0" indent="0" algn="ctr">
+              <a:spcBef>
+                <a:spcPts val="0"/>
+              </a:spcBef>
+              <a:spcAft>
+                <a:spcPts val="0"/>
+              </a:spcAft>
+              <a:buSzPts val="1400"/>
+              <a:buNone/>
+              <a:defRPr/>
+            </a:pPr>
+            <a:r>
+              <a:rPr lang="pt-BR"/>
+              <a:t>seisicite.com.br</a:t>
+            </a:r>
+            <a:endParaRPr/>
+          </a:p>
+        </p:txBody>
+      </p:sp>
+      <p:pic>
+        <p:nvPicPr>
+          <p:cNvPr id="117" name="Google Shape;117;p4"/>
+          <p:cNvPicPr/>
+          <p:nvPr/>
+        </p:nvPicPr>
+        <p:blipFill>
+          <a:blip r:embed="rId2">
+            <a:alphaModFix/>
+          </a:blip>
+          <a:srcRect l="69636"/>
+          <a:stretch/>
+        </p:blipFill>
+        <p:spPr bwMode="auto">
+          <a:xfrm>
+            <a:off x="10543064" y="0"/>
+            <a:ext cx="1475238" cy="1943425"/>
+          </a:xfrm>
+          <a:prstGeom prst="rect">
+            <a:avLst/>
+          </a:prstGeom>
+          <a:noFill/>
+          <a:ln>
+            <a:noFill/>
+          </a:ln>
+        </p:spPr>
+      </p:pic>
+      <p:pic>
+        <p:nvPicPr>
+          <p:cNvPr id="118" name="Google Shape;118;p4"/>
+          <p:cNvPicPr/>
+          <p:nvPr/>
+        </p:nvPicPr>
+        <p:blipFill>
+          <a:blip r:embed="rId3">
+            <a:alphaModFix/>
+          </a:blip>
+          <a:stretch/>
+        </p:blipFill>
+        <p:spPr bwMode="auto">
+          <a:xfrm>
+            <a:off x="-226800" y="5344202"/>
+            <a:ext cx="2423400" cy="1695226"/>
+          </a:xfrm>
+          <a:prstGeom prst="rect">
+            <a:avLst/>
+          </a:prstGeom>
+          <a:noFill/>
+          <a:ln>
+            <a:noFill/>
+          </a:ln>
+        </p:spPr>
+      </p:pic>
+      <p:pic>
+        <p:nvPicPr>
+          <p:cNvPr id="3" name="Imagem 2">
+            <a:extLst>
+              <a:ext uri="{FF2B5EF4-FFF2-40B4-BE49-F238E27FC236}">
+                <a16:creationId xmlns:a16="http://schemas.microsoft.com/office/drawing/2014/main" id="{91344781-0EDB-032F-1FC9-5C840A6BA42B}"/>
+              </a:ext>
+            </a:extLst>
+          </p:cNvPr>
+          <p:cNvPicPr>
+            <a:picLocks noChangeAspect="1"/>
+          </p:cNvPicPr>
+          <p:nvPr/>
+        </p:nvPicPr>
+        <p:blipFill>
+          <a:blip r:embed="rId4"/>
+          <a:stretch>
+            <a:fillRect/>
+          </a:stretch>
+        </p:blipFill>
+        <p:spPr>
+          <a:xfrm>
+            <a:off x="8153400" y="3490548"/>
+            <a:ext cx="2809875" cy="1123950"/>
+          </a:xfrm>
+          <a:prstGeom prst="rect">
+            <a:avLst/>
+          </a:prstGeom>
+        </p:spPr>
+      </p:pic>
+      <p:pic>
+        <p:nvPicPr>
+          <p:cNvPr id="5" name="Imagem 4">
+            <a:extLst>
+              <a:ext uri="{FF2B5EF4-FFF2-40B4-BE49-F238E27FC236}">
+                <a16:creationId xmlns:a16="http://schemas.microsoft.com/office/drawing/2014/main" id="{EC4533C3-E27C-CFCC-007F-9C011FE20431}"/>
+              </a:ext>
+            </a:extLst>
+          </p:cNvPr>
+          <p:cNvPicPr>
+            <a:picLocks noChangeAspect="1"/>
+          </p:cNvPicPr>
+          <p:nvPr/>
+        </p:nvPicPr>
+        <p:blipFill>
+          <a:blip r:embed="rId5"/>
+          <a:stretch>
+            <a:fillRect/>
+          </a:stretch>
+        </p:blipFill>
+        <p:spPr>
+          <a:xfrm>
+            <a:off x="623392" y="3356992"/>
+            <a:ext cx="3671351" cy="1506674"/>
+          </a:xfrm>
+          <a:prstGeom prst="rect">
+            <a:avLst/>
+          </a:prstGeom>
+        </p:spPr>
+      </p:pic>
+      <p:pic>
+        <p:nvPicPr>
+          <p:cNvPr id="7" name="Imagem 6">
+            <a:extLst>
+              <a:ext uri="{FF2B5EF4-FFF2-40B4-BE49-F238E27FC236}">
+                <a16:creationId xmlns:a16="http://schemas.microsoft.com/office/drawing/2014/main" id="{BE8171E2-7D96-4E30-7EA2-214DD6DBF8A0}"/>
+              </a:ext>
+            </a:extLst>
+          </p:cNvPr>
+          <p:cNvPicPr>
+            <a:picLocks noChangeAspect="1"/>
+          </p:cNvPicPr>
+          <p:nvPr/>
+        </p:nvPicPr>
+        <p:blipFill>
+          <a:blip r:embed="rId6"/>
+          <a:stretch>
+            <a:fillRect/>
+          </a:stretch>
+        </p:blipFill>
+        <p:spPr>
+          <a:xfrm>
+            <a:off x="4526347" y="3603398"/>
+            <a:ext cx="3139306" cy="863309"/>
+          </a:xfrm>
+          <a:prstGeom prst="rect">
+            <a:avLst/>
+          </a:prstGeom>
+        </p:spPr>
+      </p:pic>
+      <p:pic>
+        <p:nvPicPr>
+          <p:cNvPr id="9" name="Imagem 8">
+            <a:extLst>
+              <a:ext uri="{FF2B5EF4-FFF2-40B4-BE49-F238E27FC236}">
+                <a16:creationId xmlns:a16="http://schemas.microsoft.com/office/drawing/2014/main" id="{84D06221-E29B-CBDB-9A94-2CAD054D89FA}"/>
+              </a:ext>
+            </a:extLst>
+          </p:cNvPr>
+          <p:cNvPicPr>
+            <a:picLocks noChangeAspect="1"/>
+          </p:cNvPicPr>
+          <p:nvPr/>
+        </p:nvPicPr>
+        <p:blipFill>
+          <a:blip r:embed="rId7"/>
+          <a:stretch>
+            <a:fillRect/>
+          </a:stretch>
+        </p:blipFill>
+        <p:spPr>
+          <a:xfrm>
+            <a:off x="4367808" y="4899001"/>
+            <a:ext cx="3297845" cy="1015381"/>
+          </a:xfrm>
+          <a:prstGeom prst="rect">
+            <a:avLst/>
+          </a:prstGeom>
+        </p:spPr>
+      </p:pic>
+    </p:spTree>
+  </p:cSld>
+  <p:clrMapOvr>
+    <a:masterClrMapping/>
+  </p:clrMapOvr>
+</p:sld>
+</file>
+
+<file path=ppt/slides/slide11.xml><?xml version="1.0" encoding="utf-8"?>
+<p:sld xmlns:a="http://schemas.openxmlformats.org/drawingml/2006/main" xmlns:r="http://schemas.openxmlformats.org/officeDocument/2006/relationships" xmlns:p="http://schemas.openxmlformats.org/presentationml/2006/main" showMasterPhAnim="0">
+  <p:cSld>
+    <p:spTree>
+      <p:nvGrpSpPr>
+        <p:cNvPr id="1" name=""/>
+        <p:cNvGrpSpPr/>
+        <p:nvPr/>
+      </p:nvGrpSpPr>
+      <p:grpSpPr bwMode="auto">
+        <a:xfrm>
+          <a:off x="0" y="0"/>
+          <a:ext cx="0" cy="0"/>
+          <a:chOff x="0" y="0"/>
+          <a:chExt cx="0" cy="0"/>
+        </a:xfrm>
+      </p:grpSpPr>
+      <p:sp>
+        <p:nvSpPr>
+          <p:cNvPr id="123" name="Google Shape;123;p5"/>
+          <p:cNvSpPr txBox="1">
+            <a:spLocks noGrp="1"/>
+          </p:cNvSpPr>
+          <p:nvPr>
+            <p:ph type="title"/>
+          </p:nvPr>
+        </p:nvSpPr>
+        <p:spPr bwMode="auto">
+          <a:xfrm>
+            <a:off x="838200" y="365125"/>
+            <a:ext cx="10515600" cy="1325563"/>
+          </a:xfrm>
+          <a:prstGeom prst="rect">
+            <a:avLst/>
+          </a:prstGeom>
+          <a:noFill/>
+          <a:ln>
+            <a:noFill/>
+          </a:ln>
+        </p:spPr>
+        <p:txBody>
+          <a:bodyPr spcFirstLastPara="1" wrap="square" lIns="91425" tIns="45700" rIns="91425" bIns="45700" anchor="ctr" anchorCtr="0">
+            <a:normAutofit/>
+          </a:bodyPr>
+          <a:lstStyle/>
+          <a:p>
+            <a:pPr marL="0" lvl="0" indent="0" algn="l">
+              <a:lnSpc>
+                <a:spcPct val="90000"/>
+              </a:lnSpc>
+              <a:spcBef>
+                <a:spcPts val="0"/>
+              </a:spcBef>
+              <a:spcAft>
+                <a:spcPts val="0"/>
+              </a:spcAft>
+              <a:buClr>
+                <a:schemeClr val="dk1"/>
+              </a:buClr>
+              <a:buSzPts val="4400"/>
+              <a:buFont typeface="Cambria"/>
+              <a:buNone/>
+              <a:defRPr/>
+            </a:pPr>
+            <a:r>
+              <a:rPr lang="pt-BR" b="1">
+                <a:latin typeface="Cambria"/>
+                <a:ea typeface="Cambria"/>
+                <a:cs typeface="Cambria"/>
+              </a:rPr>
+              <a:t>Referências</a:t>
+            </a:r>
+            <a:endParaRPr/>
+          </a:p>
+        </p:txBody>
+      </p:sp>
+      <p:sp>
+        <p:nvSpPr>
+          <p:cNvPr id="124" name="Google Shape;124;p5"/>
+          <p:cNvSpPr txBox="1">
+            <a:spLocks noGrp="1"/>
+          </p:cNvSpPr>
+          <p:nvPr>
+            <p:ph type="body" idx="1"/>
+          </p:nvPr>
+        </p:nvSpPr>
+        <p:spPr bwMode="auto">
+          <a:xfrm>
+            <a:off x="695400" y="1403176"/>
+            <a:ext cx="10515600" cy="4051647"/>
+          </a:xfrm>
+          <a:prstGeom prst="rect">
+            <a:avLst/>
+          </a:prstGeom>
+          <a:noFill/>
+          <a:ln>
+            <a:noFill/>
+          </a:ln>
+        </p:spPr>
+        <p:txBody>
+          <a:bodyPr spcFirstLastPara="1" wrap="square" lIns="91425" tIns="45700" rIns="91425" bIns="45700" anchor="t" anchorCtr="0">
+            <a:noAutofit/>
+          </a:bodyPr>
+          <a:lstStyle/>
+          <a:p>
+            <a:pPr algn="l"/>
+            <a:r>
+              <a:rPr lang="en-US" sz="1400" b="0" i="0" dirty="0">
+                <a:solidFill>
+                  <a:schemeClr val="tx1"/>
+                </a:solidFill>
+                <a:effectLst/>
+                <a:latin typeface="Cambria" panose="02040503050406030204" pitchFamily="18" charset="0"/>
+                <a:ea typeface="Cambria" panose="02040503050406030204" pitchFamily="18" charset="0"/>
+              </a:rPr>
+              <a:t>BAUMGARTNER, Jason et al. The </a:t>
+            </a:r>
+            <a:r>
+              <a:rPr lang="en-US" sz="1400" b="0" i="0" dirty="0" err="1">
+                <a:solidFill>
+                  <a:schemeClr val="tx1"/>
+                </a:solidFill>
+                <a:effectLst/>
+                <a:latin typeface="Cambria" panose="02040503050406030204" pitchFamily="18" charset="0"/>
+                <a:ea typeface="Cambria" panose="02040503050406030204" pitchFamily="18" charset="0"/>
+              </a:rPr>
+              <a:t>Pushshift</a:t>
+            </a:r>
+            <a:r>
+              <a:rPr lang="en-US" sz="1400" b="0" i="0" dirty="0">
+                <a:solidFill>
+                  <a:schemeClr val="tx1"/>
+                </a:solidFill>
+                <a:effectLst/>
+                <a:latin typeface="Cambria" panose="02040503050406030204" pitchFamily="18" charset="0"/>
+                <a:ea typeface="Cambria" panose="02040503050406030204" pitchFamily="18" charset="0"/>
+              </a:rPr>
+              <a:t> Telegram Dataset. Proc. of ICWSM, v. 14, n. 1,</a:t>
+            </a:r>
+            <a:br>
+              <a:rPr lang="en-US" sz="1400" b="0" i="0" dirty="0">
+                <a:solidFill>
+                  <a:schemeClr val="tx1"/>
+                </a:solidFill>
+                <a:effectLst/>
+                <a:latin typeface="Cambria" panose="02040503050406030204" pitchFamily="18" charset="0"/>
+                <a:ea typeface="Cambria" panose="02040503050406030204" pitchFamily="18" charset="0"/>
+              </a:rPr>
+            </a:br>
+            <a:r>
+              <a:rPr lang="en-US" sz="1400" b="0" i="0" dirty="0">
+                <a:solidFill>
+                  <a:schemeClr val="tx1"/>
+                </a:solidFill>
+                <a:effectLst/>
+                <a:latin typeface="Cambria" panose="02040503050406030204" pitchFamily="18" charset="0"/>
+                <a:ea typeface="Cambria" panose="02040503050406030204" pitchFamily="18" charset="0"/>
+              </a:rPr>
+              <a:t>p. 840–847, </a:t>
+            </a:r>
+            <a:r>
+              <a:rPr lang="en-US" sz="1400" b="0" i="0" dirty="0" err="1">
+                <a:solidFill>
+                  <a:schemeClr val="tx1"/>
+                </a:solidFill>
+                <a:effectLst/>
+                <a:latin typeface="Cambria" panose="02040503050406030204" pitchFamily="18" charset="0"/>
+                <a:ea typeface="Cambria" panose="02040503050406030204" pitchFamily="18" charset="0"/>
+              </a:rPr>
+              <a:t>mai</a:t>
+            </a:r>
+            <a:r>
+              <a:rPr lang="en-US" sz="1400" b="0" i="0" dirty="0">
+                <a:solidFill>
+                  <a:schemeClr val="tx1"/>
+                </a:solidFill>
+                <a:effectLst/>
+                <a:latin typeface="Cambria" panose="02040503050406030204" pitchFamily="18" charset="0"/>
+                <a:ea typeface="Cambria" panose="02040503050406030204" pitchFamily="18" charset="0"/>
+              </a:rPr>
+              <a:t>. 2020.</a:t>
+            </a:r>
+          </a:p>
+          <a:p>
+            <a:pPr algn="l"/>
+            <a:r>
+              <a:rPr lang="en-US" sz="1400" b="0" i="0" dirty="0">
+                <a:solidFill>
+                  <a:schemeClr val="tx1"/>
+                </a:solidFill>
+                <a:effectLst/>
+                <a:latin typeface="Cambria" panose="02040503050406030204" pitchFamily="18" charset="0"/>
+                <a:ea typeface="Cambria" panose="02040503050406030204" pitchFamily="18" charset="0"/>
+              </a:rPr>
+              <a:t>BRITO, </a:t>
+            </a:r>
+            <a:r>
+              <a:rPr lang="en-US" sz="1400" b="0" i="0" dirty="0" err="1">
+                <a:solidFill>
+                  <a:schemeClr val="tx1"/>
+                </a:solidFill>
+                <a:effectLst/>
+                <a:latin typeface="Cambria" panose="02040503050406030204" pitchFamily="18" charset="0"/>
+                <a:ea typeface="Cambria" panose="02040503050406030204" pitchFamily="18" charset="0"/>
+              </a:rPr>
+              <a:t>Saulo</a:t>
+            </a:r>
+            <a:r>
+              <a:rPr lang="en-US" sz="1400" b="0" i="0" dirty="0">
+                <a:solidFill>
+                  <a:schemeClr val="tx1"/>
+                </a:solidFill>
+                <a:effectLst/>
+                <a:latin typeface="Cambria" panose="02040503050406030204" pitchFamily="18" charset="0"/>
+                <a:ea typeface="Cambria" panose="02040503050406030204" pitchFamily="18" charset="0"/>
+              </a:rPr>
+              <a:t> A. de et al. Cheers to Untappd! Preferences for Beer Reflect Cultural Differences</a:t>
+            </a:r>
+            <a:br>
+              <a:rPr lang="en-US" sz="1400" b="0" i="0" dirty="0">
+                <a:solidFill>
+                  <a:schemeClr val="tx1"/>
+                </a:solidFill>
+                <a:effectLst/>
+                <a:latin typeface="Cambria" panose="02040503050406030204" pitchFamily="18" charset="0"/>
+                <a:ea typeface="Cambria" panose="02040503050406030204" pitchFamily="18" charset="0"/>
+              </a:rPr>
+            </a:br>
+            <a:r>
+              <a:rPr lang="en-US" sz="1400" b="0" i="0" dirty="0">
+                <a:solidFill>
+                  <a:schemeClr val="tx1"/>
+                </a:solidFill>
+                <a:effectLst/>
+                <a:latin typeface="Cambria" panose="02040503050406030204" pitchFamily="18" charset="0"/>
+                <a:ea typeface="Cambria" panose="02040503050406030204" pitchFamily="18" charset="0"/>
+              </a:rPr>
+              <a:t>Around the World. In: PROC. OF AMCIS. New Orleans, USA: [</a:t>
+            </a:r>
+            <a:r>
+              <a:rPr lang="en-US" sz="1400" b="0" i="0" dirty="0" err="1">
+                <a:solidFill>
+                  <a:schemeClr val="tx1"/>
+                </a:solidFill>
+                <a:effectLst/>
+                <a:latin typeface="Cambria" panose="02040503050406030204" pitchFamily="18" charset="0"/>
+                <a:ea typeface="Cambria" panose="02040503050406030204" pitchFamily="18" charset="0"/>
+              </a:rPr>
+              <a:t>s.n</a:t>
+            </a:r>
+            <a:r>
+              <a:rPr lang="en-US" sz="1400" b="0" i="0" dirty="0">
+                <a:solidFill>
+                  <a:schemeClr val="tx1"/>
+                </a:solidFill>
+                <a:effectLst/>
+                <a:latin typeface="Cambria" panose="02040503050406030204" pitchFamily="18" charset="0"/>
+                <a:ea typeface="Cambria" panose="02040503050406030204" pitchFamily="18" charset="0"/>
+              </a:rPr>
+              <a:t>.], 2018.</a:t>
+            </a:r>
+            <a:br>
+              <a:rPr lang="en-US" sz="1400" b="0" i="0" dirty="0">
+                <a:solidFill>
+                  <a:schemeClr val="tx1"/>
+                </a:solidFill>
+                <a:effectLst/>
+                <a:latin typeface="Cambria" panose="02040503050406030204" pitchFamily="18" charset="0"/>
+                <a:ea typeface="Cambria" panose="02040503050406030204" pitchFamily="18" charset="0"/>
+              </a:rPr>
+            </a:br>
+            <a:endParaRPr lang="en-US" sz="1400" b="0" i="0" dirty="0">
+              <a:solidFill>
+                <a:schemeClr val="tx1"/>
+              </a:solidFill>
+              <a:effectLst/>
+              <a:latin typeface="Cambria" panose="02040503050406030204" pitchFamily="18" charset="0"/>
+              <a:ea typeface="Cambria" panose="02040503050406030204" pitchFamily="18" charset="0"/>
+            </a:endParaRPr>
+          </a:p>
+          <a:p>
+            <a:pPr algn="l"/>
+            <a:r>
+              <a:rPr lang="en-US" sz="1400" b="0" i="0" dirty="0">
+                <a:solidFill>
+                  <a:schemeClr val="tx1"/>
+                </a:solidFill>
+                <a:effectLst/>
+                <a:latin typeface="Cambria" panose="02040503050406030204" pitchFamily="18" charset="0"/>
+                <a:ea typeface="Cambria" panose="02040503050406030204" pitchFamily="18" charset="0"/>
+              </a:rPr>
+              <a:t>JIGSAW, Google. Perspective API. [</a:t>
+            </a:r>
+            <a:r>
+              <a:rPr lang="en-US" sz="1400" b="0" i="0" dirty="0" err="1">
+                <a:solidFill>
+                  <a:schemeClr val="tx1"/>
+                </a:solidFill>
+                <a:effectLst/>
+                <a:latin typeface="Cambria" panose="02040503050406030204" pitchFamily="18" charset="0"/>
+                <a:ea typeface="Cambria" panose="02040503050406030204" pitchFamily="18" charset="0"/>
+              </a:rPr>
+              <a:t>S.l.</a:t>
+            </a:r>
+            <a:r>
+              <a:rPr lang="en-US" sz="1400" b="0" i="0" dirty="0">
+                <a:solidFill>
+                  <a:schemeClr val="tx1"/>
+                </a:solidFill>
+                <a:effectLst/>
+                <a:latin typeface="Cambria" panose="02040503050406030204" pitchFamily="18" charset="0"/>
+                <a:ea typeface="Cambria" panose="02040503050406030204" pitchFamily="18" charset="0"/>
+              </a:rPr>
+              <a:t>: </a:t>
+            </a:r>
+            <a:r>
+              <a:rPr lang="en-US" sz="1400" b="0" i="0" dirty="0" err="1">
+                <a:solidFill>
+                  <a:schemeClr val="tx1"/>
+                </a:solidFill>
+                <a:effectLst/>
+                <a:latin typeface="Cambria" panose="02040503050406030204" pitchFamily="18" charset="0"/>
+                <a:ea typeface="Cambria" panose="02040503050406030204" pitchFamily="18" charset="0"/>
+              </a:rPr>
+              <a:t>s.n</a:t>
+            </a:r>
+            <a:r>
+              <a:rPr lang="en-US" sz="1400" b="0" i="0" dirty="0">
+                <a:solidFill>
+                  <a:schemeClr val="tx1"/>
+                </a:solidFill>
+                <a:effectLst/>
+                <a:latin typeface="Cambria" panose="02040503050406030204" pitchFamily="18" charset="0"/>
+                <a:ea typeface="Cambria" panose="02040503050406030204" pitchFamily="18" charset="0"/>
+              </a:rPr>
+              <a:t>.], 2022. </a:t>
+            </a:r>
+            <a:r>
+              <a:rPr lang="en-US" sz="1400" b="0" i="0" dirty="0" err="1">
+                <a:solidFill>
+                  <a:schemeClr val="tx1"/>
+                </a:solidFill>
+                <a:effectLst/>
+                <a:latin typeface="Cambria" panose="02040503050406030204" pitchFamily="18" charset="0"/>
+                <a:ea typeface="Cambria" panose="02040503050406030204" pitchFamily="18" charset="0"/>
+              </a:rPr>
+              <a:t>Acessed</a:t>
+            </a:r>
+            <a:r>
+              <a:rPr lang="en-US" sz="1400" b="0" i="0" dirty="0">
+                <a:solidFill>
+                  <a:schemeClr val="tx1"/>
+                </a:solidFill>
+                <a:effectLst/>
+                <a:latin typeface="Cambria" panose="02040503050406030204" pitchFamily="18" charset="0"/>
+                <a:ea typeface="Cambria" panose="02040503050406030204" pitchFamily="18" charset="0"/>
+              </a:rPr>
+              <a:t> May 31, 2022. </a:t>
+            </a:r>
+            <a:r>
+              <a:rPr lang="en-US" sz="1400" b="0" i="0" dirty="0" err="1">
+                <a:solidFill>
+                  <a:schemeClr val="tx1"/>
+                </a:solidFill>
+                <a:effectLst/>
+                <a:latin typeface="Cambria" panose="02040503050406030204" pitchFamily="18" charset="0"/>
+                <a:ea typeface="Cambria" panose="02040503050406030204" pitchFamily="18" charset="0"/>
+              </a:rPr>
+              <a:t>Disponível</a:t>
+            </a:r>
+            <a:r>
+              <a:rPr lang="en-US" sz="1400" b="0" i="0" dirty="0">
+                <a:solidFill>
+                  <a:schemeClr val="tx1"/>
+                </a:solidFill>
+                <a:effectLst/>
+                <a:latin typeface="Cambria" panose="02040503050406030204" pitchFamily="18" charset="0"/>
+                <a:ea typeface="Cambria" panose="02040503050406030204" pitchFamily="18" charset="0"/>
+              </a:rPr>
+              <a:t> </a:t>
+            </a:r>
+            <a:r>
+              <a:rPr lang="en-US" sz="1400" b="0" i="0" dirty="0" err="1">
+                <a:solidFill>
+                  <a:schemeClr val="tx1"/>
+                </a:solidFill>
+                <a:effectLst/>
+                <a:latin typeface="Cambria" panose="02040503050406030204" pitchFamily="18" charset="0"/>
+                <a:ea typeface="Cambria" panose="02040503050406030204" pitchFamily="18" charset="0"/>
+              </a:rPr>
+              <a:t>em</a:t>
+            </a:r>
+            <a:r>
+              <a:rPr lang="en-US" sz="1400" b="0" i="0" dirty="0">
+                <a:solidFill>
+                  <a:schemeClr val="tx1"/>
+                </a:solidFill>
+                <a:effectLst/>
+                <a:latin typeface="Cambria" panose="02040503050406030204" pitchFamily="18" charset="0"/>
+                <a:ea typeface="Cambria" panose="02040503050406030204" pitchFamily="18" charset="0"/>
+              </a:rPr>
+              <a:t>: W.</a:t>
+            </a:r>
+            <a:br>
+              <a:rPr lang="en-US" sz="1400" b="0" i="0" dirty="0">
+                <a:solidFill>
+                  <a:schemeClr val="tx1"/>
+                </a:solidFill>
+                <a:effectLst/>
+                <a:latin typeface="Cambria" panose="02040503050406030204" pitchFamily="18" charset="0"/>
+                <a:ea typeface="Cambria" panose="02040503050406030204" pitchFamily="18" charset="0"/>
+              </a:rPr>
+            </a:br>
+            <a:r>
+              <a:rPr lang="en-US" sz="1400" b="0" i="0" dirty="0">
+                <a:solidFill>
+                  <a:schemeClr val="tx1"/>
+                </a:solidFill>
+                <a:effectLst/>
+                <a:latin typeface="Cambria" panose="02040503050406030204" pitchFamily="18" charset="0"/>
+                <a:ea typeface="Cambria" panose="02040503050406030204" pitchFamily="18" charset="0"/>
+              </a:rPr>
+              <a:t>KOBELLARZ, Jordan; GRAEML, Alexandre et al. Parrot Talk: Retweeting Among Twitter Users During</a:t>
+            </a:r>
+            <a:br>
+              <a:rPr lang="en-US" sz="1400" b="0" i="0" dirty="0">
+                <a:solidFill>
+                  <a:schemeClr val="tx1"/>
+                </a:solidFill>
+                <a:effectLst/>
+                <a:latin typeface="Cambria" panose="02040503050406030204" pitchFamily="18" charset="0"/>
+                <a:ea typeface="Cambria" panose="02040503050406030204" pitchFamily="18" charset="0"/>
+              </a:rPr>
+            </a:br>
+            <a:r>
+              <a:rPr lang="en-US" sz="1400" b="0" i="0" dirty="0">
+                <a:solidFill>
+                  <a:schemeClr val="tx1"/>
+                </a:solidFill>
+                <a:effectLst/>
+                <a:latin typeface="Cambria" panose="02040503050406030204" pitchFamily="18" charset="0"/>
+                <a:ea typeface="Cambria" panose="02040503050406030204" pitchFamily="18" charset="0"/>
+              </a:rPr>
+              <a:t>the 2018 Brazilian Presidential Election. In: PROC. of </a:t>
+            </a:r>
+            <a:r>
+              <a:rPr lang="en-US" sz="1400" b="0" i="0" dirty="0" err="1">
+                <a:solidFill>
+                  <a:schemeClr val="tx1"/>
+                </a:solidFill>
+                <a:effectLst/>
+                <a:latin typeface="Cambria" panose="02040503050406030204" pitchFamily="18" charset="0"/>
+                <a:ea typeface="Cambria" panose="02040503050406030204" pitchFamily="18" charset="0"/>
+              </a:rPr>
+              <a:t>WebMedia</a:t>
+            </a:r>
+            <a:r>
+              <a:rPr lang="en-US" sz="1400" b="0" i="0" dirty="0">
+                <a:solidFill>
+                  <a:schemeClr val="tx1"/>
+                </a:solidFill>
+                <a:effectLst/>
+                <a:latin typeface="Cambria" panose="02040503050406030204" pitchFamily="18" charset="0"/>
+                <a:ea typeface="Cambria" panose="02040503050406030204" pitchFamily="18" charset="0"/>
+              </a:rPr>
+              <a:t>. [</a:t>
+            </a:r>
+            <a:r>
+              <a:rPr lang="en-US" sz="1400" b="0" i="0" dirty="0" err="1">
+                <a:solidFill>
+                  <a:schemeClr val="tx1"/>
+                </a:solidFill>
+                <a:effectLst/>
+                <a:latin typeface="Cambria" panose="02040503050406030204" pitchFamily="18" charset="0"/>
+                <a:ea typeface="Cambria" panose="02040503050406030204" pitchFamily="18" charset="0"/>
+              </a:rPr>
+              <a:t>S.l.</a:t>
+            </a:r>
+            <a:r>
+              <a:rPr lang="en-US" sz="1400" b="0" i="0" dirty="0">
+                <a:solidFill>
+                  <a:schemeClr val="tx1"/>
+                </a:solidFill>
+                <a:effectLst/>
+                <a:latin typeface="Cambria" panose="02040503050406030204" pitchFamily="18" charset="0"/>
+                <a:ea typeface="Cambria" panose="02040503050406030204" pitchFamily="18" charset="0"/>
+              </a:rPr>
+              <a:t>: </a:t>
+            </a:r>
+            <a:r>
+              <a:rPr lang="en-US" sz="1400" b="0" i="0" dirty="0" err="1">
+                <a:solidFill>
+                  <a:schemeClr val="tx1"/>
+                </a:solidFill>
+                <a:effectLst/>
+                <a:latin typeface="Cambria" panose="02040503050406030204" pitchFamily="18" charset="0"/>
+                <a:ea typeface="Cambria" panose="02040503050406030204" pitchFamily="18" charset="0"/>
+              </a:rPr>
+              <a:t>s.n</a:t>
+            </a:r>
+            <a:r>
+              <a:rPr lang="en-US" sz="1400" b="0" i="0" dirty="0">
+                <a:solidFill>
+                  <a:schemeClr val="tx1"/>
+                </a:solidFill>
+                <a:effectLst/>
+                <a:latin typeface="Cambria" panose="02040503050406030204" pitchFamily="18" charset="0"/>
+                <a:ea typeface="Cambria" panose="02040503050406030204" pitchFamily="18" charset="0"/>
+              </a:rPr>
+              <a:t>.], 2019. P. 1–8.</a:t>
+            </a:r>
+            <a:br>
+              <a:rPr lang="en-US" sz="1400" b="0" i="0" dirty="0">
+                <a:solidFill>
+                  <a:schemeClr val="tx1"/>
+                </a:solidFill>
+                <a:effectLst/>
+                <a:latin typeface="Cambria" panose="02040503050406030204" pitchFamily="18" charset="0"/>
+                <a:ea typeface="Cambria" panose="02040503050406030204" pitchFamily="18" charset="0"/>
+              </a:rPr>
+            </a:br>
+            <a:endParaRPr lang="en-US" sz="1400" b="0" i="0" dirty="0">
+              <a:solidFill>
+                <a:schemeClr val="tx1"/>
+              </a:solidFill>
+              <a:effectLst/>
+              <a:latin typeface="Cambria" panose="02040503050406030204" pitchFamily="18" charset="0"/>
+              <a:ea typeface="Cambria" panose="02040503050406030204" pitchFamily="18" charset="0"/>
+            </a:endParaRPr>
+          </a:p>
+          <a:p>
+            <a:pPr algn="l"/>
+            <a:r>
+              <a:rPr lang="en-US" sz="1400" b="0" i="0" dirty="0">
+                <a:solidFill>
+                  <a:schemeClr val="tx1"/>
+                </a:solidFill>
+                <a:effectLst/>
+                <a:latin typeface="Cambria" panose="02040503050406030204" pitchFamily="18" charset="0"/>
+                <a:ea typeface="Cambria" panose="02040503050406030204" pitchFamily="18" charset="0"/>
+              </a:rPr>
+              <a:t>KOBELLARZ, Jordan; SILVA, Thiago H. Should We Translate? Evaluating Toxicity in Online</a:t>
+            </a:r>
+            <a:br>
+              <a:rPr lang="en-US" sz="1400" b="0" i="0" dirty="0">
+                <a:solidFill>
+                  <a:schemeClr val="tx1"/>
+                </a:solidFill>
+                <a:effectLst/>
+                <a:latin typeface="Cambria" panose="02040503050406030204" pitchFamily="18" charset="0"/>
+                <a:ea typeface="Cambria" panose="02040503050406030204" pitchFamily="18" charset="0"/>
+              </a:rPr>
+            </a:br>
+            <a:r>
+              <a:rPr lang="en-US" sz="1400" b="0" i="0" dirty="0">
+                <a:solidFill>
+                  <a:schemeClr val="tx1"/>
+                </a:solidFill>
+                <a:effectLst/>
+                <a:latin typeface="Cambria" panose="02040503050406030204" pitchFamily="18" charset="0"/>
+                <a:ea typeface="Cambria" panose="02040503050406030204" pitchFamily="18" charset="0"/>
+              </a:rPr>
+              <a:t>Comments when Translating from Portuguese to English. In: PROC. of </a:t>
+            </a:r>
+            <a:r>
+              <a:rPr lang="en-US" sz="1400" b="0" i="0" dirty="0" err="1">
+                <a:solidFill>
+                  <a:schemeClr val="tx1"/>
+                </a:solidFill>
+                <a:effectLst/>
+                <a:latin typeface="Cambria" panose="02040503050406030204" pitchFamily="18" charset="0"/>
+                <a:ea typeface="Cambria" panose="02040503050406030204" pitchFamily="18" charset="0"/>
+              </a:rPr>
+              <a:t>WebMedia</a:t>
+            </a:r>
+            <a:r>
+              <a:rPr lang="en-US" sz="1400" b="0" i="0" dirty="0">
+                <a:solidFill>
+                  <a:schemeClr val="tx1"/>
+                </a:solidFill>
+                <a:effectLst/>
+                <a:latin typeface="Cambria" panose="02040503050406030204" pitchFamily="18" charset="0"/>
+                <a:ea typeface="Cambria" panose="02040503050406030204" pitchFamily="18" charset="0"/>
+              </a:rPr>
+              <a:t>. [</a:t>
+            </a:r>
+            <a:r>
+              <a:rPr lang="en-US" sz="1400" b="0" i="0" dirty="0" err="1">
+                <a:solidFill>
+                  <a:schemeClr val="tx1"/>
+                </a:solidFill>
+                <a:effectLst/>
+                <a:latin typeface="Cambria" panose="02040503050406030204" pitchFamily="18" charset="0"/>
+                <a:ea typeface="Cambria" panose="02040503050406030204" pitchFamily="18" charset="0"/>
+              </a:rPr>
+              <a:t>S.l.</a:t>
+            </a:r>
+            <a:r>
+              <a:rPr lang="en-US" sz="1400" b="0" i="0" dirty="0">
+                <a:solidFill>
+                  <a:schemeClr val="tx1"/>
+                </a:solidFill>
+                <a:effectLst/>
+                <a:latin typeface="Cambria" panose="02040503050406030204" pitchFamily="18" charset="0"/>
+                <a:ea typeface="Cambria" panose="02040503050406030204" pitchFamily="18" charset="0"/>
+              </a:rPr>
+              <a:t>: </a:t>
+            </a:r>
+            <a:r>
+              <a:rPr lang="en-US" sz="1400" b="0" i="0" dirty="0" err="1">
+                <a:solidFill>
+                  <a:schemeClr val="tx1"/>
+                </a:solidFill>
+                <a:effectLst/>
+                <a:latin typeface="Cambria" panose="02040503050406030204" pitchFamily="18" charset="0"/>
+                <a:ea typeface="Cambria" panose="02040503050406030204" pitchFamily="18" charset="0"/>
+              </a:rPr>
+              <a:t>s.n</a:t>
+            </a:r>
+            <a:r>
+              <a:rPr lang="en-US" sz="1400" b="0" i="0" dirty="0">
+                <a:solidFill>
+                  <a:schemeClr val="tx1"/>
+                </a:solidFill>
+                <a:effectLst/>
+                <a:latin typeface="Cambria" panose="02040503050406030204" pitchFamily="18" charset="0"/>
+                <a:ea typeface="Cambria" panose="02040503050406030204" pitchFamily="18" charset="0"/>
+              </a:rPr>
+              <a:t>.], 2022.</a:t>
+            </a:r>
+            <a:br>
+              <a:rPr lang="en-US" sz="1400" b="0" i="0" dirty="0">
+                <a:solidFill>
+                  <a:schemeClr val="tx1"/>
+                </a:solidFill>
+                <a:effectLst/>
+                <a:latin typeface="Cambria" panose="02040503050406030204" pitchFamily="18" charset="0"/>
+                <a:ea typeface="Cambria" panose="02040503050406030204" pitchFamily="18" charset="0"/>
+              </a:rPr>
+            </a:br>
+            <a:endParaRPr lang="en-US" sz="1400" b="0" i="0" dirty="0">
+              <a:solidFill>
+                <a:schemeClr val="tx1"/>
+              </a:solidFill>
+              <a:effectLst/>
+              <a:latin typeface="Cambria" panose="02040503050406030204" pitchFamily="18" charset="0"/>
+              <a:ea typeface="Cambria" panose="02040503050406030204" pitchFamily="18" charset="0"/>
+            </a:endParaRPr>
+          </a:p>
+          <a:p>
+            <a:pPr algn="l"/>
+            <a:r>
+              <a:rPr lang="en-US" sz="1400" b="0" i="0" dirty="0">
+                <a:solidFill>
+                  <a:schemeClr val="tx1"/>
+                </a:solidFill>
+                <a:effectLst/>
+                <a:latin typeface="Cambria" panose="02040503050406030204" pitchFamily="18" charset="0"/>
+                <a:ea typeface="Cambria" panose="02040503050406030204" pitchFamily="18" charset="0"/>
+              </a:rPr>
+              <a:t>KOBELLARZ, Jordan K et al. Reaching the bubble may not be enough: news media role in online</a:t>
+            </a:r>
+            <a:br>
+              <a:rPr lang="en-US" sz="1400" b="0" i="0" dirty="0">
+                <a:solidFill>
+                  <a:schemeClr val="tx1"/>
+                </a:solidFill>
+                <a:effectLst/>
+                <a:latin typeface="Cambria" panose="02040503050406030204" pitchFamily="18" charset="0"/>
+                <a:ea typeface="Cambria" panose="02040503050406030204" pitchFamily="18" charset="0"/>
+              </a:rPr>
+            </a:br>
+            <a:r>
+              <a:rPr lang="en-US" sz="1400" b="0" i="0" dirty="0">
+                <a:solidFill>
+                  <a:schemeClr val="tx1"/>
+                </a:solidFill>
+                <a:effectLst/>
+                <a:latin typeface="Cambria" panose="02040503050406030204" pitchFamily="18" charset="0"/>
+                <a:ea typeface="Cambria" panose="02040503050406030204" pitchFamily="18" charset="0"/>
+              </a:rPr>
+              <a:t>political polarization. EPJ Data Science, Springer Berlin Heidelberg, v. 11, n. 1, p. 47, 2022.</a:t>
+            </a:r>
+            <a:br>
+              <a:rPr lang="en-US" sz="1400" b="0" i="0" dirty="0">
+                <a:solidFill>
+                  <a:schemeClr val="tx1"/>
+                </a:solidFill>
+                <a:effectLst/>
+                <a:latin typeface="Cambria" panose="02040503050406030204" pitchFamily="18" charset="0"/>
+                <a:ea typeface="Cambria" panose="02040503050406030204" pitchFamily="18" charset="0"/>
+              </a:rPr>
+            </a:br>
+            <a:endParaRPr lang="en-US" sz="1400" b="0" i="0" dirty="0">
+              <a:solidFill>
+                <a:schemeClr val="tx1"/>
+              </a:solidFill>
+              <a:effectLst/>
+              <a:latin typeface="Cambria" panose="02040503050406030204" pitchFamily="18" charset="0"/>
+              <a:ea typeface="Cambria" panose="02040503050406030204" pitchFamily="18" charset="0"/>
+            </a:endParaRPr>
+          </a:p>
+          <a:p>
+            <a:pPr algn="l"/>
+            <a:r>
+              <a:rPr lang="en-US" sz="1400" b="0" i="0" dirty="0">
+                <a:solidFill>
+                  <a:schemeClr val="tx1"/>
+                </a:solidFill>
+                <a:effectLst/>
+                <a:latin typeface="Cambria" panose="02040503050406030204" pitchFamily="18" charset="0"/>
+                <a:ea typeface="Cambria" panose="02040503050406030204" pitchFamily="18" charset="0"/>
+              </a:rPr>
+              <a:t>LIMA, </a:t>
+            </a:r>
+            <a:r>
+              <a:rPr lang="en-US" sz="1400" b="0" i="0" dirty="0" err="1">
+                <a:solidFill>
+                  <a:schemeClr val="tx1"/>
+                </a:solidFill>
+                <a:effectLst/>
+                <a:latin typeface="Cambria" panose="02040503050406030204" pitchFamily="18" charset="0"/>
+                <a:ea typeface="Cambria" panose="02040503050406030204" pitchFamily="18" charset="0"/>
+              </a:rPr>
+              <a:t>Fábio</a:t>
+            </a:r>
+            <a:r>
+              <a:rPr lang="en-US" sz="1400" b="0" i="0" dirty="0">
+                <a:solidFill>
+                  <a:schemeClr val="tx1"/>
+                </a:solidFill>
+                <a:effectLst/>
+                <a:latin typeface="Cambria" panose="02040503050406030204" pitchFamily="18" charset="0"/>
+                <a:ea typeface="Cambria" panose="02040503050406030204" pitchFamily="18" charset="0"/>
+              </a:rPr>
+              <a:t> Barbosa de. Entre </a:t>
+            </a:r>
+            <a:r>
+              <a:rPr lang="en-US" sz="1400" b="0" i="0" dirty="0" err="1">
+                <a:solidFill>
+                  <a:schemeClr val="tx1"/>
+                </a:solidFill>
+                <a:effectLst/>
+                <a:latin typeface="Cambria" panose="02040503050406030204" pitchFamily="18" charset="0"/>
+                <a:ea typeface="Cambria" panose="02040503050406030204" pitchFamily="18" charset="0"/>
+              </a:rPr>
+              <a:t>Bolhas</a:t>
+            </a:r>
+            <a:r>
+              <a:rPr lang="en-US" sz="1400" b="0" i="0" dirty="0">
+                <a:solidFill>
+                  <a:schemeClr val="tx1"/>
+                </a:solidFill>
+                <a:effectLst/>
+                <a:latin typeface="Cambria" panose="02040503050406030204" pitchFamily="18" charset="0"/>
+                <a:ea typeface="Cambria" panose="02040503050406030204" pitchFamily="18" charset="0"/>
+              </a:rPr>
+              <a:t> e </a:t>
+            </a:r>
+            <a:r>
+              <a:rPr lang="en-US" sz="1400" b="0" i="0" dirty="0" err="1">
+                <a:solidFill>
+                  <a:schemeClr val="tx1"/>
+                </a:solidFill>
+                <a:effectLst/>
+                <a:latin typeface="Cambria" panose="02040503050406030204" pitchFamily="18" charset="0"/>
+                <a:ea typeface="Cambria" panose="02040503050406030204" pitchFamily="18" charset="0"/>
+              </a:rPr>
+              <a:t>Grielas</a:t>
+            </a:r>
+            <a:r>
+              <a:rPr lang="en-US" sz="1400" b="0" i="0" dirty="0">
+                <a:solidFill>
+                  <a:schemeClr val="tx1"/>
+                </a:solidFill>
+                <a:effectLst/>
+                <a:latin typeface="Cambria" panose="02040503050406030204" pitchFamily="18" charset="0"/>
+                <a:ea typeface="Cambria" panose="02040503050406030204" pitchFamily="18" charset="0"/>
+              </a:rPr>
+              <a:t>: A </a:t>
+            </a:r>
+            <a:r>
+              <a:rPr lang="en-US" sz="1400" b="0" i="0" dirty="0" err="1">
+                <a:solidFill>
+                  <a:schemeClr val="tx1"/>
+                </a:solidFill>
+                <a:effectLst/>
+                <a:latin typeface="Cambria" panose="02040503050406030204" pitchFamily="18" charset="0"/>
+                <a:ea typeface="Cambria" panose="02040503050406030204" pitchFamily="18" charset="0"/>
+              </a:rPr>
+              <a:t>Polarização</a:t>
+            </a:r>
+            <a:r>
+              <a:rPr lang="en-US" sz="1400" b="0" i="0" dirty="0">
+                <a:solidFill>
+                  <a:schemeClr val="tx1"/>
+                </a:solidFill>
+                <a:effectLst/>
+                <a:latin typeface="Cambria" panose="02040503050406030204" pitchFamily="18" charset="0"/>
+                <a:ea typeface="Cambria" panose="02040503050406030204" pitchFamily="18" charset="0"/>
+              </a:rPr>
+              <a:t> </a:t>
+            </a:r>
+            <a:r>
+              <a:rPr lang="en-US" sz="1400" b="0" i="0" dirty="0" err="1">
+                <a:solidFill>
+                  <a:schemeClr val="tx1"/>
+                </a:solidFill>
+                <a:effectLst/>
+                <a:latin typeface="Cambria" panose="02040503050406030204" pitchFamily="18" charset="0"/>
+                <a:ea typeface="Cambria" panose="02040503050406030204" pitchFamily="18" charset="0"/>
+              </a:rPr>
+              <a:t>Político-Ideológica</a:t>
+            </a:r>
+            <a:r>
+              <a:rPr lang="en-US" sz="1400" b="0" i="0" dirty="0">
+                <a:solidFill>
+                  <a:schemeClr val="tx1"/>
+                </a:solidFill>
+                <a:effectLst/>
+                <a:latin typeface="Cambria" panose="02040503050406030204" pitchFamily="18" charset="0"/>
+                <a:ea typeface="Cambria" panose="02040503050406030204" pitchFamily="18" charset="0"/>
+              </a:rPr>
+              <a:t> </a:t>
+            </a:r>
+            <a:r>
+              <a:rPr lang="en-US" sz="1400" b="0" i="0" dirty="0" err="1">
+                <a:solidFill>
+                  <a:schemeClr val="tx1"/>
+                </a:solidFill>
+                <a:effectLst/>
+                <a:latin typeface="Cambria" panose="02040503050406030204" pitchFamily="18" charset="0"/>
+                <a:ea typeface="Cambria" panose="02040503050406030204" pitchFamily="18" charset="0"/>
+              </a:rPr>
+              <a:t>nas</a:t>
+            </a:r>
+            <a:r>
+              <a:rPr lang="en-US" sz="1400" b="0" i="0" dirty="0">
+                <a:solidFill>
+                  <a:schemeClr val="tx1"/>
+                </a:solidFill>
+                <a:effectLst/>
+                <a:latin typeface="Cambria" panose="02040503050406030204" pitchFamily="18" charset="0"/>
+                <a:ea typeface="Cambria" panose="02040503050406030204" pitchFamily="18" charset="0"/>
+              </a:rPr>
+              <a:t> Redes </a:t>
+            </a:r>
+            <a:r>
+              <a:rPr lang="en-US" sz="1400" b="0" i="0" dirty="0" err="1">
+                <a:solidFill>
+                  <a:schemeClr val="tx1"/>
+                </a:solidFill>
+                <a:effectLst/>
+                <a:latin typeface="Cambria" panose="02040503050406030204" pitchFamily="18" charset="0"/>
+                <a:ea typeface="Cambria" panose="02040503050406030204" pitchFamily="18" charset="0"/>
+              </a:rPr>
+              <a:t>Sociais</a:t>
+            </a:r>
+            <a:r>
+              <a:rPr lang="en-US" sz="1400" b="0" i="0" dirty="0">
+                <a:solidFill>
+                  <a:schemeClr val="tx1"/>
+                </a:solidFill>
+                <a:effectLst/>
+                <a:latin typeface="Cambria" panose="02040503050406030204" pitchFamily="18" charset="0"/>
+                <a:ea typeface="Cambria" panose="02040503050406030204" pitchFamily="18" charset="0"/>
+              </a:rPr>
+              <a:t>.</a:t>
+            </a:r>
+            <a:br>
+              <a:rPr lang="en-US" sz="1400" b="0" i="0" dirty="0">
+                <a:solidFill>
+                  <a:schemeClr val="tx1"/>
+                </a:solidFill>
+                <a:effectLst/>
+                <a:latin typeface="Cambria" panose="02040503050406030204" pitchFamily="18" charset="0"/>
+                <a:ea typeface="Cambria" panose="02040503050406030204" pitchFamily="18" charset="0"/>
+              </a:rPr>
+            </a:br>
+            <a:r>
+              <a:rPr lang="en-US" sz="1400" b="0" i="0" dirty="0" err="1">
+                <a:solidFill>
+                  <a:schemeClr val="tx1"/>
+                </a:solidFill>
+                <a:effectLst/>
+                <a:latin typeface="Cambria" panose="02040503050406030204" pitchFamily="18" charset="0"/>
+                <a:ea typeface="Cambria" panose="02040503050406030204" pitchFamily="18" charset="0"/>
+              </a:rPr>
+              <a:t>Estudos</a:t>
+            </a:r>
+            <a:r>
+              <a:rPr lang="en-US" sz="1400" b="0" i="0" dirty="0">
+                <a:solidFill>
+                  <a:schemeClr val="tx1"/>
+                </a:solidFill>
+                <a:effectLst/>
+                <a:latin typeface="Cambria" panose="02040503050406030204" pitchFamily="18" charset="0"/>
+                <a:ea typeface="Cambria" panose="02040503050406030204" pitchFamily="18" charset="0"/>
+              </a:rPr>
+              <a:t> </a:t>
+            </a:r>
+            <a:r>
+              <a:rPr lang="en-US" sz="1400" b="0" i="0" dirty="0" err="1">
+                <a:solidFill>
+                  <a:schemeClr val="tx1"/>
+                </a:solidFill>
+                <a:effectLst/>
+                <a:latin typeface="Cambria" panose="02040503050406030204" pitchFamily="18" charset="0"/>
+                <a:ea typeface="Cambria" panose="02040503050406030204" pitchFamily="18" charset="0"/>
+              </a:rPr>
+              <a:t>Linguísticos</a:t>
+            </a:r>
+            <a:r>
+              <a:rPr lang="en-US" sz="1400" b="0" i="0" dirty="0">
+                <a:solidFill>
+                  <a:schemeClr val="tx1"/>
+                </a:solidFill>
+                <a:effectLst/>
+                <a:latin typeface="Cambria" panose="02040503050406030204" pitchFamily="18" charset="0"/>
+                <a:ea typeface="Cambria" panose="02040503050406030204" pitchFamily="18" charset="0"/>
+              </a:rPr>
+              <a:t> e </a:t>
+            </a:r>
+            <a:r>
+              <a:rPr lang="en-US" sz="1400" b="0" i="0" dirty="0" err="1">
+                <a:solidFill>
+                  <a:schemeClr val="tx1"/>
+                </a:solidFill>
+                <a:effectLst/>
+                <a:latin typeface="Cambria" panose="02040503050406030204" pitchFamily="18" charset="0"/>
+                <a:ea typeface="Cambria" panose="02040503050406030204" pitchFamily="18" charset="0"/>
+              </a:rPr>
+              <a:t>Literários</a:t>
+            </a:r>
+            <a:r>
+              <a:rPr lang="en-US" sz="1400" b="0" i="0" dirty="0">
+                <a:solidFill>
+                  <a:schemeClr val="tx1"/>
+                </a:solidFill>
+                <a:effectLst/>
+                <a:latin typeface="Cambria" panose="02040503050406030204" pitchFamily="18" charset="0"/>
+                <a:ea typeface="Cambria" panose="02040503050406030204" pitchFamily="18" charset="0"/>
+              </a:rPr>
+              <a:t>, n. 67, p. 63–81, abr. 2021.</a:t>
+            </a:r>
+            <a:endParaRPr sz="1400" dirty="0">
+              <a:latin typeface="Cambria"/>
+              <a:ea typeface="Cambria"/>
+              <a:cs typeface="Cambria"/>
+            </a:endParaRPr>
+          </a:p>
+        </p:txBody>
+      </p:sp>
+      <p:sp>
+        <p:nvSpPr>
+          <p:cNvPr id="125" name="Google Shape;125;p5"/>
+          <p:cNvSpPr txBox="1">
+            <a:spLocks noGrp="1"/>
+          </p:cNvSpPr>
+          <p:nvPr>
+            <p:ph type="ftr" idx="11"/>
+          </p:nvPr>
+        </p:nvSpPr>
+        <p:spPr bwMode="auto">
+          <a:xfrm>
+            <a:off x="4038600" y="6356350"/>
+            <a:ext cx="4114800" cy="365125"/>
+          </a:xfrm>
+          <a:prstGeom prst="rect">
+            <a:avLst/>
+          </a:prstGeom>
+          <a:noFill/>
+          <a:ln>
+            <a:noFill/>
+          </a:ln>
+        </p:spPr>
+        <p:txBody>
+          <a:bodyPr spcFirstLastPara="1" wrap="square" lIns="91425" tIns="45700" rIns="91425" bIns="45700" anchor="ctr" anchorCtr="0">
+            <a:noAutofit/>
+          </a:bodyPr>
+          <a:lstStyle/>
+          <a:p>
+            <a:pPr marL="0" lvl="0" indent="0" algn="ctr">
+              <a:spcBef>
+                <a:spcPts val="0"/>
+              </a:spcBef>
+              <a:spcAft>
+                <a:spcPts val="0"/>
+              </a:spcAft>
+              <a:buSzPts val="1400"/>
+              <a:buNone/>
+              <a:defRPr/>
+            </a:pPr>
+            <a:r>
+              <a:rPr lang="pt-BR" dirty="0"/>
+              <a:t>seisicite.com.br</a:t>
+            </a:r>
+            <a:endParaRPr dirty="0"/>
+          </a:p>
+        </p:txBody>
+      </p:sp>
+      <p:pic>
+        <p:nvPicPr>
+          <p:cNvPr id="126" name="Google Shape;126;p5"/>
+          <p:cNvPicPr/>
+          <p:nvPr/>
+        </p:nvPicPr>
+        <p:blipFill>
+          <a:blip r:embed="rId2">
+            <a:alphaModFix/>
+          </a:blip>
+          <a:srcRect l="69636"/>
+          <a:stretch/>
+        </p:blipFill>
+        <p:spPr bwMode="auto">
+          <a:xfrm>
+            <a:off x="10543064" y="0"/>
+            <a:ext cx="1475238" cy="1943425"/>
+          </a:xfrm>
+          <a:prstGeom prst="rect">
+            <a:avLst/>
+          </a:prstGeom>
+          <a:noFill/>
+          <a:ln>
+            <a:noFill/>
+          </a:ln>
+        </p:spPr>
+      </p:pic>
+      <p:pic>
+        <p:nvPicPr>
+          <p:cNvPr id="127" name="Google Shape;127;p5"/>
+          <p:cNvPicPr/>
+          <p:nvPr/>
+        </p:nvPicPr>
+        <p:blipFill>
+          <a:blip r:embed="rId3">
+            <a:alphaModFix/>
+          </a:blip>
+          <a:stretch/>
+        </p:blipFill>
+        <p:spPr bwMode="auto">
+          <a:xfrm>
+            <a:off x="-226800" y="5344202"/>
+            <a:ext cx="2423400" cy="1695226"/>
+          </a:xfrm>
+          <a:prstGeom prst="rect">
+            <a:avLst/>
+          </a:prstGeom>
+          <a:noFill/>
+          <a:ln>
+            <a:noFill/>
+          </a:ln>
+        </p:spPr>
+      </p:pic>
+    </p:spTree>
+  </p:cSld>
+  <p:clrMapOvr>
+    <a:masterClrMapping/>
+  </p:clrMapOvr>
+</p:sld>
+</file>
+
+<file path=ppt/slides/slide12.xml><?xml version="1.0" encoding="utf-8"?>
+<p:sld xmlns:a="http://schemas.openxmlformats.org/drawingml/2006/main" xmlns:r="http://schemas.openxmlformats.org/officeDocument/2006/relationships" xmlns:p="http://schemas.openxmlformats.org/presentationml/2006/main" showMasterPhAnim="0">
+  <p:cSld>
+    <p:spTree>
+      <p:nvGrpSpPr>
+        <p:cNvPr id="1" name=""/>
+        <p:cNvGrpSpPr/>
+        <p:nvPr/>
+      </p:nvGrpSpPr>
+      <p:grpSpPr bwMode="auto">
+        <a:xfrm>
+          <a:off x="0" y="0"/>
+          <a:ext cx="0" cy="0"/>
+          <a:chOff x="0" y="0"/>
+          <a:chExt cx="0" cy="0"/>
+        </a:xfrm>
+      </p:grpSpPr>
+      <p:sp>
+        <p:nvSpPr>
+          <p:cNvPr id="124" name="Google Shape;124;p5"/>
+          <p:cNvSpPr txBox="1">
+            <a:spLocks noGrp="1"/>
+          </p:cNvSpPr>
+          <p:nvPr>
+            <p:ph type="body" idx="1"/>
+          </p:nvPr>
+        </p:nvSpPr>
+        <p:spPr bwMode="auto">
+          <a:xfrm>
+            <a:off x="407368" y="836712"/>
+            <a:ext cx="10515600" cy="3033351"/>
+          </a:xfrm>
+          <a:prstGeom prst="rect">
+            <a:avLst/>
+          </a:prstGeom>
+          <a:noFill/>
+          <a:ln>
+            <a:noFill/>
+          </a:ln>
+        </p:spPr>
+        <p:txBody>
+          <a:bodyPr spcFirstLastPara="1" wrap="square" lIns="91425" tIns="45700" rIns="91425" bIns="45700" anchor="t" anchorCtr="0">
+            <a:normAutofit fontScale="70000" lnSpcReduction="20000"/>
+          </a:bodyPr>
+          <a:lstStyle/>
+          <a:p>
+            <a:pPr algn="l"/>
+            <a:r>
+              <a:rPr lang="pt-BR" sz="2200" b="0" i="0" dirty="0">
+                <a:solidFill>
+                  <a:schemeClr val="tx1"/>
+                </a:solidFill>
+                <a:effectLst/>
+                <a:latin typeface="Cambria" panose="02040503050406030204" pitchFamily="18" charset="0"/>
+                <a:ea typeface="Cambria" panose="02040503050406030204" pitchFamily="18" charset="0"/>
+              </a:rPr>
+              <a:t>NOBARI, Arash </a:t>
+            </a:r>
+            <a:r>
+              <a:rPr lang="pt-BR" sz="2200" b="0" i="0" dirty="0" err="1">
+                <a:solidFill>
+                  <a:schemeClr val="tx1"/>
+                </a:solidFill>
+                <a:effectLst/>
+                <a:latin typeface="Cambria" panose="02040503050406030204" pitchFamily="18" charset="0"/>
+                <a:ea typeface="Cambria" panose="02040503050406030204" pitchFamily="18" charset="0"/>
+              </a:rPr>
+              <a:t>Dargahi</a:t>
+            </a:r>
+            <a:r>
+              <a:rPr lang="pt-BR" sz="2200" b="0" i="0" dirty="0">
+                <a:solidFill>
+                  <a:schemeClr val="tx1"/>
+                </a:solidFill>
+                <a:effectLst/>
+                <a:latin typeface="Cambria" panose="02040503050406030204" pitchFamily="18" charset="0"/>
+                <a:ea typeface="Cambria" panose="02040503050406030204" pitchFamily="18" charset="0"/>
+              </a:rPr>
+              <a:t> et al. </a:t>
+            </a:r>
+            <a:r>
+              <a:rPr lang="pt-BR" sz="2200" b="0" i="0" dirty="0" err="1">
+                <a:solidFill>
+                  <a:schemeClr val="tx1"/>
+                </a:solidFill>
+                <a:effectLst/>
+                <a:latin typeface="Cambria" panose="02040503050406030204" pitchFamily="18" charset="0"/>
+                <a:ea typeface="Cambria" panose="02040503050406030204" pitchFamily="18" charset="0"/>
+              </a:rPr>
+              <a:t>Characteristics</a:t>
+            </a:r>
+            <a:r>
+              <a:rPr lang="pt-BR" sz="2200" b="0" i="0" dirty="0">
+                <a:solidFill>
+                  <a:schemeClr val="tx1"/>
+                </a:solidFill>
+                <a:effectLst/>
+                <a:latin typeface="Cambria" panose="02040503050406030204" pitchFamily="18" charset="0"/>
+                <a:ea typeface="Cambria" panose="02040503050406030204" pitchFamily="18" charset="0"/>
+              </a:rPr>
+              <a:t> </a:t>
+            </a:r>
+            <a:r>
+              <a:rPr lang="pt-BR" sz="2200" b="0" i="0" dirty="0" err="1">
+                <a:solidFill>
+                  <a:schemeClr val="tx1"/>
+                </a:solidFill>
+                <a:effectLst/>
+                <a:latin typeface="Cambria" panose="02040503050406030204" pitchFamily="18" charset="0"/>
+                <a:ea typeface="Cambria" panose="02040503050406030204" pitchFamily="18" charset="0"/>
+              </a:rPr>
+              <a:t>of</a:t>
+            </a:r>
+            <a:r>
+              <a:rPr lang="pt-BR" sz="2200" b="0" i="0" dirty="0">
+                <a:solidFill>
+                  <a:schemeClr val="tx1"/>
+                </a:solidFill>
+                <a:effectLst/>
+                <a:latin typeface="Cambria" panose="02040503050406030204" pitchFamily="18" charset="0"/>
+                <a:ea typeface="Cambria" panose="02040503050406030204" pitchFamily="18" charset="0"/>
+              </a:rPr>
+              <a:t> viral </a:t>
+            </a:r>
+            <a:r>
+              <a:rPr lang="pt-BR" sz="2200" b="0" i="0" dirty="0" err="1">
+                <a:solidFill>
+                  <a:schemeClr val="tx1"/>
+                </a:solidFill>
+                <a:effectLst/>
+                <a:latin typeface="Cambria" panose="02040503050406030204" pitchFamily="18" charset="0"/>
+                <a:ea typeface="Cambria" panose="02040503050406030204" pitchFamily="18" charset="0"/>
+              </a:rPr>
+              <a:t>messages</a:t>
+            </a:r>
+            <a:r>
+              <a:rPr lang="pt-BR" sz="2200" b="0" i="0" dirty="0">
+                <a:solidFill>
+                  <a:schemeClr val="tx1"/>
+                </a:solidFill>
+                <a:effectLst/>
+                <a:latin typeface="Cambria" panose="02040503050406030204" pitchFamily="18" charset="0"/>
+                <a:ea typeface="Cambria" panose="02040503050406030204" pitchFamily="18" charset="0"/>
+              </a:rPr>
+              <a:t> </a:t>
+            </a:r>
+            <a:r>
+              <a:rPr lang="pt-BR" sz="2200" b="0" i="0" dirty="0" err="1">
+                <a:solidFill>
+                  <a:schemeClr val="tx1"/>
+                </a:solidFill>
+                <a:effectLst/>
+                <a:latin typeface="Cambria" panose="02040503050406030204" pitchFamily="18" charset="0"/>
+                <a:ea typeface="Cambria" panose="02040503050406030204" pitchFamily="18" charset="0"/>
+              </a:rPr>
+              <a:t>on</a:t>
+            </a:r>
+            <a:r>
+              <a:rPr lang="pt-BR" sz="2200" b="0" i="0" dirty="0">
+                <a:solidFill>
+                  <a:schemeClr val="tx1"/>
+                </a:solidFill>
+                <a:effectLst/>
+                <a:latin typeface="Cambria" panose="02040503050406030204" pitchFamily="18" charset="0"/>
+                <a:ea typeface="Cambria" panose="02040503050406030204" pitchFamily="18" charset="0"/>
+              </a:rPr>
+              <a:t> Telegram; The </a:t>
+            </a:r>
+            <a:r>
+              <a:rPr lang="pt-BR" sz="2200" b="0" i="0" dirty="0" err="1">
+                <a:solidFill>
+                  <a:schemeClr val="tx1"/>
+                </a:solidFill>
+                <a:effectLst/>
+                <a:latin typeface="Cambria" panose="02040503050406030204" pitchFamily="18" charset="0"/>
+                <a:ea typeface="Cambria" panose="02040503050406030204" pitchFamily="18" charset="0"/>
+              </a:rPr>
+              <a:t>world’s</a:t>
+            </a:r>
+            <a:r>
+              <a:rPr lang="pt-BR" sz="2200" b="0" i="0" dirty="0">
+                <a:solidFill>
+                  <a:schemeClr val="tx1"/>
+                </a:solidFill>
+                <a:effectLst/>
+                <a:latin typeface="Cambria" panose="02040503050406030204" pitchFamily="18" charset="0"/>
+                <a:ea typeface="Cambria" panose="02040503050406030204" pitchFamily="18" charset="0"/>
+              </a:rPr>
+              <a:t> </a:t>
+            </a:r>
+            <a:r>
+              <a:rPr lang="pt-BR" sz="2200" b="0" i="0" dirty="0" err="1">
+                <a:solidFill>
+                  <a:schemeClr val="tx1"/>
+                </a:solidFill>
+                <a:effectLst/>
+                <a:latin typeface="Cambria" panose="02040503050406030204" pitchFamily="18" charset="0"/>
+                <a:ea typeface="Cambria" panose="02040503050406030204" pitchFamily="18" charset="0"/>
+              </a:rPr>
+              <a:t>largest</a:t>
+            </a:r>
+            <a:br>
+              <a:rPr lang="pt-BR" sz="2200" b="0" i="0" dirty="0">
+                <a:solidFill>
+                  <a:schemeClr val="tx1"/>
+                </a:solidFill>
+                <a:effectLst/>
+                <a:latin typeface="Cambria" panose="02040503050406030204" pitchFamily="18" charset="0"/>
+                <a:ea typeface="Cambria" panose="02040503050406030204" pitchFamily="18" charset="0"/>
+              </a:rPr>
+            </a:br>
+            <a:r>
+              <a:rPr lang="pt-BR" sz="2200" b="0" i="0" dirty="0" err="1">
+                <a:solidFill>
+                  <a:schemeClr val="tx1"/>
+                </a:solidFill>
+                <a:effectLst/>
+                <a:latin typeface="Cambria" panose="02040503050406030204" pitchFamily="18" charset="0"/>
+                <a:ea typeface="Cambria" panose="02040503050406030204" pitchFamily="18" charset="0"/>
+              </a:rPr>
+              <a:t>hybrid</a:t>
+            </a:r>
+            <a:r>
+              <a:rPr lang="pt-BR" sz="2200" b="0" i="0" dirty="0">
+                <a:solidFill>
+                  <a:schemeClr val="tx1"/>
+                </a:solidFill>
+                <a:effectLst/>
+                <a:latin typeface="Cambria" panose="02040503050406030204" pitchFamily="18" charset="0"/>
+                <a:ea typeface="Cambria" panose="02040503050406030204" pitchFamily="18" charset="0"/>
+              </a:rPr>
+              <a:t> </a:t>
+            </a:r>
+            <a:r>
+              <a:rPr lang="pt-BR" sz="2200" b="0" i="0" dirty="0" err="1">
+                <a:solidFill>
+                  <a:schemeClr val="tx1"/>
+                </a:solidFill>
+                <a:effectLst/>
+                <a:latin typeface="Cambria" panose="02040503050406030204" pitchFamily="18" charset="0"/>
+                <a:ea typeface="Cambria" panose="02040503050406030204" pitchFamily="18" charset="0"/>
+              </a:rPr>
+              <a:t>public</a:t>
+            </a:r>
+            <a:r>
+              <a:rPr lang="pt-BR" sz="2200" b="0" i="0" dirty="0">
+                <a:solidFill>
+                  <a:schemeClr val="tx1"/>
+                </a:solidFill>
+                <a:effectLst/>
+                <a:latin typeface="Cambria" panose="02040503050406030204" pitchFamily="18" charset="0"/>
+                <a:ea typeface="Cambria" panose="02040503050406030204" pitchFamily="18" charset="0"/>
+              </a:rPr>
+              <a:t> </a:t>
+            </a:r>
+            <a:r>
+              <a:rPr lang="pt-BR" sz="2200" b="0" i="0" dirty="0" err="1">
+                <a:solidFill>
+                  <a:schemeClr val="tx1"/>
+                </a:solidFill>
+                <a:effectLst/>
+                <a:latin typeface="Cambria" panose="02040503050406030204" pitchFamily="18" charset="0"/>
+                <a:ea typeface="Cambria" panose="02040503050406030204" pitchFamily="18" charset="0"/>
+              </a:rPr>
+              <a:t>and</a:t>
+            </a:r>
+            <a:r>
+              <a:rPr lang="pt-BR" sz="2200" b="0" i="0" dirty="0">
+                <a:solidFill>
+                  <a:schemeClr val="tx1"/>
+                </a:solidFill>
+                <a:effectLst/>
+                <a:latin typeface="Cambria" panose="02040503050406030204" pitchFamily="18" charset="0"/>
+                <a:ea typeface="Cambria" panose="02040503050406030204" pitchFamily="18" charset="0"/>
+              </a:rPr>
+              <a:t> </a:t>
+            </a:r>
+            <a:r>
+              <a:rPr lang="pt-BR" sz="2200" b="0" i="0" dirty="0" err="1">
+                <a:solidFill>
+                  <a:schemeClr val="tx1"/>
+                </a:solidFill>
+                <a:effectLst/>
+                <a:latin typeface="Cambria" panose="02040503050406030204" pitchFamily="18" charset="0"/>
+                <a:ea typeface="Cambria" panose="02040503050406030204" pitchFamily="18" charset="0"/>
+              </a:rPr>
+              <a:t>private</a:t>
+            </a:r>
+            <a:r>
+              <a:rPr lang="pt-BR" sz="2200" b="0" i="0" dirty="0">
+                <a:solidFill>
+                  <a:schemeClr val="tx1"/>
+                </a:solidFill>
+                <a:effectLst/>
+                <a:latin typeface="Cambria" panose="02040503050406030204" pitchFamily="18" charset="0"/>
+                <a:ea typeface="Cambria" panose="02040503050406030204" pitchFamily="18" charset="0"/>
+              </a:rPr>
+              <a:t> </a:t>
+            </a:r>
+            <a:r>
+              <a:rPr lang="pt-BR" sz="2200" b="0" i="0" dirty="0" err="1">
+                <a:solidFill>
+                  <a:schemeClr val="tx1"/>
+                </a:solidFill>
+                <a:effectLst/>
+                <a:latin typeface="Cambria" panose="02040503050406030204" pitchFamily="18" charset="0"/>
+                <a:ea typeface="Cambria" panose="02040503050406030204" pitchFamily="18" charset="0"/>
+              </a:rPr>
+              <a:t>messenger</a:t>
+            </a:r>
+            <a:r>
+              <a:rPr lang="pt-BR" sz="2200" b="0" i="0" dirty="0">
+                <a:solidFill>
+                  <a:schemeClr val="tx1"/>
+                </a:solidFill>
+                <a:effectLst/>
+                <a:latin typeface="Cambria" panose="02040503050406030204" pitchFamily="18" charset="0"/>
+                <a:ea typeface="Cambria" panose="02040503050406030204" pitchFamily="18" charset="0"/>
+              </a:rPr>
+              <a:t>. Expert sys </a:t>
+            </a:r>
+            <a:r>
+              <a:rPr lang="pt-BR" sz="2200" b="0" i="0" dirty="0" err="1">
+                <a:solidFill>
+                  <a:schemeClr val="tx1"/>
+                </a:solidFill>
+                <a:effectLst/>
+                <a:latin typeface="Cambria" panose="02040503050406030204" pitchFamily="18" charset="0"/>
+                <a:ea typeface="Cambria" panose="02040503050406030204" pitchFamily="18" charset="0"/>
+              </a:rPr>
+              <a:t>with</a:t>
+            </a:r>
+            <a:r>
+              <a:rPr lang="pt-BR" sz="2200" b="0" i="0" dirty="0">
+                <a:solidFill>
+                  <a:schemeClr val="tx1"/>
+                </a:solidFill>
+                <a:effectLst/>
+                <a:latin typeface="Cambria" panose="02040503050406030204" pitchFamily="18" charset="0"/>
+                <a:ea typeface="Cambria" panose="02040503050406030204" pitchFamily="18" charset="0"/>
+              </a:rPr>
+              <a:t> app, Elsevier, v. 168, p. 114303, 2021.</a:t>
+            </a:r>
+            <a:br>
+              <a:rPr lang="pt-BR" sz="2200" b="0" i="0" dirty="0">
+                <a:solidFill>
+                  <a:schemeClr val="tx1"/>
+                </a:solidFill>
+                <a:effectLst/>
+                <a:latin typeface="Cambria" panose="02040503050406030204" pitchFamily="18" charset="0"/>
+                <a:ea typeface="Cambria" panose="02040503050406030204" pitchFamily="18" charset="0"/>
+              </a:rPr>
+            </a:br>
+            <a:endParaRPr lang="pt-BR" sz="2200" b="0" i="0" dirty="0">
+              <a:solidFill>
+                <a:schemeClr val="tx1"/>
+              </a:solidFill>
+              <a:effectLst/>
+              <a:latin typeface="Cambria" panose="02040503050406030204" pitchFamily="18" charset="0"/>
+              <a:ea typeface="Cambria" panose="02040503050406030204" pitchFamily="18" charset="0"/>
+            </a:endParaRPr>
+          </a:p>
+          <a:p>
+            <a:pPr algn="l"/>
+            <a:r>
+              <a:rPr lang="pt-BR" sz="2200" b="0" i="0" dirty="0">
+                <a:solidFill>
+                  <a:schemeClr val="tx1"/>
+                </a:solidFill>
+                <a:effectLst/>
+                <a:latin typeface="Cambria" panose="02040503050406030204" pitchFamily="18" charset="0"/>
+                <a:ea typeface="Cambria" panose="02040503050406030204" pitchFamily="18" charset="0"/>
+              </a:rPr>
+              <a:t>SANTOS, Frances A et al. </a:t>
+            </a:r>
+            <a:r>
+              <a:rPr lang="pt-BR" sz="2200" b="0" i="0" dirty="0" err="1">
+                <a:solidFill>
+                  <a:schemeClr val="tx1"/>
+                </a:solidFill>
+                <a:effectLst/>
+                <a:latin typeface="Cambria" panose="02040503050406030204" pitchFamily="18" charset="0"/>
+                <a:ea typeface="Cambria" panose="02040503050406030204" pitchFamily="18" charset="0"/>
+              </a:rPr>
+              <a:t>Automatic</a:t>
+            </a:r>
+            <a:r>
+              <a:rPr lang="pt-BR" sz="2200" b="0" i="0" dirty="0">
+                <a:solidFill>
+                  <a:schemeClr val="tx1"/>
+                </a:solidFill>
+                <a:effectLst/>
+                <a:latin typeface="Cambria" panose="02040503050406030204" pitchFamily="18" charset="0"/>
+                <a:ea typeface="Cambria" panose="02040503050406030204" pitchFamily="18" charset="0"/>
+              </a:rPr>
+              <a:t> </a:t>
+            </a:r>
+            <a:r>
+              <a:rPr lang="pt-BR" sz="2200" b="0" i="0" dirty="0" err="1">
+                <a:solidFill>
+                  <a:schemeClr val="tx1"/>
+                </a:solidFill>
+                <a:effectLst/>
+                <a:latin typeface="Cambria" panose="02040503050406030204" pitchFamily="18" charset="0"/>
+                <a:ea typeface="Cambria" panose="02040503050406030204" pitchFamily="18" charset="0"/>
+              </a:rPr>
+              <a:t>extraction</a:t>
+            </a:r>
+            <a:r>
+              <a:rPr lang="pt-BR" sz="2200" b="0" i="0" dirty="0">
+                <a:solidFill>
+                  <a:schemeClr val="tx1"/>
+                </a:solidFill>
+                <a:effectLst/>
+                <a:latin typeface="Cambria" panose="02040503050406030204" pitchFamily="18" charset="0"/>
+                <a:ea typeface="Cambria" panose="02040503050406030204" pitchFamily="18" charset="0"/>
+              </a:rPr>
+              <a:t> </a:t>
+            </a:r>
+            <a:r>
+              <a:rPr lang="pt-BR" sz="2200" b="0" i="0" dirty="0" err="1">
+                <a:solidFill>
+                  <a:schemeClr val="tx1"/>
+                </a:solidFill>
+                <a:effectLst/>
+                <a:latin typeface="Cambria" panose="02040503050406030204" pitchFamily="18" charset="0"/>
+                <a:ea typeface="Cambria" panose="02040503050406030204" pitchFamily="18" charset="0"/>
+              </a:rPr>
+              <a:t>of</a:t>
+            </a:r>
+            <a:r>
+              <a:rPr lang="pt-BR" sz="2200" b="0" i="0" dirty="0">
+                <a:solidFill>
+                  <a:schemeClr val="tx1"/>
+                </a:solidFill>
+                <a:effectLst/>
+                <a:latin typeface="Cambria" panose="02040503050406030204" pitchFamily="18" charset="0"/>
+                <a:ea typeface="Cambria" panose="02040503050406030204" pitchFamily="18" charset="0"/>
+              </a:rPr>
+              <a:t> </a:t>
+            </a:r>
+            <a:r>
+              <a:rPr lang="pt-BR" sz="2200" b="0" i="0" dirty="0" err="1">
+                <a:solidFill>
+                  <a:schemeClr val="tx1"/>
+                </a:solidFill>
+                <a:effectLst/>
+                <a:latin typeface="Cambria" panose="02040503050406030204" pitchFamily="18" charset="0"/>
+                <a:ea typeface="Cambria" panose="02040503050406030204" pitchFamily="18" charset="0"/>
+              </a:rPr>
+              <a:t>urban</a:t>
+            </a:r>
+            <a:r>
+              <a:rPr lang="pt-BR" sz="2200" b="0" i="0" dirty="0">
+                <a:solidFill>
+                  <a:schemeClr val="tx1"/>
+                </a:solidFill>
+                <a:effectLst/>
+                <a:latin typeface="Cambria" panose="02040503050406030204" pitchFamily="18" charset="0"/>
+                <a:ea typeface="Cambria" panose="02040503050406030204" pitchFamily="18" charset="0"/>
+              </a:rPr>
+              <a:t> outdoor </a:t>
+            </a:r>
+            <a:r>
+              <a:rPr lang="pt-BR" sz="2200" b="0" i="0" dirty="0" err="1">
+                <a:solidFill>
+                  <a:schemeClr val="tx1"/>
+                </a:solidFill>
+                <a:effectLst/>
+                <a:latin typeface="Cambria" panose="02040503050406030204" pitchFamily="18" charset="0"/>
+                <a:ea typeface="Cambria" panose="02040503050406030204" pitchFamily="18" charset="0"/>
+              </a:rPr>
+              <a:t>perception</a:t>
+            </a:r>
+            <a:r>
+              <a:rPr lang="pt-BR" sz="2200" b="0" i="0" dirty="0">
+                <a:solidFill>
+                  <a:schemeClr val="tx1"/>
+                </a:solidFill>
+                <a:effectLst/>
+                <a:latin typeface="Cambria" panose="02040503050406030204" pitchFamily="18" charset="0"/>
+                <a:ea typeface="Cambria" panose="02040503050406030204" pitchFamily="18" charset="0"/>
+              </a:rPr>
+              <a:t> </a:t>
+            </a:r>
+            <a:r>
+              <a:rPr lang="pt-BR" sz="2200" b="0" i="0" dirty="0" err="1">
+                <a:solidFill>
+                  <a:schemeClr val="tx1"/>
+                </a:solidFill>
+                <a:effectLst/>
+                <a:latin typeface="Cambria" panose="02040503050406030204" pitchFamily="18" charset="0"/>
+                <a:ea typeface="Cambria" panose="02040503050406030204" pitchFamily="18" charset="0"/>
+              </a:rPr>
+              <a:t>from</a:t>
+            </a:r>
+            <a:r>
+              <a:rPr lang="pt-BR" sz="2200" b="0" i="0" dirty="0">
+                <a:solidFill>
+                  <a:schemeClr val="tx1"/>
+                </a:solidFill>
+                <a:effectLst/>
+                <a:latin typeface="Cambria" panose="02040503050406030204" pitchFamily="18" charset="0"/>
+                <a:ea typeface="Cambria" panose="02040503050406030204" pitchFamily="18" charset="0"/>
+              </a:rPr>
+              <a:t> </a:t>
+            </a:r>
+            <a:r>
+              <a:rPr lang="pt-BR" sz="2200" b="0" i="0" dirty="0" err="1">
+                <a:solidFill>
+                  <a:schemeClr val="tx1"/>
+                </a:solidFill>
+                <a:effectLst/>
+                <a:latin typeface="Cambria" panose="02040503050406030204" pitchFamily="18" charset="0"/>
+                <a:ea typeface="Cambria" panose="02040503050406030204" pitchFamily="18" charset="0"/>
+              </a:rPr>
+              <a:t>geolocated</a:t>
+            </a:r>
+            <a:r>
+              <a:rPr lang="pt-BR" sz="2200" b="0" i="0" dirty="0">
+                <a:solidFill>
+                  <a:schemeClr val="tx1"/>
+                </a:solidFill>
+                <a:effectLst/>
+                <a:latin typeface="Cambria" panose="02040503050406030204" pitchFamily="18" charset="0"/>
+                <a:ea typeface="Cambria" panose="02040503050406030204" pitchFamily="18" charset="0"/>
+              </a:rPr>
+              <a:t> </a:t>
+            </a:r>
+            <a:r>
+              <a:rPr lang="pt-BR" sz="2200" b="0" i="0" dirty="0" err="1">
+                <a:solidFill>
+                  <a:schemeClr val="tx1"/>
+                </a:solidFill>
+                <a:effectLst/>
+                <a:latin typeface="Cambria" panose="02040503050406030204" pitchFamily="18" charset="0"/>
+                <a:ea typeface="Cambria" panose="02040503050406030204" pitchFamily="18" charset="0"/>
+              </a:rPr>
+              <a:t>free</a:t>
+            </a:r>
+            <a:br>
+              <a:rPr lang="pt-BR" sz="2200" b="0" i="0" dirty="0">
+                <a:solidFill>
+                  <a:schemeClr val="tx1"/>
+                </a:solidFill>
+                <a:effectLst/>
+                <a:latin typeface="Cambria" panose="02040503050406030204" pitchFamily="18" charset="0"/>
+                <a:ea typeface="Cambria" panose="02040503050406030204" pitchFamily="18" charset="0"/>
+              </a:rPr>
+            </a:br>
+            <a:r>
+              <a:rPr lang="pt-BR" sz="2200" b="0" i="0" dirty="0" err="1">
+                <a:solidFill>
+                  <a:schemeClr val="tx1"/>
+                </a:solidFill>
+                <a:effectLst/>
+                <a:latin typeface="Cambria" panose="02040503050406030204" pitchFamily="18" charset="0"/>
+                <a:ea typeface="Cambria" panose="02040503050406030204" pitchFamily="18" charset="0"/>
+              </a:rPr>
+              <a:t>texts</a:t>
+            </a:r>
+            <a:r>
+              <a:rPr lang="pt-BR" sz="2200" b="0" i="0" dirty="0">
+                <a:solidFill>
+                  <a:schemeClr val="tx1"/>
+                </a:solidFill>
+                <a:effectLst/>
+                <a:latin typeface="Cambria" panose="02040503050406030204" pitchFamily="18" charset="0"/>
+                <a:ea typeface="Cambria" panose="02040503050406030204" pitchFamily="18" charset="0"/>
+              </a:rPr>
+              <a:t>. Social Network </a:t>
+            </a:r>
+            <a:r>
+              <a:rPr lang="pt-BR" sz="2200" b="0" i="0" dirty="0" err="1">
+                <a:solidFill>
+                  <a:schemeClr val="tx1"/>
+                </a:solidFill>
+                <a:effectLst/>
+                <a:latin typeface="Cambria" panose="02040503050406030204" pitchFamily="18" charset="0"/>
+                <a:ea typeface="Cambria" panose="02040503050406030204" pitchFamily="18" charset="0"/>
+              </a:rPr>
+              <a:t>Analysis</a:t>
+            </a:r>
+            <a:r>
+              <a:rPr lang="pt-BR" sz="2200" b="0" i="0" dirty="0">
+                <a:solidFill>
+                  <a:schemeClr val="tx1"/>
+                </a:solidFill>
+                <a:effectLst/>
+                <a:latin typeface="Cambria" panose="02040503050406030204" pitchFamily="18" charset="0"/>
+                <a:ea typeface="Cambria" panose="02040503050406030204" pitchFamily="18" charset="0"/>
+              </a:rPr>
+              <a:t> </a:t>
+            </a:r>
+            <a:r>
+              <a:rPr lang="pt-BR" sz="2200" b="0" i="0" dirty="0" err="1">
+                <a:solidFill>
+                  <a:schemeClr val="tx1"/>
+                </a:solidFill>
+                <a:effectLst/>
+                <a:latin typeface="Cambria" panose="02040503050406030204" pitchFamily="18" charset="0"/>
+                <a:ea typeface="Cambria" panose="02040503050406030204" pitchFamily="18" charset="0"/>
+              </a:rPr>
+              <a:t>and</a:t>
+            </a:r>
+            <a:r>
+              <a:rPr lang="pt-BR" sz="2200" b="0" i="0" dirty="0">
+                <a:solidFill>
+                  <a:schemeClr val="tx1"/>
+                </a:solidFill>
+                <a:effectLst/>
+                <a:latin typeface="Cambria" panose="02040503050406030204" pitchFamily="18" charset="0"/>
+                <a:ea typeface="Cambria" panose="02040503050406030204" pitchFamily="18" charset="0"/>
+              </a:rPr>
+              <a:t> Mining, Springer, v. 10, p. 1–23, 2020.</a:t>
+            </a:r>
+            <a:br>
+              <a:rPr lang="pt-BR" sz="2200" b="0" i="0" dirty="0">
+                <a:solidFill>
+                  <a:schemeClr val="tx1"/>
+                </a:solidFill>
+                <a:effectLst/>
+                <a:latin typeface="Cambria" panose="02040503050406030204" pitchFamily="18" charset="0"/>
+                <a:ea typeface="Cambria" panose="02040503050406030204" pitchFamily="18" charset="0"/>
+              </a:rPr>
+            </a:br>
+            <a:endParaRPr lang="pt-BR" sz="2200" b="0" i="0" dirty="0">
+              <a:solidFill>
+                <a:schemeClr val="tx1"/>
+              </a:solidFill>
+              <a:effectLst/>
+              <a:latin typeface="Cambria" panose="02040503050406030204" pitchFamily="18" charset="0"/>
+              <a:ea typeface="Cambria" panose="02040503050406030204" pitchFamily="18" charset="0"/>
+            </a:endParaRPr>
+          </a:p>
+          <a:p>
+            <a:pPr algn="l"/>
+            <a:r>
+              <a:rPr lang="pt-BR" sz="2200" b="0" i="0" dirty="0">
+                <a:solidFill>
+                  <a:schemeClr val="tx1"/>
+                </a:solidFill>
+                <a:effectLst/>
+                <a:latin typeface="Cambria" panose="02040503050406030204" pitchFamily="18" charset="0"/>
+                <a:ea typeface="Cambria" panose="02040503050406030204" pitchFamily="18" charset="0"/>
+              </a:rPr>
+              <a:t>SILVA, Thiago H; LOUREIRO, </a:t>
+            </a:r>
+            <a:r>
+              <a:rPr lang="pt-BR" sz="2200" b="0" i="0" dirty="0" err="1">
+                <a:solidFill>
+                  <a:schemeClr val="tx1"/>
+                </a:solidFill>
+                <a:effectLst/>
+                <a:latin typeface="Cambria" panose="02040503050406030204" pitchFamily="18" charset="0"/>
+                <a:ea typeface="Cambria" panose="02040503050406030204" pitchFamily="18" charset="0"/>
+              </a:rPr>
+              <a:t>Antonio</a:t>
+            </a:r>
+            <a:r>
+              <a:rPr lang="pt-BR" sz="2200" b="0" i="0" dirty="0">
+                <a:solidFill>
+                  <a:schemeClr val="tx1"/>
+                </a:solidFill>
+                <a:effectLst/>
+                <a:latin typeface="Cambria" panose="02040503050406030204" pitchFamily="18" charset="0"/>
+                <a:ea typeface="Cambria" panose="02040503050406030204" pitchFamily="18" charset="0"/>
+              </a:rPr>
+              <a:t> AF. </a:t>
+            </a:r>
+            <a:r>
+              <a:rPr lang="pt-BR" sz="2200" b="0" i="0" dirty="0" err="1">
+                <a:solidFill>
+                  <a:schemeClr val="tx1"/>
+                </a:solidFill>
+                <a:effectLst/>
+                <a:latin typeface="Cambria" panose="02040503050406030204" pitchFamily="18" charset="0"/>
+                <a:ea typeface="Cambria" panose="02040503050406030204" pitchFamily="18" charset="0"/>
+              </a:rPr>
+              <a:t>Computaçao</a:t>
+            </a:r>
+            <a:r>
+              <a:rPr lang="pt-BR" sz="2200" b="0" i="0" dirty="0">
+                <a:solidFill>
+                  <a:schemeClr val="tx1"/>
+                </a:solidFill>
+                <a:effectLst/>
+                <a:latin typeface="Cambria" panose="02040503050406030204" pitchFamily="18" charset="0"/>
+                <a:ea typeface="Cambria" panose="02040503050406030204" pitchFamily="18" charset="0"/>
+              </a:rPr>
+              <a:t> urbana: Técnicas para o estudo de</a:t>
+            </a:r>
+            <a:br>
+              <a:rPr lang="pt-BR" sz="2200" b="0" i="0" dirty="0">
+                <a:solidFill>
+                  <a:schemeClr val="tx1"/>
+                </a:solidFill>
+                <a:effectLst/>
+                <a:latin typeface="Cambria" panose="02040503050406030204" pitchFamily="18" charset="0"/>
+                <a:ea typeface="Cambria" panose="02040503050406030204" pitchFamily="18" charset="0"/>
+              </a:rPr>
+            </a:br>
+            <a:r>
+              <a:rPr lang="pt-BR" sz="2200" b="0" i="0" dirty="0">
+                <a:solidFill>
+                  <a:schemeClr val="tx1"/>
+                </a:solidFill>
+                <a:effectLst/>
+                <a:latin typeface="Cambria" panose="02040503050406030204" pitchFamily="18" charset="0"/>
+                <a:ea typeface="Cambria" panose="02040503050406030204" pitchFamily="18" charset="0"/>
+              </a:rPr>
+              <a:t>sociedades com redes de sensoriamento participativo. Sociedade Brasileira de Computação, 2016.</a:t>
+            </a:r>
+            <a:br>
+              <a:rPr lang="pt-BR" sz="2200" b="0" i="0" dirty="0">
+                <a:solidFill>
+                  <a:schemeClr val="tx1"/>
+                </a:solidFill>
+                <a:effectLst/>
+                <a:latin typeface="Cambria" panose="02040503050406030204" pitchFamily="18" charset="0"/>
+                <a:ea typeface="Cambria" panose="02040503050406030204" pitchFamily="18" charset="0"/>
+              </a:rPr>
+            </a:br>
+            <a:endParaRPr lang="pt-BR" sz="2200" b="0" i="0" dirty="0">
+              <a:solidFill>
+                <a:schemeClr val="tx1"/>
+              </a:solidFill>
+              <a:effectLst/>
+              <a:latin typeface="Cambria" panose="02040503050406030204" pitchFamily="18" charset="0"/>
+              <a:ea typeface="Cambria" panose="02040503050406030204" pitchFamily="18" charset="0"/>
+            </a:endParaRPr>
+          </a:p>
+          <a:p>
+            <a:pPr algn="l"/>
+            <a:r>
+              <a:rPr lang="pt-BR" sz="2200" b="0" i="0" dirty="0">
+                <a:solidFill>
+                  <a:schemeClr val="tx1"/>
+                </a:solidFill>
+                <a:effectLst/>
+                <a:latin typeface="Cambria" panose="02040503050406030204" pitchFamily="18" charset="0"/>
+                <a:ea typeface="Cambria" panose="02040503050406030204" pitchFamily="18" charset="0"/>
+              </a:rPr>
+              <a:t>TSUTSUMI, Diego P; FENERICH, Amanda T; SILVA, Thiago H. </a:t>
+            </a:r>
+            <a:r>
+              <a:rPr lang="pt-BR" sz="2200" b="0" i="0" dirty="0" err="1">
+                <a:solidFill>
+                  <a:schemeClr val="tx1"/>
+                </a:solidFill>
+                <a:effectLst/>
+                <a:latin typeface="Cambria" panose="02040503050406030204" pitchFamily="18" charset="0"/>
+                <a:ea typeface="Cambria" panose="02040503050406030204" pitchFamily="18" charset="0"/>
+              </a:rPr>
+              <a:t>Towards</a:t>
+            </a:r>
+            <a:r>
+              <a:rPr lang="pt-BR" sz="2200" b="0" i="0" dirty="0">
+                <a:solidFill>
+                  <a:schemeClr val="tx1"/>
+                </a:solidFill>
+                <a:effectLst/>
+                <a:latin typeface="Cambria" panose="02040503050406030204" pitchFamily="18" charset="0"/>
+                <a:ea typeface="Cambria" panose="02040503050406030204" pitchFamily="18" charset="0"/>
+              </a:rPr>
+              <a:t> business </a:t>
+            </a:r>
+            <a:r>
+              <a:rPr lang="pt-BR" sz="2200" b="0" i="0" dirty="0" err="1">
+                <a:solidFill>
+                  <a:schemeClr val="tx1"/>
+                </a:solidFill>
+                <a:effectLst/>
+                <a:latin typeface="Cambria" panose="02040503050406030204" pitchFamily="18" charset="0"/>
+                <a:ea typeface="Cambria" panose="02040503050406030204" pitchFamily="18" charset="0"/>
+              </a:rPr>
+              <a:t>partnership</a:t>
+            </a:r>
+            <a:br>
+              <a:rPr lang="pt-BR" sz="2200" b="0" i="0" dirty="0">
+                <a:solidFill>
+                  <a:schemeClr val="tx1"/>
+                </a:solidFill>
+                <a:effectLst/>
+                <a:latin typeface="Cambria" panose="02040503050406030204" pitchFamily="18" charset="0"/>
+                <a:ea typeface="Cambria" panose="02040503050406030204" pitchFamily="18" charset="0"/>
+              </a:rPr>
+            </a:br>
+            <a:r>
+              <a:rPr lang="pt-BR" sz="2200" b="0" i="0" dirty="0" err="1">
+                <a:solidFill>
+                  <a:schemeClr val="tx1"/>
+                </a:solidFill>
+                <a:effectLst/>
+                <a:latin typeface="Cambria" panose="02040503050406030204" pitchFamily="18" charset="0"/>
+                <a:ea typeface="Cambria" panose="02040503050406030204" pitchFamily="18" charset="0"/>
+              </a:rPr>
+              <a:t>recommendation</a:t>
+            </a:r>
+            <a:r>
+              <a:rPr lang="pt-BR" sz="2200" b="0" i="0" dirty="0">
+                <a:solidFill>
+                  <a:schemeClr val="tx1"/>
+                </a:solidFill>
+                <a:effectLst/>
+                <a:latin typeface="Cambria" panose="02040503050406030204" pitchFamily="18" charset="0"/>
+                <a:ea typeface="Cambria" panose="02040503050406030204" pitchFamily="18" charset="0"/>
+              </a:rPr>
+              <a:t> </a:t>
+            </a:r>
+            <a:r>
+              <a:rPr lang="pt-BR" sz="2200" b="0" i="0" dirty="0" err="1">
+                <a:solidFill>
+                  <a:schemeClr val="tx1"/>
+                </a:solidFill>
+                <a:effectLst/>
+                <a:latin typeface="Cambria" panose="02040503050406030204" pitchFamily="18" charset="0"/>
+                <a:ea typeface="Cambria" panose="02040503050406030204" pitchFamily="18" charset="0"/>
+              </a:rPr>
+              <a:t>using</a:t>
+            </a:r>
+            <a:r>
+              <a:rPr lang="pt-BR" sz="2200" b="0" i="0" dirty="0">
+                <a:solidFill>
+                  <a:schemeClr val="tx1"/>
+                </a:solidFill>
+                <a:effectLst/>
+                <a:latin typeface="Cambria" panose="02040503050406030204" pitchFamily="18" charset="0"/>
+                <a:ea typeface="Cambria" panose="02040503050406030204" pitchFamily="18" charset="0"/>
+              </a:rPr>
+              <a:t> </a:t>
+            </a:r>
+            <a:r>
+              <a:rPr lang="pt-BR" sz="2200" b="0" i="0" dirty="0" err="1">
+                <a:solidFill>
+                  <a:schemeClr val="tx1"/>
+                </a:solidFill>
+                <a:effectLst/>
+                <a:latin typeface="Cambria" panose="02040503050406030204" pitchFamily="18" charset="0"/>
+                <a:ea typeface="Cambria" panose="02040503050406030204" pitchFamily="18" charset="0"/>
+              </a:rPr>
+              <a:t>user</a:t>
+            </a:r>
+            <a:r>
+              <a:rPr lang="pt-BR" sz="2200" b="0" i="0" dirty="0">
+                <a:solidFill>
+                  <a:schemeClr val="tx1"/>
+                </a:solidFill>
+                <a:effectLst/>
+                <a:latin typeface="Cambria" panose="02040503050406030204" pitchFamily="18" charset="0"/>
+                <a:ea typeface="Cambria" panose="02040503050406030204" pitchFamily="18" charset="0"/>
+              </a:rPr>
+              <a:t> </a:t>
+            </a:r>
+            <a:r>
+              <a:rPr lang="pt-BR" sz="2200" b="0" i="0" dirty="0" err="1">
+                <a:solidFill>
+                  <a:schemeClr val="tx1"/>
+                </a:solidFill>
+                <a:effectLst/>
+                <a:latin typeface="Cambria" panose="02040503050406030204" pitchFamily="18" charset="0"/>
+                <a:ea typeface="Cambria" panose="02040503050406030204" pitchFamily="18" charset="0"/>
+              </a:rPr>
+              <a:t>opinion</a:t>
+            </a:r>
+            <a:r>
+              <a:rPr lang="pt-BR" sz="2200" b="0" i="0" dirty="0">
+                <a:solidFill>
+                  <a:schemeClr val="tx1"/>
+                </a:solidFill>
+                <a:effectLst/>
+                <a:latin typeface="Cambria" panose="02040503050406030204" pitchFamily="18" charset="0"/>
+                <a:ea typeface="Cambria" panose="02040503050406030204" pitchFamily="18" charset="0"/>
+              </a:rPr>
+              <a:t> </a:t>
+            </a:r>
+            <a:r>
+              <a:rPr lang="pt-BR" sz="2200" b="0" i="0" dirty="0" err="1">
+                <a:solidFill>
+                  <a:schemeClr val="tx1"/>
+                </a:solidFill>
+                <a:effectLst/>
+                <a:latin typeface="Cambria" panose="02040503050406030204" pitchFamily="18" charset="0"/>
+                <a:ea typeface="Cambria" panose="02040503050406030204" pitchFamily="18" charset="0"/>
+              </a:rPr>
+              <a:t>on</a:t>
+            </a:r>
+            <a:r>
+              <a:rPr lang="pt-BR" sz="2200" b="0" i="0" dirty="0">
+                <a:solidFill>
+                  <a:schemeClr val="tx1"/>
+                </a:solidFill>
+                <a:effectLst/>
+                <a:latin typeface="Cambria" panose="02040503050406030204" pitchFamily="18" charset="0"/>
+                <a:ea typeface="Cambria" panose="02040503050406030204" pitchFamily="18" charset="0"/>
+              </a:rPr>
+              <a:t> Facebook. </a:t>
+            </a:r>
+            <a:r>
+              <a:rPr lang="pt-BR" sz="2200" b="0" i="0" dirty="0" err="1">
+                <a:solidFill>
+                  <a:schemeClr val="tx1"/>
+                </a:solidFill>
+                <a:effectLst/>
+                <a:latin typeface="Cambria" panose="02040503050406030204" pitchFamily="18" charset="0"/>
+                <a:ea typeface="Cambria" panose="02040503050406030204" pitchFamily="18" charset="0"/>
+              </a:rPr>
+              <a:t>Journal</a:t>
+            </a:r>
+            <a:r>
+              <a:rPr lang="pt-BR" sz="2200" b="0" i="0" dirty="0">
+                <a:solidFill>
+                  <a:schemeClr val="tx1"/>
+                </a:solidFill>
+                <a:effectLst/>
+                <a:latin typeface="Cambria" panose="02040503050406030204" pitchFamily="18" charset="0"/>
+                <a:ea typeface="Cambria" panose="02040503050406030204" pitchFamily="18" charset="0"/>
+              </a:rPr>
+              <a:t> </a:t>
+            </a:r>
+            <a:r>
+              <a:rPr lang="pt-BR" sz="2200" b="0" i="0" dirty="0" err="1">
+                <a:solidFill>
+                  <a:schemeClr val="tx1"/>
+                </a:solidFill>
+                <a:effectLst/>
+                <a:latin typeface="Cambria" panose="02040503050406030204" pitchFamily="18" charset="0"/>
+                <a:ea typeface="Cambria" panose="02040503050406030204" pitchFamily="18" charset="0"/>
+              </a:rPr>
+              <a:t>of</a:t>
+            </a:r>
+            <a:r>
+              <a:rPr lang="pt-BR" sz="2200" b="0" i="0" dirty="0">
+                <a:solidFill>
+                  <a:schemeClr val="tx1"/>
+                </a:solidFill>
+                <a:effectLst/>
+                <a:latin typeface="Cambria" panose="02040503050406030204" pitchFamily="18" charset="0"/>
+                <a:ea typeface="Cambria" panose="02040503050406030204" pitchFamily="18" charset="0"/>
+              </a:rPr>
+              <a:t> Internet Services </a:t>
+            </a:r>
+            <a:r>
+              <a:rPr lang="pt-BR" sz="2200" b="0" i="0" dirty="0" err="1">
+                <a:solidFill>
+                  <a:schemeClr val="tx1"/>
+                </a:solidFill>
+                <a:effectLst/>
+                <a:latin typeface="Cambria" panose="02040503050406030204" pitchFamily="18" charset="0"/>
+                <a:ea typeface="Cambria" panose="02040503050406030204" pitchFamily="18" charset="0"/>
+              </a:rPr>
+              <a:t>and</a:t>
+            </a:r>
+            <a:r>
+              <a:rPr lang="pt-BR" sz="2200" b="0" i="0" dirty="0">
+                <a:solidFill>
+                  <a:schemeClr val="tx1"/>
+                </a:solidFill>
+                <a:effectLst/>
+                <a:latin typeface="Cambria" panose="02040503050406030204" pitchFamily="18" charset="0"/>
+                <a:ea typeface="Cambria" panose="02040503050406030204" pitchFamily="18" charset="0"/>
+              </a:rPr>
+              <a:t> </a:t>
+            </a:r>
+            <a:r>
+              <a:rPr lang="pt-BR" sz="2200" b="0" i="0" dirty="0" err="1">
+                <a:solidFill>
+                  <a:schemeClr val="tx1"/>
+                </a:solidFill>
+                <a:effectLst/>
+                <a:latin typeface="Cambria" panose="02040503050406030204" pitchFamily="18" charset="0"/>
+                <a:ea typeface="Cambria" panose="02040503050406030204" pitchFamily="18" charset="0"/>
+              </a:rPr>
+              <a:t>Applications</a:t>
+            </a:r>
+            <a:r>
+              <a:rPr lang="pt-BR" sz="2200" b="0" i="0" dirty="0">
+                <a:solidFill>
+                  <a:schemeClr val="tx1"/>
+                </a:solidFill>
+                <a:effectLst/>
+                <a:latin typeface="Cambria" panose="02040503050406030204" pitchFamily="18" charset="0"/>
+                <a:ea typeface="Cambria" panose="02040503050406030204" pitchFamily="18" charset="0"/>
+              </a:rPr>
+              <a:t>,</a:t>
+            </a:r>
+            <a:br>
+              <a:rPr lang="pt-BR" sz="2200" b="0" i="0" dirty="0">
+                <a:solidFill>
+                  <a:schemeClr val="tx1"/>
+                </a:solidFill>
+                <a:effectLst/>
+                <a:latin typeface="Cambria" panose="02040503050406030204" pitchFamily="18" charset="0"/>
+                <a:ea typeface="Cambria" panose="02040503050406030204" pitchFamily="18" charset="0"/>
+              </a:rPr>
+            </a:br>
+            <a:r>
+              <a:rPr lang="pt-BR" sz="2200" b="0" i="0" dirty="0">
+                <a:solidFill>
+                  <a:schemeClr val="tx1"/>
+                </a:solidFill>
+                <a:effectLst/>
+                <a:latin typeface="Cambria" panose="02040503050406030204" pitchFamily="18" charset="0"/>
+                <a:ea typeface="Cambria" panose="02040503050406030204" pitchFamily="18" charset="0"/>
+              </a:rPr>
+              <a:t>Springer, v. 10, p. 1–23, 2019.</a:t>
+            </a:r>
+            <a:br>
+              <a:rPr lang="pt-BR" sz="2200" b="0" i="0" dirty="0">
+                <a:solidFill>
+                  <a:schemeClr val="tx1"/>
+                </a:solidFill>
+                <a:effectLst/>
+                <a:latin typeface="Cambria" panose="02040503050406030204" pitchFamily="18" charset="0"/>
+                <a:ea typeface="Cambria" panose="02040503050406030204" pitchFamily="18" charset="0"/>
+              </a:rPr>
+            </a:br>
+            <a:r>
+              <a:rPr lang="pt-BR" sz="2200" b="0" i="0" dirty="0">
+                <a:solidFill>
+                  <a:schemeClr val="tx1"/>
+                </a:solidFill>
+                <a:effectLst/>
+                <a:latin typeface="Cambria" panose="02040503050406030204" pitchFamily="18" charset="0"/>
+                <a:ea typeface="Cambria" panose="02040503050406030204" pitchFamily="18" charset="0"/>
+              </a:rPr>
+              <a:t>seisicite.com.br 6</a:t>
+            </a:r>
+            <a:br>
+              <a:rPr lang="pt-BR" sz="4000" b="0" i="0" dirty="0">
+                <a:solidFill>
+                  <a:srgbClr val="5D6879"/>
+                </a:solidFill>
+                <a:effectLst/>
+                <a:latin typeface="Lato" panose="020F0502020204030203" pitchFamily="34" charset="0"/>
+              </a:rPr>
+            </a:br>
+            <a:endParaRPr dirty="0">
+              <a:latin typeface="Cambria"/>
+              <a:ea typeface="Cambria"/>
+              <a:cs typeface="Cambria"/>
+            </a:endParaRPr>
+          </a:p>
+        </p:txBody>
+      </p:sp>
+      <p:sp>
+        <p:nvSpPr>
+          <p:cNvPr id="125" name="Google Shape;125;p5"/>
+          <p:cNvSpPr txBox="1">
+            <a:spLocks noGrp="1"/>
+          </p:cNvSpPr>
+          <p:nvPr>
+            <p:ph type="ftr" idx="11"/>
+          </p:nvPr>
+        </p:nvSpPr>
+        <p:spPr bwMode="auto">
+          <a:xfrm>
+            <a:off x="4038600" y="6356350"/>
+            <a:ext cx="4114800" cy="365125"/>
+          </a:xfrm>
+          <a:prstGeom prst="rect">
+            <a:avLst/>
+          </a:prstGeom>
+          <a:noFill/>
+          <a:ln>
+            <a:noFill/>
+          </a:ln>
+        </p:spPr>
+        <p:txBody>
+          <a:bodyPr spcFirstLastPara="1" wrap="square" lIns="91425" tIns="45700" rIns="91425" bIns="45700" anchor="ctr" anchorCtr="0">
+            <a:noAutofit/>
+          </a:bodyPr>
+          <a:lstStyle/>
+          <a:p>
+            <a:pPr marL="0" lvl="0" indent="0" algn="ctr">
+              <a:spcBef>
+                <a:spcPts val="0"/>
+              </a:spcBef>
+              <a:spcAft>
+                <a:spcPts val="0"/>
+              </a:spcAft>
+              <a:buSzPts val="1400"/>
+              <a:buNone/>
+              <a:defRPr/>
+            </a:pPr>
+            <a:r>
+              <a:rPr lang="pt-BR"/>
+              <a:t>seisicite.com.br</a:t>
+            </a:r>
+            <a:endParaRPr/>
+          </a:p>
+        </p:txBody>
+      </p:sp>
+      <p:pic>
+        <p:nvPicPr>
+          <p:cNvPr id="126" name="Google Shape;126;p5"/>
+          <p:cNvPicPr/>
+          <p:nvPr/>
+        </p:nvPicPr>
+        <p:blipFill>
+          <a:blip r:embed="rId2">
+            <a:alphaModFix/>
+          </a:blip>
+          <a:srcRect l="69636"/>
+          <a:stretch/>
+        </p:blipFill>
+        <p:spPr bwMode="auto">
+          <a:xfrm>
+            <a:off x="10543064" y="0"/>
+            <a:ext cx="1475238" cy="1943425"/>
+          </a:xfrm>
+          <a:prstGeom prst="rect">
+            <a:avLst/>
+          </a:prstGeom>
+          <a:noFill/>
+          <a:ln>
+            <a:noFill/>
+          </a:ln>
+        </p:spPr>
+      </p:pic>
+      <p:pic>
+        <p:nvPicPr>
+          <p:cNvPr id="127" name="Google Shape;127;p5"/>
+          <p:cNvPicPr/>
+          <p:nvPr/>
+        </p:nvPicPr>
+        <p:blipFill>
+          <a:blip r:embed="rId3">
+            <a:alphaModFix/>
+          </a:blip>
+          <a:stretch/>
+        </p:blipFill>
+        <p:spPr bwMode="auto">
+          <a:xfrm>
+            <a:off x="-226800" y="5344202"/>
+            <a:ext cx="2423400" cy="1695226"/>
+          </a:xfrm>
+          <a:prstGeom prst="rect">
+            <a:avLst/>
+          </a:prstGeom>
+          <a:noFill/>
+          <a:ln>
+            <a:noFill/>
+          </a:ln>
+        </p:spPr>
+      </p:pic>
+    </p:spTree>
+    <p:extLst>
+      <p:ext uri="{BB962C8B-B14F-4D97-AF65-F5344CB8AC3E}">
+        <p14:creationId xmlns:p14="http://schemas.microsoft.com/office/powerpoint/2010/main" val="345419449"/>
+      </p:ext>
+    </p:extLst>
+  </p:cSld>
+  <p:clrMapOvr>
+    <a:masterClrMapping/>
+  </p:clrMapOvr>
+</p:sld>
+</file>
+
 <file path=ppt/slides/slide2.xml><?xml version="1.0" encoding="utf-8"?>
 <p:sld xmlns:a="http://schemas.openxmlformats.org/drawingml/2006/main" xmlns:r="http://schemas.openxmlformats.org/officeDocument/2006/relationships" xmlns:p="http://schemas.openxmlformats.org/presentationml/2006/main" showMasterPhAnim="0">
   <p:cSld>
@@ -13408,14 +16000,10 @@
               <a:defRPr/>
             </a:pPr>
             <a:r>
-              <a:rPr lang="pt-BR" b="1">
-                <a:latin typeface="Cambria"/>
-                <a:ea typeface="Cambria"/>
-                <a:cs typeface="Cambria"/>
-              </a:rPr>
-              <a:t>Título 1</a:t>
-            </a:r>
-            <a:endParaRPr/>
+              <a:rPr lang="pt-BR" b="1" dirty="0"/>
+              <a:t>Introdução</a:t>
+            </a:r>
+            <a:endParaRPr dirty="0"/>
           </a:p>
         </p:txBody>
       </p:sp>
@@ -13448,7 +16036,138 @@
           </a:bodyPr>
           <a:lstStyle/>
           <a:p>
-            <a:pPr marL="228600" lvl="0" indent="-228600" algn="l">
+            <a:pPr algn="l">
+              <a:buFont typeface="Arial" panose="020B0604020202020204" pitchFamily="34" charset="0"/>
+              <a:buChar char="•"/>
+            </a:pPr>
+            <a:r>
+              <a:rPr lang="pt-BR" b="1" i="0" dirty="0">
+                <a:solidFill>
+                  <a:schemeClr val="tx1"/>
+                </a:solidFill>
+                <a:effectLst/>
+                <a:latin typeface="Cambria" panose="02040503050406030204" pitchFamily="18" charset="0"/>
+                <a:ea typeface="Cambria" panose="02040503050406030204" pitchFamily="18" charset="0"/>
+              </a:rPr>
+              <a:t>Contexto Geral:</a:t>
+            </a:r>
+            <a:endParaRPr lang="pt-BR" b="0" i="0" dirty="0">
+              <a:solidFill>
+                <a:schemeClr val="tx1"/>
+              </a:solidFill>
+              <a:effectLst/>
+              <a:latin typeface="Cambria" panose="02040503050406030204" pitchFamily="18" charset="0"/>
+              <a:ea typeface="Cambria" panose="02040503050406030204" pitchFamily="18" charset="0"/>
+            </a:endParaRPr>
+          </a:p>
+          <a:p>
+            <a:pPr marL="742950" lvl="1" indent="-285750" algn="l">
+              <a:buFont typeface="Arial" panose="020B0604020202020204" pitchFamily="34" charset="0"/>
+              <a:buChar char="•"/>
+            </a:pPr>
+            <a:r>
+              <a:rPr lang="pt-BR" b="0" i="0" dirty="0">
+                <a:solidFill>
+                  <a:schemeClr val="tx1"/>
+                </a:solidFill>
+                <a:effectLst/>
+                <a:latin typeface="Cambria" panose="02040503050406030204" pitchFamily="18" charset="0"/>
+                <a:ea typeface="Cambria" panose="02040503050406030204" pitchFamily="18" charset="0"/>
+              </a:rPr>
+              <a:t>Importância das redes sociais na comunicação.</a:t>
+            </a:r>
+          </a:p>
+          <a:p>
+            <a:pPr marL="742950" lvl="1" indent="-285750" algn="l">
+              <a:buFont typeface="Arial" panose="020B0604020202020204" pitchFamily="34" charset="0"/>
+              <a:buChar char="•"/>
+            </a:pPr>
+            <a:r>
+              <a:rPr lang="pt-BR" b="0" i="0" dirty="0">
+                <a:solidFill>
+                  <a:schemeClr val="tx1"/>
+                </a:solidFill>
+                <a:effectLst/>
+                <a:latin typeface="Cambria" panose="02040503050406030204" pitchFamily="18" charset="0"/>
+                <a:ea typeface="Cambria" panose="02040503050406030204" pitchFamily="18" charset="0"/>
+              </a:rPr>
+              <a:t>Conectividade global e diversidade de opiniões.</a:t>
+            </a:r>
+          </a:p>
+          <a:p>
+            <a:pPr marL="457200" lvl="1" indent="0" algn="l">
+              <a:buNone/>
+            </a:pPr>
+            <a:endParaRPr lang="pt-BR" b="0" i="0" dirty="0">
+              <a:solidFill>
+                <a:schemeClr val="tx1"/>
+              </a:solidFill>
+              <a:effectLst/>
+              <a:latin typeface="Cambria" panose="02040503050406030204" pitchFamily="18" charset="0"/>
+              <a:ea typeface="Cambria" panose="02040503050406030204" pitchFamily="18" charset="0"/>
+            </a:endParaRPr>
+          </a:p>
+          <a:p>
+            <a:pPr algn="l">
+              <a:buFont typeface="Arial" panose="020B0604020202020204" pitchFamily="34" charset="0"/>
+              <a:buChar char="•"/>
+            </a:pPr>
+            <a:r>
+              <a:rPr lang="pt-BR" b="1" i="0" dirty="0">
+                <a:solidFill>
+                  <a:schemeClr val="tx1"/>
+                </a:solidFill>
+                <a:effectLst/>
+                <a:latin typeface="Cambria" panose="02040503050406030204" pitchFamily="18" charset="0"/>
+                <a:ea typeface="Cambria" panose="02040503050406030204" pitchFamily="18" charset="0"/>
+              </a:rPr>
+              <a:t>Objetivo do Estudo:</a:t>
+            </a:r>
+            <a:endParaRPr lang="pt-BR" b="0" i="0" dirty="0">
+              <a:solidFill>
+                <a:schemeClr val="tx1"/>
+              </a:solidFill>
+              <a:effectLst/>
+              <a:latin typeface="Cambria" panose="02040503050406030204" pitchFamily="18" charset="0"/>
+              <a:ea typeface="Cambria" panose="02040503050406030204" pitchFamily="18" charset="0"/>
+            </a:endParaRPr>
+          </a:p>
+          <a:p>
+            <a:pPr marL="742950" lvl="1" indent="-285750" algn="l">
+              <a:buFont typeface="Arial" panose="020B0604020202020204" pitchFamily="34" charset="0"/>
+              <a:buChar char="•"/>
+            </a:pPr>
+            <a:r>
+              <a:rPr lang="pt-BR" b="0" i="0" dirty="0">
+                <a:solidFill>
+                  <a:schemeClr val="tx1"/>
+                </a:solidFill>
+                <a:effectLst/>
+                <a:latin typeface="Cambria" panose="02040503050406030204" pitchFamily="18" charset="0"/>
+                <a:ea typeface="Cambria" panose="02040503050406030204" pitchFamily="18" charset="0"/>
+              </a:rPr>
+              <a:t>Compreensão das interações políticas no Telegram e Twitter.</a:t>
+            </a:r>
+          </a:p>
+          <a:p>
+            <a:pPr marL="742950" lvl="1" indent="-285750" algn="l">
+              <a:buFont typeface="Arial" panose="020B0604020202020204" pitchFamily="34" charset="0"/>
+              <a:buChar char="•"/>
+            </a:pPr>
+            <a:r>
+              <a:rPr lang="pt-BR" b="0" i="0" dirty="0">
+                <a:solidFill>
+                  <a:schemeClr val="tx1"/>
+                </a:solidFill>
+                <a:effectLst/>
+                <a:latin typeface="Cambria" panose="02040503050406030204" pitchFamily="18" charset="0"/>
+                <a:ea typeface="Cambria" panose="02040503050406030204" pitchFamily="18" charset="0"/>
+              </a:rPr>
+              <a:t>Análise de comportamento dos usuários durante as eleições de 2022.</a:t>
+            </a:r>
+          </a:p>
+          <a:p>
+            <a:pPr marL="0" lvl="0" indent="0" algn="l">
               <a:lnSpc>
                 <a:spcPct val="90000"/>
               </a:lnSpc>
@@ -13462,19 +16181,10 @@
                 <a:schemeClr val="dk1"/>
               </a:buClr>
               <a:buSzPts val="2800"/>
-              <a:buFont typeface="Noto Sans Symbols"/>
-              <a:buChar char="▪"/>
+              <a:buNone/>
               <a:defRPr/>
             </a:pPr>
-            <a:r>
-              <a:rPr lang="pt-BR">
-                <a:latin typeface="Cambria"/>
-                <a:ea typeface="Cambria"/>
-                <a:cs typeface="Cambria"/>
-              </a:rPr>
-              <a:t>Conteúdo.</a:t>
-            </a:r>
-            <a:endParaRPr>
+            <a:endParaRPr dirty="0">
               <a:highlight>
                 <a:srgbClr val="9FC5E8"/>
               </a:highlight>
@@ -13674,7 +16384,7 @@
         </p:nvSpPr>
         <p:spPr bwMode="auto">
           <a:xfrm>
-            <a:off x="838200" y="365125"/>
+            <a:off x="838200" y="136525"/>
             <a:ext cx="10515600" cy="1325563"/>
           </a:xfrm>
           <a:prstGeom prst="rect">
@@ -13710,14 +16420,14 @@
               <a:defRPr/>
             </a:pPr>
             <a:r>
-              <a:rPr lang="pt-BR" b="1">
+              <a:rPr lang="pt-BR" b="1" dirty="0">
                 <a:latin typeface="Cambria"/>
                 <a:ea typeface="Cambria"/>
                 <a:cs typeface="Cambria"/>
               </a:rPr>
-              <a:t>Título 2</a:t>
-            </a:r>
-            <a:endParaRPr/>
+              <a:t>Metodologia</a:t>
+            </a:r>
+            <a:endParaRPr dirty="0"/>
           </a:p>
         </p:txBody>
       </p:sp>
@@ -13733,7 +16443,7 @@
         </p:nvSpPr>
         <p:spPr bwMode="auto">
           <a:xfrm>
-            <a:off x="838200" y="1825625"/>
+            <a:off x="735031" y="1341776"/>
             <a:ext cx="10515600" cy="4351338"/>
           </a:xfrm>
           <a:prstGeom prst="rect">
@@ -13750,144 +16460,173 @@
           </a:bodyPr>
           <a:lstStyle/>
           <a:p>
-            <a:pPr marL="228600" lvl="0" indent="-228600" algn="l">
-              <a:lnSpc>
-                <a:spcPct val="90000"/>
-              </a:lnSpc>
-              <a:spcBef>
-                <a:spcPts val="0"/>
-              </a:spcBef>
-              <a:spcAft>
-                <a:spcPts val="0"/>
-              </a:spcAft>
-              <a:buClr>
-                <a:schemeClr val="dk1"/>
-              </a:buClr>
-              <a:buSzPts val="2800"/>
-              <a:buFont typeface="Noto Sans Symbols"/>
-              <a:buChar char="▪"/>
-              <a:defRPr/>
+            <a:pPr algn="l">
+              <a:buFont typeface="Arial" panose="020B0604020202020204" pitchFamily="34" charset="0"/>
+              <a:buChar char="•"/>
             </a:pPr>
             <a:r>
-              <a:rPr lang="pt-BR">
-                <a:latin typeface="Cambria"/>
-                <a:ea typeface="Cambria"/>
-                <a:cs typeface="Cambria"/>
-              </a:rPr>
-              <a:t>Conteúdo.</a:t>
-            </a:r>
-            <a:endParaRPr/>
-          </a:p>
-          <a:p>
-            <a:pPr marL="228600" lvl="0" indent="-228600" algn="l">
-              <a:lnSpc>
-                <a:spcPct val="90000"/>
-              </a:lnSpc>
-              <a:spcBef>
-                <a:spcPts val="1000"/>
-              </a:spcBef>
-              <a:spcAft>
-                <a:spcPts val="0"/>
-              </a:spcAft>
-              <a:buClr>
-                <a:schemeClr val="dk1"/>
-              </a:buClr>
-              <a:buSzPts val="2800"/>
-              <a:buFont typeface="Noto Sans Symbols"/>
-              <a:buChar char="▪"/>
-              <a:defRPr/>
-            </a:pPr>
-            <a:r>
-              <a:rPr lang="pt-BR">
-                <a:latin typeface="Cambria"/>
-                <a:ea typeface="Cambria"/>
-                <a:cs typeface="Cambria"/>
-              </a:rPr>
-              <a:t>Adicionar quantos slides forem necessários para a apresentação. </a:t>
-            </a:r>
-            <a:endParaRPr>
-              <a:latin typeface="Cambria"/>
-              <a:ea typeface="Cambria"/>
-              <a:cs typeface="Cambria"/>
+              <a:rPr lang="pt-BR" b="1" i="0" dirty="0">
+                <a:solidFill>
+                  <a:schemeClr val="tx1"/>
+                </a:solidFill>
+                <a:effectLst/>
+                <a:latin typeface="Cambria" panose="02040503050406030204" pitchFamily="18" charset="0"/>
+                <a:ea typeface="Cambria" panose="02040503050406030204" pitchFamily="18" charset="0"/>
+              </a:rPr>
+              <a:t>Coleta de Dados:</a:t>
+            </a:r>
+            <a:endParaRPr lang="pt-BR" b="0" i="0" dirty="0">
+              <a:solidFill>
+                <a:schemeClr val="tx1"/>
+              </a:solidFill>
+              <a:effectLst/>
+              <a:latin typeface="Cambria" panose="02040503050406030204" pitchFamily="18" charset="0"/>
+              <a:ea typeface="Cambria" panose="02040503050406030204" pitchFamily="18" charset="0"/>
             </a:endParaRPr>
           </a:p>
           <a:p>
-            <a:pPr marL="228600" lvl="0" indent="-165100" algn="l">
-              <a:lnSpc>
-                <a:spcPct val="90000"/>
-              </a:lnSpc>
-              <a:spcBef>
-                <a:spcPts val="1000"/>
-              </a:spcBef>
-              <a:spcAft>
-                <a:spcPts val="0"/>
-              </a:spcAft>
-              <a:buSzPts val="1800"/>
-              <a:buChar char="▪"/>
-              <a:defRPr/>
+            <a:pPr marL="742950" lvl="1" indent="-285750" algn="l">
+              <a:buFont typeface="Arial" panose="020B0604020202020204" pitchFamily="34" charset="0"/>
+              <a:buChar char="•"/>
             </a:pPr>
             <a:r>
-              <a:rPr lang="pt-BR"/>
-              <a:t>Inserir imagens, gráficos, tabelas, etc</a:t>
-            </a:r>
-            <a:endParaRPr/>
+              <a:rPr lang="pt-BR" b="0" i="0" dirty="0">
+                <a:solidFill>
+                  <a:schemeClr val="tx1"/>
+                </a:solidFill>
+                <a:effectLst/>
+                <a:latin typeface="Cambria" panose="02040503050406030204" pitchFamily="18" charset="0"/>
+                <a:ea typeface="Cambria" panose="02040503050406030204" pitchFamily="18" charset="0"/>
+              </a:rPr>
+              <a:t>Grupos de Telegram: Catálogo online.</a:t>
+            </a:r>
           </a:p>
           <a:p>
-            <a:pPr marL="228600" lvl="0" indent="-228600" algn="l">
-              <a:lnSpc>
-                <a:spcPct val="90000"/>
-              </a:lnSpc>
-              <a:spcBef>
-                <a:spcPts val="1000"/>
-              </a:spcBef>
-              <a:spcAft>
-                <a:spcPts val="0"/>
-              </a:spcAft>
-              <a:buClr>
-                <a:schemeClr val="dk1"/>
-              </a:buClr>
-              <a:buSzPts val="2800"/>
-              <a:buFont typeface="Noto Sans Symbols"/>
-              <a:buChar char="▪"/>
-              <a:defRPr/>
+            <a:pPr marL="742950" lvl="1" indent="-285750" algn="l">
+              <a:buFont typeface="Arial" panose="020B0604020202020204" pitchFamily="34" charset="0"/>
+              <a:buChar char="•"/>
             </a:pPr>
             <a:r>
-              <a:rPr lang="pt-BR">
-                <a:latin typeface="Cambria"/>
-                <a:ea typeface="Cambria"/>
-                <a:cs typeface="Cambria"/>
-              </a:rPr>
-              <a:t>Respeitar o </a:t>
-            </a:r>
-            <a:r>
-              <a:rPr lang="pt-BR" b="1">
-                <a:latin typeface="Cambria"/>
-                <a:ea typeface="Cambria"/>
-                <a:cs typeface="Cambria"/>
-              </a:rPr>
-              <a:t>tempo máximo </a:t>
-            </a:r>
-            <a:r>
-              <a:rPr lang="pt-BR">
-                <a:latin typeface="Cambria"/>
-                <a:ea typeface="Cambria"/>
-                <a:cs typeface="Cambria"/>
-              </a:rPr>
-              <a:t>de </a:t>
-            </a:r>
-            <a:r>
-              <a:rPr lang="pt-BR"/>
-              <a:t>10</a:t>
-            </a:r>
-            <a:r>
-              <a:rPr lang="pt-BR">
-                <a:latin typeface="Cambria"/>
-                <a:ea typeface="Cambria"/>
-                <a:cs typeface="Cambria"/>
-              </a:rPr>
-              <a:t> minutos.</a:t>
-            </a:r>
-            <a:endParaRPr/>
+              <a:rPr lang="pt-BR" b="0" i="0" dirty="0">
+                <a:solidFill>
+                  <a:schemeClr val="tx1"/>
+                </a:solidFill>
+                <a:effectLst/>
+                <a:latin typeface="Cambria" panose="02040503050406030204" pitchFamily="18" charset="0"/>
+                <a:ea typeface="Cambria" panose="02040503050406030204" pitchFamily="18" charset="0"/>
+              </a:rPr>
+              <a:t>Twitter: API oficial.</a:t>
+            </a:r>
+          </a:p>
+          <a:p>
+            <a:pPr marL="457200" lvl="1" indent="0" algn="l">
+              <a:buNone/>
+            </a:pPr>
+            <a:endParaRPr lang="pt-BR" b="0" i="0" dirty="0">
+              <a:solidFill>
+                <a:schemeClr val="tx1"/>
+              </a:solidFill>
+              <a:effectLst/>
+              <a:latin typeface="Cambria" panose="02040503050406030204" pitchFamily="18" charset="0"/>
+              <a:ea typeface="Cambria" panose="02040503050406030204" pitchFamily="18" charset="0"/>
+            </a:endParaRPr>
+          </a:p>
+          <a:p>
+            <a:pPr algn="l">
+              <a:buFont typeface="Arial" panose="020B0604020202020204" pitchFamily="34" charset="0"/>
+              <a:buChar char="•"/>
+            </a:pPr>
+            <a:r>
+              <a:rPr lang="pt-BR" b="1" i="0" dirty="0">
+                <a:solidFill>
+                  <a:schemeClr val="tx1"/>
+                </a:solidFill>
+                <a:effectLst/>
+                <a:latin typeface="Cambria" panose="02040503050406030204" pitchFamily="18" charset="0"/>
+                <a:ea typeface="Cambria" panose="02040503050406030204" pitchFamily="18" charset="0"/>
+              </a:rPr>
+              <a:t>Classificação de Ideologia:</a:t>
+            </a:r>
+            <a:endParaRPr lang="pt-BR" b="0" i="0" dirty="0">
+              <a:solidFill>
+                <a:schemeClr val="tx1"/>
+              </a:solidFill>
+              <a:effectLst/>
+              <a:latin typeface="Cambria" panose="02040503050406030204" pitchFamily="18" charset="0"/>
+              <a:ea typeface="Cambria" panose="02040503050406030204" pitchFamily="18" charset="0"/>
+            </a:endParaRPr>
+          </a:p>
+          <a:p>
+            <a:pPr marL="742950" lvl="1" indent="-285750" algn="l">
+              <a:buFont typeface="Arial" panose="020B0604020202020204" pitchFamily="34" charset="0"/>
+              <a:buChar char="•"/>
+            </a:pPr>
+            <a:r>
+              <a:rPr lang="pt-BR" b="0" i="0" dirty="0">
+                <a:solidFill>
+                  <a:schemeClr val="tx1"/>
+                </a:solidFill>
+                <a:effectLst/>
+                <a:latin typeface="Cambria" panose="02040503050406030204" pitchFamily="18" charset="0"/>
+                <a:ea typeface="Cambria" panose="02040503050406030204" pitchFamily="18" charset="0"/>
+              </a:rPr>
+              <a:t>Análise de conteúdo para determinar a ideologia de grupos e hashtags.</a:t>
+            </a:r>
+          </a:p>
+          <a:p>
+            <a:pPr marL="457200" lvl="1" indent="0" algn="l">
+              <a:buNone/>
+            </a:pPr>
+            <a:endParaRPr lang="pt-BR" b="0" i="0" dirty="0">
+              <a:solidFill>
+                <a:schemeClr val="tx1"/>
+              </a:solidFill>
+              <a:effectLst/>
+              <a:latin typeface="Cambria" panose="02040503050406030204" pitchFamily="18" charset="0"/>
+              <a:ea typeface="Cambria" panose="02040503050406030204" pitchFamily="18" charset="0"/>
+            </a:endParaRPr>
+          </a:p>
+          <a:p>
+            <a:pPr algn="l">
+              <a:buFont typeface="Arial" panose="020B0604020202020204" pitchFamily="34" charset="0"/>
+              <a:buChar char="•"/>
+            </a:pPr>
+            <a:r>
+              <a:rPr lang="pt-BR" b="1" i="0" dirty="0">
+                <a:solidFill>
+                  <a:schemeClr val="tx1"/>
+                </a:solidFill>
+                <a:effectLst/>
+                <a:latin typeface="Cambria" panose="02040503050406030204" pitchFamily="18" charset="0"/>
+                <a:ea typeface="Cambria" panose="02040503050406030204" pitchFamily="18" charset="0"/>
+              </a:rPr>
+              <a:t>Análise de Toxicidade:</a:t>
+            </a:r>
+            <a:endParaRPr lang="pt-BR" b="0" i="0" dirty="0">
+              <a:solidFill>
+                <a:schemeClr val="tx1"/>
+              </a:solidFill>
+              <a:effectLst/>
+              <a:latin typeface="Cambria" panose="02040503050406030204" pitchFamily="18" charset="0"/>
+              <a:ea typeface="Cambria" panose="02040503050406030204" pitchFamily="18" charset="0"/>
+            </a:endParaRPr>
+          </a:p>
+          <a:p>
+            <a:pPr marL="742950" lvl="1" indent="-285750" algn="l">
+              <a:buFont typeface="Arial" panose="020B0604020202020204" pitchFamily="34" charset="0"/>
+              <a:buChar char="•"/>
+            </a:pPr>
+            <a:r>
+              <a:rPr lang="pt-BR" b="0" i="0" dirty="0">
+                <a:solidFill>
+                  <a:schemeClr val="tx1"/>
+                </a:solidFill>
+                <a:effectLst/>
+                <a:latin typeface="Cambria" panose="02040503050406030204" pitchFamily="18" charset="0"/>
+                <a:ea typeface="Cambria" panose="02040503050406030204" pitchFamily="18" charset="0"/>
+              </a:rPr>
+              <a:t>Utilização da API Google Perspective para identificar comportamentos tóxicos.</a:t>
+            </a:r>
           </a:p>
         </p:txBody>
       </p:sp>
@@ -14019,7 +16758,7 @@
       </p:grpSpPr>
       <p:sp>
         <p:nvSpPr>
-          <p:cNvPr id="114" name="Google Shape;114;p4"/>
+          <p:cNvPr id="105" name="Google Shape;105;p3"/>
           <p:cNvSpPr txBox="1">
             <a:spLocks noGrp="1"/>
           </p:cNvSpPr>
@@ -14029,8 +16768,8 @@
         </p:nvSpPr>
         <p:spPr bwMode="auto">
           <a:xfrm>
-            <a:off x="838200" y="365125"/>
-            <a:ext cx="10515600" cy="1325563"/>
+            <a:off x="839416" y="272256"/>
+            <a:ext cx="9794304" cy="1325563"/>
           </a:xfrm>
           <a:prstGeom prst="rect">
             <a:avLst/>
@@ -14065,20 +16804,20 @@
               <a:defRPr/>
             </a:pPr>
             <a:r>
-              <a:rPr lang="pt-BR" b="1">
+              <a:rPr lang="pt-BR" sz="4000" b="1" dirty="0">
                 <a:latin typeface="Cambria"/>
                 <a:ea typeface="Cambria"/>
                 <a:cs typeface="Cambria"/>
               </a:rPr>
-              <a:t>Agradecimentos</a:t>
-            </a:r>
-            <a:endParaRPr/>
+              <a:t>Classificação da Ideologia dos Grupos de Telegram</a:t>
+            </a:r>
+            <a:endParaRPr sz="4000" dirty="0"/>
           </a:p>
         </p:txBody>
       </p:sp>
       <p:sp>
         <p:nvSpPr>
-          <p:cNvPr id="115" name="Google Shape;115;p4"/>
+          <p:cNvPr id="106" name="Google Shape;106;p3"/>
           <p:cNvSpPr txBox="1">
             <a:spLocks noGrp="1"/>
           </p:cNvSpPr>
@@ -14088,8 +16827,8 @@
         </p:nvSpPr>
         <p:spPr bwMode="auto">
           <a:xfrm>
-            <a:off x="838200" y="1825625"/>
-            <a:ext cx="10515600" cy="3699600"/>
+            <a:off x="623392" y="1771817"/>
+            <a:ext cx="8496944" cy="4351338"/>
           </a:xfrm>
           <a:prstGeom prst="rect">
             <a:avLst/>
@@ -14105,63 +16844,87 @@
           </a:bodyPr>
           <a:lstStyle/>
           <a:p>
-            <a:pPr marL="228600" lvl="0" indent="-50800" algn="l">
-              <a:lnSpc>
-                <a:spcPct val="90000"/>
-              </a:lnSpc>
-              <a:spcBef>
-                <a:spcPts val="0"/>
-              </a:spcBef>
-              <a:spcAft>
-                <a:spcPts val="0"/>
-              </a:spcAft>
-              <a:buClr>
-                <a:schemeClr val="dk1"/>
-              </a:buClr>
-              <a:buSzPts val="2800"/>
-              <a:buFont typeface="Noto Sans Symbols"/>
-              <a:buNone/>
-              <a:defRPr/>
+            <a:pPr algn="l">
+              <a:buFont typeface="Arial" panose="020B0604020202020204" pitchFamily="34" charset="0"/>
+              <a:buChar char="•"/>
             </a:pPr>
             <a:r>
-              <a:rPr lang="pt-BR"/>
-              <a:t>Insira os agradecimentos, imagens, logos, e outros que considerar relevante.</a:t>
+              <a:rPr lang="pt-BR" sz="3600" b="0" i="0" dirty="0">
+                <a:solidFill>
+                  <a:schemeClr val="tx1"/>
+                </a:solidFill>
+                <a:effectLst/>
+                <a:latin typeface="Cambria" panose="02040503050406030204" pitchFamily="18" charset="0"/>
+                <a:ea typeface="Cambria" panose="02040503050406030204" pitchFamily="18" charset="0"/>
+              </a:rPr>
+              <a:t>Análise de palavras-chave</a:t>
             </a:r>
           </a:p>
           <a:p>
-            <a:pPr marL="228600" lvl="0" indent="-50799" algn="l">
-              <a:lnSpc>
-                <a:spcPct val="90000"/>
-              </a:lnSpc>
-              <a:spcBef>
-                <a:spcPts val="0"/>
-              </a:spcBef>
-              <a:spcAft>
-                <a:spcPts val="0"/>
-              </a:spcAft>
-              <a:buClr>
-                <a:schemeClr val="dk1"/>
-              </a:buClr>
-              <a:buSzPts val="2800"/>
-              <a:buFont typeface="Noto Sans Symbols"/>
-              <a:buNone/>
-              <a:defRPr/>
+            <a:pPr marL="114300" indent="0" algn="l">
+              <a:buNone/>
             </a:pPr>
-            <a:r>
-              <a:rPr lang="pt-BR"/>
-              <a:t>Agradecimentos às agências de fomento de bolsas são obrigatórios.</a:t>
-            </a:r>
-            <a:endParaRPr>
-              <a:latin typeface="Cambria"/>
-              <a:ea typeface="Cambria"/>
-              <a:cs typeface="Cambria"/>
+            <a:endParaRPr lang="pt-BR" sz="3600" b="0" i="0" dirty="0">
+              <a:solidFill>
+                <a:schemeClr val="tx1"/>
+              </a:solidFill>
+              <a:effectLst/>
+              <a:latin typeface="Cambria" panose="02040503050406030204" pitchFamily="18" charset="0"/>
+              <a:ea typeface="Cambria" panose="02040503050406030204" pitchFamily="18" charset="0"/>
             </a:endParaRPr>
+          </a:p>
+          <a:p>
+            <a:pPr algn="l">
+              <a:buFont typeface="Arial" panose="020B0604020202020204" pitchFamily="34" charset="0"/>
+              <a:buChar char="•"/>
+            </a:pPr>
+            <a:r>
+              <a:rPr lang="pt-BR" sz="3600" b="0" i="0" dirty="0">
+                <a:solidFill>
+                  <a:schemeClr val="tx1"/>
+                </a:solidFill>
+                <a:effectLst/>
+                <a:latin typeface="Cambria" panose="02040503050406030204" pitchFamily="18" charset="0"/>
+                <a:ea typeface="Cambria" panose="02040503050406030204" pitchFamily="18" charset="0"/>
+              </a:rPr>
+              <a:t>Análise de conteúdo das mensagens</a:t>
+            </a:r>
+          </a:p>
+          <a:p>
+            <a:pPr marL="114300" indent="0" algn="l">
+              <a:buNone/>
+            </a:pPr>
+            <a:endParaRPr lang="pt-BR" sz="3600" b="0" i="0" dirty="0">
+              <a:solidFill>
+                <a:schemeClr val="tx1"/>
+              </a:solidFill>
+              <a:effectLst/>
+              <a:latin typeface="Cambria" panose="02040503050406030204" pitchFamily="18" charset="0"/>
+              <a:ea typeface="Cambria" panose="02040503050406030204" pitchFamily="18" charset="0"/>
+            </a:endParaRPr>
+          </a:p>
+          <a:p>
+            <a:pPr algn="l">
+              <a:buFont typeface="Arial" panose="020B0604020202020204" pitchFamily="34" charset="0"/>
+              <a:buChar char="•"/>
+            </a:pPr>
+            <a:r>
+              <a:rPr lang="pt-BR" sz="3600" b="0" i="0" dirty="0">
+                <a:solidFill>
+                  <a:schemeClr val="tx1"/>
+                </a:solidFill>
+                <a:effectLst/>
+                <a:latin typeface="Cambria" panose="02040503050406030204" pitchFamily="18" charset="0"/>
+                <a:ea typeface="Cambria" panose="02040503050406030204" pitchFamily="18" charset="0"/>
+              </a:rPr>
+              <a:t>Identificação da Orientação Política</a:t>
+            </a:r>
           </a:p>
         </p:txBody>
       </p:sp>
       <p:sp>
         <p:nvSpPr>
-          <p:cNvPr id="116" name="Google Shape;116;p4"/>
+          <p:cNvPr id="107" name="Google Shape;107;p3"/>
           <p:cNvSpPr txBox="1">
             <a:spLocks noGrp="1"/>
           </p:cNvSpPr>
@@ -14209,7 +16972,7 @@
       </p:sp>
       <p:pic>
         <p:nvPicPr>
-          <p:cNvPr id="117" name="Google Shape;117;p4"/>
+          <p:cNvPr id="108" name="Google Shape;108;p3"/>
           <p:cNvPicPr/>
           <p:nvPr/>
         </p:nvPicPr>
@@ -14236,7 +16999,7 @@
       </p:pic>
       <p:pic>
         <p:nvPicPr>
-          <p:cNvPr id="118" name="Google Shape;118;p4"/>
+          <p:cNvPr id="109" name="Google Shape;109;p3"/>
           <p:cNvPicPr/>
           <p:nvPr/>
         </p:nvPicPr>
@@ -14261,6 +17024,11 @@
         </p:spPr>
       </p:pic>
     </p:spTree>
+    <p:extLst>
+      <p:ext uri="{BB962C8B-B14F-4D97-AF65-F5344CB8AC3E}">
+        <p14:creationId xmlns:p14="http://schemas.microsoft.com/office/powerpoint/2010/main" val="1742826994"/>
+      </p:ext>
+    </p:extLst>
   </p:cSld>
   <p:clrMapOvr>
     <a:masterClrMapping/>
@@ -14287,7 +17055,7 @@
       </p:grpSpPr>
       <p:sp>
         <p:nvSpPr>
-          <p:cNvPr id="123" name="Google Shape;123;p5"/>
+          <p:cNvPr id="105" name="Google Shape;105;p3"/>
           <p:cNvSpPr txBox="1">
             <a:spLocks noGrp="1"/>
           </p:cNvSpPr>
@@ -14297,8 +17065,8 @@
         </p:nvSpPr>
         <p:spPr bwMode="auto">
           <a:xfrm>
-            <a:off x="838200" y="365125"/>
-            <a:ext cx="10515600" cy="1325563"/>
+            <a:off x="839416" y="272256"/>
+            <a:ext cx="9794304" cy="1325563"/>
           </a:xfrm>
           <a:prstGeom prst="rect">
             <a:avLst/>
@@ -14333,20 +17101,32 @@
               <a:defRPr/>
             </a:pPr>
             <a:r>
-              <a:rPr lang="pt-BR" b="1">
+              <a:rPr lang="pt-BR" sz="4000" b="1" dirty="0">
                 <a:latin typeface="Cambria"/>
                 <a:ea typeface="Cambria"/>
                 <a:cs typeface="Cambria"/>
               </a:rPr>
-              <a:t>Referências</a:t>
-            </a:r>
-            <a:endParaRPr/>
+              <a:t>Classificação da Ideologia </a:t>
+            </a:r>
+            <a:r>
+              <a:rPr lang="pt-BR" sz="4000" b="1" dirty="0"/>
+              <a:t>d</a:t>
+            </a:r>
+            <a:r>
+              <a:rPr lang="pt-BR" sz="4000" b="1" dirty="0">
+                <a:latin typeface="Cambria"/>
+                <a:ea typeface="Cambria"/>
+                <a:cs typeface="Cambria"/>
+              </a:rPr>
+              <a:t>as Hashtags e Tweets</a:t>
+            </a:r>
+            <a:endParaRPr sz="4000" dirty="0"/>
           </a:p>
         </p:txBody>
       </p:sp>
       <p:sp>
         <p:nvSpPr>
-          <p:cNvPr id="124" name="Google Shape;124;p5"/>
+          <p:cNvPr id="106" name="Google Shape;106;p3"/>
           <p:cNvSpPr txBox="1">
             <a:spLocks noGrp="1"/>
           </p:cNvSpPr>
@@ -14356,8 +17136,8 @@
         </p:nvSpPr>
         <p:spPr bwMode="auto">
           <a:xfrm>
-            <a:off x="838200" y="1825625"/>
-            <a:ext cx="10515600" cy="3842400"/>
+            <a:off x="623392" y="1771817"/>
+            <a:ext cx="10010328" cy="4351338"/>
           </a:xfrm>
           <a:prstGeom prst="rect">
             <a:avLst/>
@@ -14373,39 +17153,90 @@
           </a:bodyPr>
           <a:lstStyle/>
           <a:p>
-            <a:pPr marL="228600" lvl="0" indent="-50800" algn="l">
-              <a:lnSpc>
-                <a:spcPct val="90000"/>
-              </a:lnSpc>
-              <a:spcBef>
-                <a:spcPts val="0"/>
-              </a:spcBef>
-              <a:spcAft>
-                <a:spcPts val="0"/>
-              </a:spcAft>
-              <a:buClr>
-                <a:schemeClr val="dk1"/>
-              </a:buClr>
-              <a:buSzPts val="2800"/>
-              <a:buFont typeface="Noto Sans Symbols"/>
-              <a:buNone/>
-              <a:defRPr/>
+            <a:pPr algn="l">
+              <a:buFont typeface="Arial" panose="020B0604020202020204" pitchFamily="34" charset="0"/>
+              <a:buChar char="•"/>
             </a:pPr>
             <a:r>
-              <a:rPr lang="pt-BR"/>
-              <a:t>Adicione as referências utilizadas</a:t>
-            </a:r>
-            <a:endParaRPr>
-              <a:latin typeface="Cambria"/>
-              <a:ea typeface="Cambria"/>
-              <a:cs typeface="Cambria"/>
+              <a:rPr lang="pt-BR" sz="3200" b="0" i="0" dirty="0">
+                <a:solidFill>
+                  <a:schemeClr val="tx1"/>
+                </a:solidFill>
+                <a:effectLst/>
+                <a:latin typeface="Cambria" panose="02040503050406030204" pitchFamily="18" charset="0"/>
+                <a:ea typeface="Cambria" panose="02040503050406030204" pitchFamily="18" charset="0"/>
+              </a:rPr>
+              <a:t>Classificação das 100 hashtags mais populares de cada ideologia baseado nas palavras-chave utilizadas.</a:t>
+            </a:r>
+          </a:p>
+          <a:p>
+            <a:pPr marL="114300" indent="0" algn="l">
+              <a:buNone/>
+            </a:pPr>
+            <a:endParaRPr lang="pt-BR" sz="3200" b="0" i="0" dirty="0">
+              <a:solidFill>
+                <a:schemeClr val="tx1"/>
+              </a:solidFill>
+              <a:effectLst/>
+              <a:latin typeface="Cambria" panose="02040503050406030204" pitchFamily="18" charset="0"/>
+              <a:ea typeface="Cambria" panose="02040503050406030204" pitchFamily="18" charset="0"/>
+            </a:endParaRPr>
+          </a:p>
+          <a:p>
+            <a:pPr algn="l">
+              <a:buFont typeface="Arial" panose="020B0604020202020204" pitchFamily="34" charset="0"/>
+              <a:buChar char="•"/>
+            </a:pPr>
+            <a:r>
+              <a:rPr lang="pt-BR" sz="3200" dirty="0">
+                <a:solidFill>
+                  <a:schemeClr val="tx1"/>
+                </a:solidFill>
+                <a:latin typeface="Cambria" panose="02040503050406030204" pitchFamily="18" charset="0"/>
+                <a:ea typeface="Cambria" panose="02040503050406030204" pitchFamily="18" charset="0"/>
+              </a:rPr>
+              <a:t>Uso de algoritmo de aprendizado de máquina para classificar o restante das hashtags baseado nas co-ocorrencias entre hashtags caracterizadas e não caracterizadas.</a:t>
+            </a:r>
+            <a:endParaRPr lang="pt-BR" sz="3200" b="0" i="0" dirty="0">
+              <a:solidFill>
+                <a:schemeClr val="tx1"/>
+              </a:solidFill>
+              <a:effectLst/>
+              <a:latin typeface="Cambria" panose="02040503050406030204" pitchFamily="18" charset="0"/>
+              <a:ea typeface="Cambria" panose="02040503050406030204" pitchFamily="18" charset="0"/>
+            </a:endParaRPr>
+          </a:p>
+          <a:p>
+            <a:pPr marL="114300" indent="0" algn="l">
+              <a:buNone/>
+            </a:pPr>
+            <a:endParaRPr lang="pt-BR" sz="3600" b="0" i="0" dirty="0">
+              <a:solidFill>
+                <a:schemeClr val="tx1"/>
+              </a:solidFill>
+              <a:effectLst/>
+              <a:latin typeface="Cambria" panose="02040503050406030204" pitchFamily="18" charset="0"/>
+              <a:ea typeface="Cambria" panose="02040503050406030204" pitchFamily="18" charset="0"/>
+            </a:endParaRPr>
+          </a:p>
+          <a:p>
+            <a:pPr algn="l">
+              <a:buFont typeface="+mj-lt"/>
+              <a:buAutoNum type="arabicPeriod"/>
+            </a:pPr>
+            <a:endParaRPr lang="pt-BR" b="0" i="0" dirty="0">
+              <a:solidFill>
+                <a:srgbClr val="E6EDF3"/>
+              </a:solidFill>
+              <a:effectLst/>
+              <a:latin typeface="-apple-system"/>
             </a:endParaRPr>
           </a:p>
         </p:txBody>
       </p:sp>
       <p:sp>
         <p:nvSpPr>
-          <p:cNvPr id="125" name="Google Shape;125;p5"/>
+          <p:cNvPr id="107" name="Google Shape;107;p3"/>
           <p:cNvSpPr txBox="1">
             <a:spLocks noGrp="1"/>
           </p:cNvSpPr>
@@ -14453,7 +17284,7 @@
       </p:sp>
       <p:pic>
         <p:nvPicPr>
-          <p:cNvPr id="126" name="Google Shape;126;p5"/>
+          <p:cNvPr id="108" name="Google Shape;108;p3"/>
           <p:cNvPicPr/>
           <p:nvPr/>
         </p:nvPicPr>
@@ -14480,7 +17311,7 @@
       </p:pic>
       <p:pic>
         <p:nvPicPr>
-          <p:cNvPr id="127" name="Google Shape;127;p5"/>
+          <p:cNvPr id="109" name="Google Shape;109;p3"/>
           <p:cNvPicPr/>
           <p:nvPr/>
         </p:nvPicPr>
@@ -14505,6 +17336,1622 @@
         </p:spPr>
       </p:pic>
     </p:spTree>
+    <p:extLst>
+      <p:ext uri="{BB962C8B-B14F-4D97-AF65-F5344CB8AC3E}">
+        <p14:creationId xmlns:p14="http://schemas.microsoft.com/office/powerpoint/2010/main" val="3493078292"/>
+      </p:ext>
+    </p:extLst>
+  </p:cSld>
+  <p:clrMapOvr>
+    <a:masterClrMapping/>
+  </p:clrMapOvr>
+</p:sld>
+</file>
+
+<file path=ppt/slides/slide6.xml><?xml version="1.0" encoding="utf-8"?>
+<p:sld xmlns:a="http://schemas.openxmlformats.org/drawingml/2006/main" xmlns:r="http://schemas.openxmlformats.org/officeDocument/2006/relationships" xmlns:p="http://schemas.openxmlformats.org/presentationml/2006/main" showMasterPhAnim="0">
+  <p:cSld>
+    <p:spTree>
+      <p:nvGrpSpPr>
+        <p:cNvPr id="1" name=""/>
+        <p:cNvGrpSpPr/>
+        <p:nvPr/>
+      </p:nvGrpSpPr>
+      <p:grpSpPr bwMode="auto">
+        <a:xfrm>
+          <a:off x="0" y="0"/>
+          <a:ext cx="0" cy="0"/>
+          <a:chOff x="0" y="0"/>
+          <a:chExt cx="0" cy="0"/>
+        </a:xfrm>
+      </p:grpSpPr>
+      <p:sp>
+        <p:nvSpPr>
+          <p:cNvPr id="105" name="Google Shape;105;p3"/>
+          <p:cNvSpPr txBox="1">
+            <a:spLocks noGrp="1"/>
+          </p:cNvSpPr>
+          <p:nvPr>
+            <p:ph type="title"/>
+          </p:nvPr>
+        </p:nvSpPr>
+        <p:spPr bwMode="auto">
+          <a:xfrm>
+            <a:off x="838200" y="308930"/>
+            <a:ext cx="10515600" cy="1325563"/>
+          </a:xfrm>
+          <a:prstGeom prst="rect">
+            <a:avLst/>
+          </a:prstGeom>
+          <a:noFill/>
+          <a:ln>
+            <a:noFill/>
+          </a:ln>
+        </p:spPr>
+        <p:txBody>
+          <a:bodyPr spcFirstLastPara="1" wrap="square" lIns="91425" tIns="45700" rIns="91425" bIns="45700" anchor="ctr" anchorCtr="0">
+            <a:normAutofit/>
+          </a:bodyPr>
+          <a:lstStyle/>
+          <a:p>
+            <a:pPr algn="l"/>
+            <a:r>
+              <a:rPr lang="pt-BR" sz="4000" b="1" i="0" dirty="0">
+                <a:effectLst/>
+                <a:latin typeface="Cambria" panose="02040503050406030204" pitchFamily="18" charset="0"/>
+                <a:ea typeface="Cambria" panose="02040503050406030204" pitchFamily="18" charset="0"/>
+              </a:rPr>
+              <a:t>Distribuição Ideológica nas Plataformas</a:t>
+            </a:r>
+            <a:endParaRPr sz="4000" dirty="0">
+              <a:latin typeface="Cambria" panose="02040503050406030204" pitchFamily="18" charset="0"/>
+              <a:ea typeface="Cambria" panose="02040503050406030204" pitchFamily="18" charset="0"/>
+            </a:endParaRPr>
+          </a:p>
+        </p:txBody>
+      </p:sp>
+      <p:sp>
+        <p:nvSpPr>
+          <p:cNvPr id="107" name="Google Shape;107;p3"/>
+          <p:cNvSpPr txBox="1">
+            <a:spLocks noGrp="1"/>
+          </p:cNvSpPr>
+          <p:nvPr>
+            <p:ph type="ftr" idx="11"/>
+          </p:nvPr>
+        </p:nvSpPr>
+        <p:spPr bwMode="auto">
+          <a:xfrm>
+            <a:off x="4038600" y="6356350"/>
+            <a:ext cx="4114800" cy="365125"/>
+          </a:xfrm>
+          <a:prstGeom prst="rect">
+            <a:avLst/>
+          </a:prstGeom>
+          <a:noFill/>
+          <a:ln>
+            <a:noFill/>
+          </a:ln>
+        </p:spPr>
+        <p:txBody>
+          <a:bodyPr spcFirstLastPara="1" wrap="square" lIns="91425" tIns="45700" rIns="91425" bIns="45700" anchor="ctr" anchorCtr="0">
+            <a:noAutofit/>
+          </a:bodyPr>
+          <a:lstStyle/>
+          <a:p>
+            <a:pPr marL="0" lvl="0" indent="0" algn="ctr">
+              <a:spcBef>
+                <a:spcPts val="0"/>
+              </a:spcBef>
+              <a:spcAft>
+                <a:spcPts val="0"/>
+              </a:spcAft>
+              <a:buSzPts val="1400"/>
+              <a:buNone/>
+              <a:defRPr/>
+            </a:pPr>
+            <a:r>
+              <a:rPr lang="pt-BR"/>
+              <a:t>seisicite.com.br</a:t>
+            </a:r>
+            <a:endParaRPr/>
+          </a:p>
+        </p:txBody>
+      </p:sp>
+      <p:pic>
+        <p:nvPicPr>
+          <p:cNvPr id="108" name="Google Shape;108;p3"/>
+          <p:cNvPicPr/>
+          <p:nvPr/>
+        </p:nvPicPr>
+        <p:blipFill>
+          <a:blip r:embed="rId2">
+            <a:alphaModFix/>
+          </a:blip>
+          <a:srcRect l="69636"/>
+          <a:stretch/>
+        </p:blipFill>
+        <p:spPr bwMode="auto">
+          <a:xfrm>
+            <a:off x="10543064" y="0"/>
+            <a:ext cx="1475238" cy="1943425"/>
+          </a:xfrm>
+          <a:prstGeom prst="rect">
+            <a:avLst/>
+          </a:prstGeom>
+          <a:noFill/>
+          <a:ln>
+            <a:noFill/>
+          </a:ln>
+        </p:spPr>
+      </p:pic>
+      <p:pic>
+        <p:nvPicPr>
+          <p:cNvPr id="109" name="Google Shape;109;p3"/>
+          <p:cNvPicPr/>
+          <p:nvPr/>
+        </p:nvPicPr>
+        <p:blipFill>
+          <a:blip r:embed="rId3">
+            <a:alphaModFix/>
+          </a:blip>
+          <a:stretch/>
+        </p:blipFill>
+        <p:spPr bwMode="auto">
+          <a:xfrm>
+            <a:off x="-226800" y="5344202"/>
+            <a:ext cx="2423400" cy="1695226"/>
+          </a:xfrm>
+          <a:prstGeom prst="rect">
+            <a:avLst/>
+          </a:prstGeom>
+          <a:noFill/>
+          <a:ln>
+            <a:noFill/>
+          </a:ln>
+        </p:spPr>
+      </p:pic>
+      <p:pic>
+        <p:nvPicPr>
+          <p:cNvPr id="3" name="Imagem 2">
+            <a:extLst>
+              <a:ext uri="{FF2B5EF4-FFF2-40B4-BE49-F238E27FC236}">
+                <a16:creationId xmlns:a16="http://schemas.microsoft.com/office/drawing/2014/main" id="{38EBF0AA-CAD6-76D9-AEE0-B0A04495D004}"/>
+              </a:ext>
+            </a:extLst>
+          </p:cNvPr>
+          <p:cNvPicPr>
+            <a:picLocks noChangeAspect="1"/>
+          </p:cNvPicPr>
+          <p:nvPr/>
+        </p:nvPicPr>
+        <p:blipFill>
+          <a:blip r:embed="rId4"/>
+          <a:stretch>
+            <a:fillRect/>
+          </a:stretch>
+        </p:blipFill>
+        <p:spPr>
+          <a:xfrm>
+            <a:off x="1847528" y="1690688"/>
+            <a:ext cx="8064896" cy="3931996"/>
+          </a:xfrm>
+          <a:prstGeom prst="rect">
+            <a:avLst/>
+          </a:prstGeom>
+        </p:spPr>
+      </p:pic>
+    </p:spTree>
+    <p:extLst>
+      <p:ext uri="{BB962C8B-B14F-4D97-AF65-F5344CB8AC3E}">
+        <p14:creationId xmlns:p14="http://schemas.microsoft.com/office/powerpoint/2010/main" val="694753195"/>
+      </p:ext>
+    </p:extLst>
+  </p:cSld>
+  <p:clrMapOvr>
+    <a:masterClrMapping/>
+  </p:clrMapOvr>
+</p:sld>
+</file>
+
+<file path=ppt/slides/slide7.xml><?xml version="1.0" encoding="utf-8"?>
+<p:sld xmlns:a="http://schemas.openxmlformats.org/drawingml/2006/main" xmlns:r="http://schemas.openxmlformats.org/officeDocument/2006/relationships" xmlns:p="http://schemas.openxmlformats.org/presentationml/2006/main" showMasterPhAnim="0">
+  <p:cSld>
+    <p:spTree>
+      <p:nvGrpSpPr>
+        <p:cNvPr id="1" name=""/>
+        <p:cNvGrpSpPr/>
+        <p:nvPr/>
+      </p:nvGrpSpPr>
+      <p:grpSpPr bwMode="auto">
+        <a:xfrm>
+          <a:off x="0" y="0"/>
+          <a:ext cx="0" cy="0"/>
+          <a:chOff x="0" y="0"/>
+          <a:chExt cx="0" cy="0"/>
+        </a:xfrm>
+      </p:grpSpPr>
+      <p:sp>
+        <p:nvSpPr>
+          <p:cNvPr id="105" name="Google Shape;105;p3"/>
+          <p:cNvSpPr txBox="1">
+            <a:spLocks noGrp="1"/>
+          </p:cNvSpPr>
+          <p:nvPr>
+            <p:ph type="title"/>
+          </p:nvPr>
+        </p:nvSpPr>
+        <p:spPr bwMode="auto">
+          <a:xfrm>
+            <a:off x="838200" y="288855"/>
+            <a:ext cx="10515600" cy="1325563"/>
+          </a:xfrm>
+          <a:prstGeom prst="rect">
+            <a:avLst/>
+          </a:prstGeom>
+          <a:noFill/>
+          <a:ln>
+            <a:noFill/>
+          </a:ln>
+        </p:spPr>
+        <p:txBody>
+          <a:bodyPr spcFirstLastPara="1" wrap="square" lIns="91425" tIns="45700" rIns="91425" bIns="45700" anchor="ctr" anchorCtr="0">
+            <a:normAutofit/>
+          </a:bodyPr>
+          <a:lstStyle/>
+          <a:p>
+            <a:pPr algn="l"/>
+            <a:r>
+              <a:rPr lang="pt-BR" sz="4000" b="1" i="0" dirty="0">
+                <a:effectLst/>
+                <a:latin typeface="Cambria" panose="02040503050406030204" pitchFamily="18" charset="0"/>
+                <a:ea typeface="Cambria" panose="02040503050406030204" pitchFamily="18" charset="0"/>
+              </a:rPr>
+              <a:t>Análise de Toxicidade</a:t>
+            </a:r>
+            <a:endParaRPr sz="4000" dirty="0">
+              <a:latin typeface="Cambria" panose="02040503050406030204" pitchFamily="18" charset="0"/>
+              <a:ea typeface="Cambria" panose="02040503050406030204" pitchFamily="18" charset="0"/>
+            </a:endParaRPr>
+          </a:p>
+        </p:txBody>
+      </p:sp>
+      <p:sp>
+        <p:nvSpPr>
+          <p:cNvPr id="107" name="Google Shape;107;p3"/>
+          <p:cNvSpPr txBox="1">
+            <a:spLocks noGrp="1"/>
+          </p:cNvSpPr>
+          <p:nvPr>
+            <p:ph type="ftr" idx="11"/>
+          </p:nvPr>
+        </p:nvSpPr>
+        <p:spPr bwMode="auto">
+          <a:xfrm>
+            <a:off x="4038600" y="6356350"/>
+            <a:ext cx="4114800" cy="365125"/>
+          </a:xfrm>
+          <a:prstGeom prst="rect">
+            <a:avLst/>
+          </a:prstGeom>
+          <a:noFill/>
+          <a:ln>
+            <a:noFill/>
+          </a:ln>
+        </p:spPr>
+        <p:txBody>
+          <a:bodyPr spcFirstLastPara="1" wrap="square" lIns="91425" tIns="45700" rIns="91425" bIns="45700" anchor="ctr" anchorCtr="0">
+            <a:noAutofit/>
+          </a:bodyPr>
+          <a:lstStyle/>
+          <a:p>
+            <a:pPr marL="0" lvl="0" indent="0" algn="ctr">
+              <a:spcBef>
+                <a:spcPts val="0"/>
+              </a:spcBef>
+              <a:spcAft>
+                <a:spcPts val="0"/>
+              </a:spcAft>
+              <a:buSzPts val="1400"/>
+              <a:buNone/>
+              <a:defRPr/>
+            </a:pPr>
+            <a:r>
+              <a:rPr lang="pt-BR"/>
+              <a:t>seisicite.com.br</a:t>
+            </a:r>
+            <a:endParaRPr/>
+          </a:p>
+        </p:txBody>
+      </p:sp>
+      <p:pic>
+        <p:nvPicPr>
+          <p:cNvPr id="108" name="Google Shape;108;p3"/>
+          <p:cNvPicPr/>
+          <p:nvPr/>
+        </p:nvPicPr>
+        <p:blipFill>
+          <a:blip r:embed="rId2">
+            <a:alphaModFix/>
+          </a:blip>
+          <a:srcRect l="69636"/>
+          <a:stretch/>
+        </p:blipFill>
+        <p:spPr bwMode="auto">
+          <a:xfrm>
+            <a:off x="10543064" y="0"/>
+            <a:ext cx="1475238" cy="1943425"/>
+          </a:xfrm>
+          <a:prstGeom prst="rect">
+            <a:avLst/>
+          </a:prstGeom>
+          <a:noFill/>
+          <a:ln>
+            <a:noFill/>
+          </a:ln>
+        </p:spPr>
+      </p:pic>
+      <p:pic>
+        <p:nvPicPr>
+          <p:cNvPr id="109" name="Google Shape;109;p3"/>
+          <p:cNvPicPr/>
+          <p:nvPr/>
+        </p:nvPicPr>
+        <p:blipFill>
+          <a:blip r:embed="rId3">
+            <a:alphaModFix/>
+          </a:blip>
+          <a:stretch/>
+        </p:blipFill>
+        <p:spPr bwMode="auto">
+          <a:xfrm>
+            <a:off x="-226800" y="5344202"/>
+            <a:ext cx="2423400" cy="1695226"/>
+          </a:xfrm>
+          <a:prstGeom prst="rect">
+            <a:avLst/>
+          </a:prstGeom>
+          <a:noFill/>
+          <a:ln>
+            <a:noFill/>
+          </a:ln>
+        </p:spPr>
+      </p:pic>
+      <p:pic>
+        <p:nvPicPr>
+          <p:cNvPr id="5" name="Imagem 4">
+            <a:extLst>
+              <a:ext uri="{FF2B5EF4-FFF2-40B4-BE49-F238E27FC236}">
+                <a16:creationId xmlns:a16="http://schemas.microsoft.com/office/drawing/2014/main" id="{E5EAD289-9592-FF35-052C-9910B9CA8C85}"/>
+              </a:ext>
+            </a:extLst>
+          </p:cNvPr>
+          <p:cNvPicPr>
+            <a:picLocks noChangeAspect="1"/>
+          </p:cNvPicPr>
+          <p:nvPr/>
+        </p:nvPicPr>
+        <p:blipFill>
+          <a:blip r:embed="rId4"/>
+          <a:stretch>
+            <a:fillRect/>
+          </a:stretch>
+        </p:blipFill>
+        <p:spPr>
+          <a:xfrm>
+            <a:off x="551384" y="1556792"/>
+            <a:ext cx="10108969" cy="4132009"/>
+          </a:xfrm>
+          <a:prstGeom prst="rect">
+            <a:avLst/>
+          </a:prstGeom>
+        </p:spPr>
+      </p:pic>
+    </p:spTree>
+    <p:extLst>
+      <p:ext uri="{BB962C8B-B14F-4D97-AF65-F5344CB8AC3E}">
+        <p14:creationId xmlns:p14="http://schemas.microsoft.com/office/powerpoint/2010/main" val="1358167298"/>
+      </p:ext>
+    </p:extLst>
+  </p:cSld>
+  <p:clrMapOvr>
+    <a:masterClrMapping/>
+  </p:clrMapOvr>
+</p:sld>
+</file>
+
+<file path=ppt/slides/slide8.xml><?xml version="1.0" encoding="utf-8"?>
+<p:sld xmlns:a="http://schemas.openxmlformats.org/drawingml/2006/main" xmlns:r="http://schemas.openxmlformats.org/officeDocument/2006/relationships" xmlns:p="http://schemas.openxmlformats.org/presentationml/2006/main" showMasterPhAnim="0">
+  <p:cSld>
+    <p:spTree>
+      <p:nvGrpSpPr>
+        <p:cNvPr id="1" name=""/>
+        <p:cNvGrpSpPr/>
+        <p:nvPr/>
+      </p:nvGrpSpPr>
+      <p:grpSpPr bwMode="auto">
+        <a:xfrm>
+          <a:off x="0" y="0"/>
+          <a:ext cx="0" cy="0"/>
+          <a:chOff x="0" y="0"/>
+          <a:chExt cx="0" cy="0"/>
+        </a:xfrm>
+      </p:grpSpPr>
+      <p:sp>
+        <p:nvSpPr>
+          <p:cNvPr id="105" name="Google Shape;105;p3"/>
+          <p:cNvSpPr txBox="1">
+            <a:spLocks noGrp="1"/>
+          </p:cNvSpPr>
+          <p:nvPr>
+            <p:ph type="title"/>
+          </p:nvPr>
+        </p:nvSpPr>
+        <p:spPr bwMode="auto">
+          <a:xfrm>
+            <a:off x="838200" y="288855"/>
+            <a:ext cx="10515600" cy="1325563"/>
+          </a:xfrm>
+          <a:prstGeom prst="rect">
+            <a:avLst/>
+          </a:prstGeom>
+          <a:noFill/>
+          <a:ln>
+            <a:noFill/>
+          </a:ln>
+        </p:spPr>
+        <p:txBody>
+          <a:bodyPr spcFirstLastPara="1" wrap="square" lIns="91425" tIns="45700" rIns="91425" bIns="45700" anchor="ctr" anchorCtr="0">
+            <a:normAutofit/>
+          </a:bodyPr>
+          <a:lstStyle/>
+          <a:p>
+            <a:pPr algn="l"/>
+            <a:r>
+              <a:rPr lang="pt-BR" sz="4800" b="1" i="0" dirty="0">
+                <a:effectLst/>
+                <a:latin typeface="Cambria" panose="02040503050406030204" pitchFamily="18" charset="0"/>
+                <a:ea typeface="Cambria" panose="02040503050406030204" pitchFamily="18" charset="0"/>
+              </a:rPr>
+              <a:t>Nuvem de Palavras</a:t>
+            </a:r>
+            <a:endParaRPr sz="4800" dirty="0">
+              <a:latin typeface="Cambria" panose="02040503050406030204" pitchFamily="18" charset="0"/>
+              <a:ea typeface="Cambria" panose="02040503050406030204" pitchFamily="18" charset="0"/>
+            </a:endParaRPr>
+          </a:p>
+        </p:txBody>
+      </p:sp>
+      <p:sp>
+        <p:nvSpPr>
+          <p:cNvPr id="107" name="Google Shape;107;p3"/>
+          <p:cNvSpPr txBox="1">
+            <a:spLocks noGrp="1"/>
+          </p:cNvSpPr>
+          <p:nvPr>
+            <p:ph type="ftr" idx="11"/>
+          </p:nvPr>
+        </p:nvSpPr>
+        <p:spPr bwMode="auto">
+          <a:xfrm>
+            <a:off x="4038600" y="6356350"/>
+            <a:ext cx="4114800" cy="365125"/>
+          </a:xfrm>
+          <a:prstGeom prst="rect">
+            <a:avLst/>
+          </a:prstGeom>
+          <a:noFill/>
+          <a:ln>
+            <a:noFill/>
+          </a:ln>
+        </p:spPr>
+        <p:txBody>
+          <a:bodyPr spcFirstLastPara="1" wrap="square" lIns="91425" tIns="45700" rIns="91425" bIns="45700" anchor="ctr" anchorCtr="0">
+            <a:noAutofit/>
+          </a:bodyPr>
+          <a:lstStyle/>
+          <a:p>
+            <a:pPr marL="0" lvl="0" indent="0" algn="ctr">
+              <a:spcBef>
+                <a:spcPts val="0"/>
+              </a:spcBef>
+              <a:spcAft>
+                <a:spcPts val="0"/>
+              </a:spcAft>
+              <a:buSzPts val="1400"/>
+              <a:buNone/>
+              <a:defRPr/>
+            </a:pPr>
+            <a:r>
+              <a:rPr lang="pt-BR"/>
+              <a:t>seisicite.com.br</a:t>
+            </a:r>
+            <a:endParaRPr/>
+          </a:p>
+        </p:txBody>
+      </p:sp>
+      <p:pic>
+        <p:nvPicPr>
+          <p:cNvPr id="108" name="Google Shape;108;p3"/>
+          <p:cNvPicPr/>
+          <p:nvPr/>
+        </p:nvPicPr>
+        <p:blipFill>
+          <a:blip r:embed="rId2">
+            <a:alphaModFix/>
+          </a:blip>
+          <a:srcRect l="69636"/>
+          <a:stretch/>
+        </p:blipFill>
+        <p:spPr bwMode="auto">
+          <a:xfrm>
+            <a:off x="10543064" y="0"/>
+            <a:ext cx="1475238" cy="1943425"/>
+          </a:xfrm>
+          <a:prstGeom prst="rect">
+            <a:avLst/>
+          </a:prstGeom>
+          <a:noFill/>
+          <a:ln>
+            <a:noFill/>
+          </a:ln>
+        </p:spPr>
+      </p:pic>
+      <p:pic>
+        <p:nvPicPr>
+          <p:cNvPr id="109" name="Google Shape;109;p3"/>
+          <p:cNvPicPr/>
+          <p:nvPr/>
+        </p:nvPicPr>
+        <p:blipFill>
+          <a:blip r:embed="rId3">
+            <a:alphaModFix/>
+          </a:blip>
+          <a:stretch/>
+        </p:blipFill>
+        <p:spPr bwMode="auto">
+          <a:xfrm>
+            <a:off x="-226800" y="5344202"/>
+            <a:ext cx="2423400" cy="1695226"/>
+          </a:xfrm>
+          <a:prstGeom prst="rect">
+            <a:avLst/>
+          </a:prstGeom>
+          <a:noFill/>
+          <a:ln>
+            <a:noFill/>
+          </a:ln>
+        </p:spPr>
+      </p:pic>
+      <p:pic>
+        <p:nvPicPr>
+          <p:cNvPr id="3" name="Imagem 2">
+            <a:extLst>
+              <a:ext uri="{FF2B5EF4-FFF2-40B4-BE49-F238E27FC236}">
+                <a16:creationId xmlns:a16="http://schemas.microsoft.com/office/drawing/2014/main" id="{E44D7897-A1CF-2985-3CB0-F86D76BE3358}"/>
+              </a:ext>
+            </a:extLst>
+          </p:cNvPr>
+          <p:cNvPicPr>
+            <a:picLocks noChangeAspect="1"/>
+          </p:cNvPicPr>
+          <p:nvPr/>
+        </p:nvPicPr>
+        <p:blipFill>
+          <a:blip r:embed="rId4"/>
+          <a:stretch>
+            <a:fillRect/>
+          </a:stretch>
+        </p:blipFill>
+        <p:spPr>
+          <a:xfrm>
+            <a:off x="767412" y="2492896"/>
+            <a:ext cx="5262282" cy="2739914"/>
+          </a:xfrm>
+          <a:prstGeom prst="rect">
+            <a:avLst/>
+          </a:prstGeom>
+        </p:spPr>
+      </p:pic>
+      <p:pic>
+        <p:nvPicPr>
+          <p:cNvPr id="6" name="Imagem 5">
+            <a:extLst>
+              <a:ext uri="{FF2B5EF4-FFF2-40B4-BE49-F238E27FC236}">
+                <a16:creationId xmlns:a16="http://schemas.microsoft.com/office/drawing/2014/main" id="{A242610D-1161-7727-84DB-10E4420D46B0}"/>
+              </a:ext>
+            </a:extLst>
+          </p:cNvPr>
+          <p:cNvPicPr>
+            <a:picLocks noChangeAspect="1"/>
+          </p:cNvPicPr>
+          <p:nvPr/>
+        </p:nvPicPr>
+        <p:blipFill>
+          <a:blip r:embed="rId5"/>
+          <a:stretch>
+            <a:fillRect/>
+          </a:stretch>
+        </p:blipFill>
+        <p:spPr>
+          <a:xfrm>
+            <a:off x="6240016" y="2496507"/>
+            <a:ext cx="5184572" cy="2736303"/>
+          </a:xfrm>
+          <a:prstGeom prst="rect">
+            <a:avLst/>
+          </a:prstGeom>
+        </p:spPr>
+      </p:pic>
+      <p:sp>
+        <p:nvSpPr>
+          <p:cNvPr id="8" name="Google Shape;105;p3">
+            <a:extLst>
+              <a:ext uri="{FF2B5EF4-FFF2-40B4-BE49-F238E27FC236}">
+                <a16:creationId xmlns:a16="http://schemas.microsoft.com/office/drawing/2014/main" id="{77893690-23A4-A5C4-0C9C-4D786224FE2D}"/>
+              </a:ext>
+            </a:extLst>
+          </p:cNvPr>
+          <p:cNvSpPr txBox="1">
+            <a:spLocks/>
+          </p:cNvSpPr>
+          <p:nvPr/>
+        </p:nvSpPr>
+        <p:spPr bwMode="auto">
+          <a:xfrm>
+            <a:off x="2660934" y="1506590"/>
+            <a:ext cx="1475238" cy="1325563"/>
+          </a:xfrm>
+          <a:prstGeom prst="rect">
+            <a:avLst/>
+          </a:prstGeom>
+          <a:noFill/>
+          <a:ln>
+            <a:noFill/>
+          </a:ln>
+        </p:spPr>
+        <p:txBody>
+          <a:bodyPr spcFirstLastPara="1" wrap="square" lIns="91425" tIns="45700" rIns="91425" bIns="45700" anchor="ctr" anchorCtr="0">
+            <a:normAutofit/>
+          </a:bodyPr>
+          <a:lstStyle>
+            <a:defPPr marR="0" lvl="0" algn="l">
+              <a:lnSpc>
+                <a:spcPct val="100000"/>
+              </a:lnSpc>
+              <a:spcBef>
+                <a:spcPts val="0"/>
+              </a:spcBef>
+              <a:spcAft>
+                <a:spcPts val="0"/>
+              </a:spcAft>
+            </a:defPPr>
+            <a:lvl1pPr marR="0" lvl="0" algn="l">
+              <a:lnSpc>
+                <a:spcPct val="90000"/>
+              </a:lnSpc>
+              <a:spcBef>
+                <a:spcPts val="0"/>
+              </a:spcBef>
+              <a:spcAft>
+                <a:spcPts val="0"/>
+              </a:spcAft>
+              <a:buClr>
+                <a:schemeClr val="dk1"/>
+              </a:buClr>
+              <a:buSzPts val="1800"/>
+              <a:buFont typeface="Cambria"/>
+              <a:buNone/>
+              <a:defRPr sz="4400" b="0" i="0" u="none" strike="noStrike" cap="none">
+                <a:solidFill>
+                  <a:schemeClr val="dk1"/>
+                </a:solidFill>
+                <a:latin typeface="Cambria"/>
+                <a:ea typeface="Cambria"/>
+                <a:cs typeface="Cambria"/>
+              </a:defRPr>
+            </a:lvl1pPr>
+            <a:lvl2pPr marR="0" lvl="1" algn="l">
+              <a:lnSpc>
+                <a:spcPct val="100000"/>
+              </a:lnSpc>
+              <a:spcBef>
+                <a:spcPts val="0"/>
+              </a:spcBef>
+              <a:spcAft>
+                <a:spcPts val="0"/>
+              </a:spcAft>
+              <a:buClr>
+                <a:srgbClr val="000000"/>
+              </a:buClr>
+              <a:buSzPts val="1400"/>
+              <a:buFont typeface="Arial"/>
+              <a:buNone/>
+              <a:defRPr sz="1800" b="0" i="0" u="none" strike="noStrike" cap="none">
+                <a:solidFill>
+                  <a:srgbClr val="000000"/>
+                </a:solidFill>
+                <a:latin typeface="Arial"/>
+                <a:ea typeface="Arial"/>
+                <a:cs typeface="Arial"/>
+              </a:defRPr>
+            </a:lvl2pPr>
+            <a:lvl3pPr marR="0" lvl="2" algn="l">
+              <a:lnSpc>
+                <a:spcPct val="100000"/>
+              </a:lnSpc>
+              <a:spcBef>
+                <a:spcPts val="0"/>
+              </a:spcBef>
+              <a:spcAft>
+                <a:spcPts val="0"/>
+              </a:spcAft>
+              <a:buClr>
+                <a:srgbClr val="000000"/>
+              </a:buClr>
+              <a:buSzPts val="1400"/>
+              <a:buFont typeface="Arial"/>
+              <a:buNone/>
+              <a:defRPr sz="1800" b="0" i="0" u="none" strike="noStrike" cap="none">
+                <a:solidFill>
+                  <a:srgbClr val="000000"/>
+                </a:solidFill>
+                <a:latin typeface="Arial"/>
+                <a:ea typeface="Arial"/>
+                <a:cs typeface="Arial"/>
+              </a:defRPr>
+            </a:lvl3pPr>
+            <a:lvl4pPr marR="0" lvl="3" algn="l">
+              <a:lnSpc>
+                <a:spcPct val="100000"/>
+              </a:lnSpc>
+              <a:spcBef>
+                <a:spcPts val="0"/>
+              </a:spcBef>
+              <a:spcAft>
+                <a:spcPts val="0"/>
+              </a:spcAft>
+              <a:buClr>
+                <a:srgbClr val="000000"/>
+              </a:buClr>
+              <a:buSzPts val="1400"/>
+              <a:buFont typeface="Arial"/>
+              <a:buNone/>
+              <a:defRPr sz="1800" b="0" i="0" u="none" strike="noStrike" cap="none">
+                <a:solidFill>
+                  <a:srgbClr val="000000"/>
+                </a:solidFill>
+                <a:latin typeface="Arial"/>
+                <a:ea typeface="Arial"/>
+                <a:cs typeface="Arial"/>
+              </a:defRPr>
+            </a:lvl4pPr>
+            <a:lvl5pPr marR="0" lvl="4" algn="l">
+              <a:lnSpc>
+                <a:spcPct val="100000"/>
+              </a:lnSpc>
+              <a:spcBef>
+                <a:spcPts val="0"/>
+              </a:spcBef>
+              <a:spcAft>
+                <a:spcPts val="0"/>
+              </a:spcAft>
+              <a:buClr>
+                <a:srgbClr val="000000"/>
+              </a:buClr>
+              <a:buSzPts val="1400"/>
+              <a:buFont typeface="Arial"/>
+              <a:buNone/>
+              <a:defRPr sz="1800" b="0" i="0" u="none" strike="noStrike" cap="none">
+                <a:solidFill>
+                  <a:srgbClr val="000000"/>
+                </a:solidFill>
+                <a:latin typeface="Arial"/>
+                <a:ea typeface="Arial"/>
+                <a:cs typeface="Arial"/>
+              </a:defRPr>
+            </a:lvl5pPr>
+            <a:lvl6pPr marR="0" lvl="5" algn="l">
+              <a:lnSpc>
+                <a:spcPct val="100000"/>
+              </a:lnSpc>
+              <a:spcBef>
+                <a:spcPts val="0"/>
+              </a:spcBef>
+              <a:spcAft>
+                <a:spcPts val="0"/>
+              </a:spcAft>
+              <a:buClr>
+                <a:srgbClr val="000000"/>
+              </a:buClr>
+              <a:buSzPts val="1400"/>
+              <a:buFont typeface="Arial"/>
+              <a:buNone/>
+              <a:defRPr sz="1800" b="0" i="0" u="none" strike="noStrike" cap="none">
+                <a:solidFill>
+                  <a:srgbClr val="000000"/>
+                </a:solidFill>
+                <a:latin typeface="Arial"/>
+                <a:ea typeface="Arial"/>
+                <a:cs typeface="Arial"/>
+              </a:defRPr>
+            </a:lvl6pPr>
+            <a:lvl7pPr marR="0" lvl="6" algn="l">
+              <a:lnSpc>
+                <a:spcPct val="100000"/>
+              </a:lnSpc>
+              <a:spcBef>
+                <a:spcPts val="0"/>
+              </a:spcBef>
+              <a:spcAft>
+                <a:spcPts val="0"/>
+              </a:spcAft>
+              <a:buClr>
+                <a:srgbClr val="000000"/>
+              </a:buClr>
+              <a:buSzPts val="1400"/>
+              <a:buFont typeface="Arial"/>
+              <a:buNone/>
+              <a:defRPr sz="1800" b="0" i="0" u="none" strike="noStrike" cap="none">
+                <a:solidFill>
+                  <a:srgbClr val="000000"/>
+                </a:solidFill>
+                <a:latin typeface="Arial"/>
+                <a:ea typeface="Arial"/>
+                <a:cs typeface="Arial"/>
+              </a:defRPr>
+            </a:lvl7pPr>
+            <a:lvl8pPr marR="0" lvl="7" algn="l">
+              <a:lnSpc>
+                <a:spcPct val="100000"/>
+              </a:lnSpc>
+              <a:spcBef>
+                <a:spcPts val="0"/>
+              </a:spcBef>
+              <a:spcAft>
+                <a:spcPts val="0"/>
+              </a:spcAft>
+              <a:buClr>
+                <a:srgbClr val="000000"/>
+              </a:buClr>
+              <a:buSzPts val="1400"/>
+              <a:buFont typeface="Arial"/>
+              <a:buNone/>
+              <a:defRPr sz="1800" b="0" i="0" u="none" strike="noStrike" cap="none">
+                <a:solidFill>
+                  <a:srgbClr val="000000"/>
+                </a:solidFill>
+                <a:latin typeface="Arial"/>
+                <a:ea typeface="Arial"/>
+                <a:cs typeface="Arial"/>
+              </a:defRPr>
+            </a:lvl8pPr>
+            <a:lvl9pPr marR="0" lvl="8" algn="l">
+              <a:lnSpc>
+                <a:spcPct val="100000"/>
+              </a:lnSpc>
+              <a:spcBef>
+                <a:spcPts val="0"/>
+              </a:spcBef>
+              <a:spcAft>
+                <a:spcPts val="0"/>
+              </a:spcAft>
+              <a:buClr>
+                <a:srgbClr val="000000"/>
+              </a:buClr>
+              <a:buSzPts val="1400"/>
+              <a:buFont typeface="Arial"/>
+              <a:buNone/>
+              <a:defRPr sz="1800" b="0" i="0" u="none" strike="noStrike" cap="none">
+                <a:solidFill>
+                  <a:srgbClr val="000000"/>
+                </a:solidFill>
+                <a:latin typeface="Arial"/>
+                <a:ea typeface="Arial"/>
+                <a:cs typeface="Arial"/>
+              </a:defRPr>
+            </a:lvl9pPr>
+          </a:lstStyle>
+          <a:p>
+            <a:r>
+              <a:rPr lang="pt-BR" sz="2400" b="1" dirty="0">
+                <a:latin typeface="Cambria" panose="02040503050406030204" pitchFamily="18" charset="0"/>
+                <a:ea typeface="Cambria" panose="02040503050406030204" pitchFamily="18" charset="0"/>
+              </a:rPr>
+              <a:t>Twitter</a:t>
+            </a:r>
+            <a:endParaRPr lang="pt-BR" sz="2400" dirty="0">
+              <a:latin typeface="Cambria" panose="02040503050406030204" pitchFamily="18" charset="0"/>
+              <a:ea typeface="Cambria" panose="02040503050406030204" pitchFamily="18" charset="0"/>
+            </a:endParaRPr>
+          </a:p>
+        </p:txBody>
+      </p:sp>
+      <p:sp>
+        <p:nvSpPr>
+          <p:cNvPr id="9" name="Google Shape;105;p3">
+            <a:extLst>
+              <a:ext uri="{FF2B5EF4-FFF2-40B4-BE49-F238E27FC236}">
+                <a16:creationId xmlns:a16="http://schemas.microsoft.com/office/drawing/2014/main" id="{152637A5-9A6B-BADA-5374-B848E817476D}"/>
+              </a:ext>
+            </a:extLst>
+          </p:cNvPr>
+          <p:cNvSpPr txBox="1">
+            <a:spLocks/>
+          </p:cNvSpPr>
+          <p:nvPr/>
+        </p:nvSpPr>
+        <p:spPr bwMode="auto">
+          <a:xfrm>
+            <a:off x="8098084" y="1506590"/>
+            <a:ext cx="1598315" cy="1325563"/>
+          </a:xfrm>
+          <a:prstGeom prst="rect">
+            <a:avLst/>
+          </a:prstGeom>
+          <a:noFill/>
+          <a:ln>
+            <a:noFill/>
+          </a:ln>
+        </p:spPr>
+        <p:txBody>
+          <a:bodyPr spcFirstLastPara="1" wrap="square" lIns="91425" tIns="45700" rIns="91425" bIns="45700" anchor="ctr" anchorCtr="0">
+            <a:normAutofit/>
+          </a:bodyPr>
+          <a:lstStyle>
+            <a:defPPr marR="0" lvl="0" algn="l">
+              <a:lnSpc>
+                <a:spcPct val="100000"/>
+              </a:lnSpc>
+              <a:spcBef>
+                <a:spcPts val="0"/>
+              </a:spcBef>
+              <a:spcAft>
+                <a:spcPts val="0"/>
+              </a:spcAft>
+            </a:defPPr>
+            <a:lvl1pPr marR="0" lvl="0" algn="l">
+              <a:lnSpc>
+                <a:spcPct val="90000"/>
+              </a:lnSpc>
+              <a:spcBef>
+                <a:spcPts val="0"/>
+              </a:spcBef>
+              <a:spcAft>
+                <a:spcPts val="0"/>
+              </a:spcAft>
+              <a:buClr>
+                <a:schemeClr val="dk1"/>
+              </a:buClr>
+              <a:buSzPts val="1800"/>
+              <a:buFont typeface="Cambria"/>
+              <a:buNone/>
+              <a:defRPr sz="4400" b="0" i="0" u="none" strike="noStrike" cap="none">
+                <a:solidFill>
+                  <a:schemeClr val="dk1"/>
+                </a:solidFill>
+                <a:latin typeface="Cambria"/>
+                <a:ea typeface="Cambria"/>
+                <a:cs typeface="Cambria"/>
+              </a:defRPr>
+            </a:lvl1pPr>
+            <a:lvl2pPr marR="0" lvl="1" algn="l">
+              <a:lnSpc>
+                <a:spcPct val="100000"/>
+              </a:lnSpc>
+              <a:spcBef>
+                <a:spcPts val="0"/>
+              </a:spcBef>
+              <a:spcAft>
+                <a:spcPts val="0"/>
+              </a:spcAft>
+              <a:buClr>
+                <a:srgbClr val="000000"/>
+              </a:buClr>
+              <a:buSzPts val="1400"/>
+              <a:buFont typeface="Arial"/>
+              <a:buNone/>
+              <a:defRPr sz="1800" b="0" i="0" u="none" strike="noStrike" cap="none">
+                <a:solidFill>
+                  <a:srgbClr val="000000"/>
+                </a:solidFill>
+                <a:latin typeface="Arial"/>
+                <a:ea typeface="Arial"/>
+                <a:cs typeface="Arial"/>
+              </a:defRPr>
+            </a:lvl2pPr>
+            <a:lvl3pPr marR="0" lvl="2" algn="l">
+              <a:lnSpc>
+                <a:spcPct val="100000"/>
+              </a:lnSpc>
+              <a:spcBef>
+                <a:spcPts val="0"/>
+              </a:spcBef>
+              <a:spcAft>
+                <a:spcPts val="0"/>
+              </a:spcAft>
+              <a:buClr>
+                <a:srgbClr val="000000"/>
+              </a:buClr>
+              <a:buSzPts val="1400"/>
+              <a:buFont typeface="Arial"/>
+              <a:buNone/>
+              <a:defRPr sz="1800" b="0" i="0" u="none" strike="noStrike" cap="none">
+                <a:solidFill>
+                  <a:srgbClr val="000000"/>
+                </a:solidFill>
+                <a:latin typeface="Arial"/>
+                <a:ea typeface="Arial"/>
+                <a:cs typeface="Arial"/>
+              </a:defRPr>
+            </a:lvl3pPr>
+            <a:lvl4pPr marR="0" lvl="3" algn="l">
+              <a:lnSpc>
+                <a:spcPct val="100000"/>
+              </a:lnSpc>
+              <a:spcBef>
+                <a:spcPts val="0"/>
+              </a:spcBef>
+              <a:spcAft>
+                <a:spcPts val="0"/>
+              </a:spcAft>
+              <a:buClr>
+                <a:srgbClr val="000000"/>
+              </a:buClr>
+              <a:buSzPts val="1400"/>
+              <a:buFont typeface="Arial"/>
+              <a:buNone/>
+              <a:defRPr sz="1800" b="0" i="0" u="none" strike="noStrike" cap="none">
+                <a:solidFill>
+                  <a:srgbClr val="000000"/>
+                </a:solidFill>
+                <a:latin typeface="Arial"/>
+                <a:ea typeface="Arial"/>
+                <a:cs typeface="Arial"/>
+              </a:defRPr>
+            </a:lvl4pPr>
+            <a:lvl5pPr marR="0" lvl="4" algn="l">
+              <a:lnSpc>
+                <a:spcPct val="100000"/>
+              </a:lnSpc>
+              <a:spcBef>
+                <a:spcPts val="0"/>
+              </a:spcBef>
+              <a:spcAft>
+                <a:spcPts val="0"/>
+              </a:spcAft>
+              <a:buClr>
+                <a:srgbClr val="000000"/>
+              </a:buClr>
+              <a:buSzPts val="1400"/>
+              <a:buFont typeface="Arial"/>
+              <a:buNone/>
+              <a:defRPr sz="1800" b="0" i="0" u="none" strike="noStrike" cap="none">
+                <a:solidFill>
+                  <a:srgbClr val="000000"/>
+                </a:solidFill>
+                <a:latin typeface="Arial"/>
+                <a:ea typeface="Arial"/>
+                <a:cs typeface="Arial"/>
+              </a:defRPr>
+            </a:lvl5pPr>
+            <a:lvl6pPr marR="0" lvl="5" algn="l">
+              <a:lnSpc>
+                <a:spcPct val="100000"/>
+              </a:lnSpc>
+              <a:spcBef>
+                <a:spcPts val="0"/>
+              </a:spcBef>
+              <a:spcAft>
+                <a:spcPts val="0"/>
+              </a:spcAft>
+              <a:buClr>
+                <a:srgbClr val="000000"/>
+              </a:buClr>
+              <a:buSzPts val="1400"/>
+              <a:buFont typeface="Arial"/>
+              <a:buNone/>
+              <a:defRPr sz="1800" b="0" i="0" u="none" strike="noStrike" cap="none">
+                <a:solidFill>
+                  <a:srgbClr val="000000"/>
+                </a:solidFill>
+                <a:latin typeface="Arial"/>
+                <a:ea typeface="Arial"/>
+                <a:cs typeface="Arial"/>
+              </a:defRPr>
+            </a:lvl6pPr>
+            <a:lvl7pPr marR="0" lvl="6" algn="l">
+              <a:lnSpc>
+                <a:spcPct val="100000"/>
+              </a:lnSpc>
+              <a:spcBef>
+                <a:spcPts val="0"/>
+              </a:spcBef>
+              <a:spcAft>
+                <a:spcPts val="0"/>
+              </a:spcAft>
+              <a:buClr>
+                <a:srgbClr val="000000"/>
+              </a:buClr>
+              <a:buSzPts val="1400"/>
+              <a:buFont typeface="Arial"/>
+              <a:buNone/>
+              <a:defRPr sz="1800" b="0" i="0" u="none" strike="noStrike" cap="none">
+                <a:solidFill>
+                  <a:srgbClr val="000000"/>
+                </a:solidFill>
+                <a:latin typeface="Arial"/>
+                <a:ea typeface="Arial"/>
+                <a:cs typeface="Arial"/>
+              </a:defRPr>
+            </a:lvl7pPr>
+            <a:lvl8pPr marR="0" lvl="7" algn="l">
+              <a:lnSpc>
+                <a:spcPct val="100000"/>
+              </a:lnSpc>
+              <a:spcBef>
+                <a:spcPts val="0"/>
+              </a:spcBef>
+              <a:spcAft>
+                <a:spcPts val="0"/>
+              </a:spcAft>
+              <a:buClr>
+                <a:srgbClr val="000000"/>
+              </a:buClr>
+              <a:buSzPts val="1400"/>
+              <a:buFont typeface="Arial"/>
+              <a:buNone/>
+              <a:defRPr sz="1800" b="0" i="0" u="none" strike="noStrike" cap="none">
+                <a:solidFill>
+                  <a:srgbClr val="000000"/>
+                </a:solidFill>
+                <a:latin typeface="Arial"/>
+                <a:ea typeface="Arial"/>
+                <a:cs typeface="Arial"/>
+              </a:defRPr>
+            </a:lvl8pPr>
+            <a:lvl9pPr marR="0" lvl="8" algn="l">
+              <a:lnSpc>
+                <a:spcPct val="100000"/>
+              </a:lnSpc>
+              <a:spcBef>
+                <a:spcPts val="0"/>
+              </a:spcBef>
+              <a:spcAft>
+                <a:spcPts val="0"/>
+              </a:spcAft>
+              <a:buClr>
+                <a:srgbClr val="000000"/>
+              </a:buClr>
+              <a:buSzPts val="1400"/>
+              <a:buFont typeface="Arial"/>
+              <a:buNone/>
+              <a:defRPr sz="1800" b="0" i="0" u="none" strike="noStrike" cap="none">
+                <a:solidFill>
+                  <a:srgbClr val="000000"/>
+                </a:solidFill>
+                <a:latin typeface="Arial"/>
+                <a:ea typeface="Arial"/>
+                <a:cs typeface="Arial"/>
+              </a:defRPr>
+            </a:lvl9pPr>
+          </a:lstStyle>
+          <a:p>
+            <a:r>
+              <a:rPr lang="pt-BR" sz="2400" b="1" dirty="0">
+                <a:latin typeface="Cambria" panose="02040503050406030204" pitchFamily="18" charset="0"/>
+                <a:ea typeface="Cambria" panose="02040503050406030204" pitchFamily="18" charset="0"/>
+              </a:rPr>
+              <a:t>Telegram</a:t>
+            </a:r>
+            <a:endParaRPr lang="pt-BR" sz="2400" dirty="0">
+              <a:latin typeface="Cambria" panose="02040503050406030204" pitchFamily="18" charset="0"/>
+              <a:ea typeface="Cambria" panose="02040503050406030204" pitchFamily="18" charset="0"/>
+            </a:endParaRPr>
+          </a:p>
+        </p:txBody>
+      </p:sp>
+    </p:spTree>
+    <p:extLst>
+      <p:ext uri="{BB962C8B-B14F-4D97-AF65-F5344CB8AC3E}">
+        <p14:creationId xmlns:p14="http://schemas.microsoft.com/office/powerpoint/2010/main" val="4106806934"/>
+      </p:ext>
+    </p:extLst>
+  </p:cSld>
+  <p:clrMapOvr>
+    <a:masterClrMapping/>
+  </p:clrMapOvr>
+</p:sld>
+</file>
+
+<file path=ppt/slides/slide9.xml><?xml version="1.0" encoding="utf-8"?>
+<p:sld xmlns:a="http://schemas.openxmlformats.org/drawingml/2006/main" xmlns:r="http://schemas.openxmlformats.org/officeDocument/2006/relationships" xmlns:p="http://schemas.openxmlformats.org/presentationml/2006/main" showMasterPhAnim="0">
+  <p:cSld>
+    <p:spTree>
+      <p:nvGrpSpPr>
+        <p:cNvPr id="1" name=""/>
+        <p:cNvGrpSpPr/>
+        <p:nvPr/>
+      </p:nvGrpSpPr>
+      <p:grpSpPr bwMode="auto">
+        <a:xfrm>
+          <a:off x="0" y="0"/>
+          <a:ext cx="0" cy="0"/>
+          <a:chOff x="0" y="0"/>
+          <a:chExt cx="0" cy="0"/>
+        </a:xfrm>
+      </p:grpSpPr>
+      <p:sp>
+        <p:nvSpPr>
+          <p:cNvPr id="105" name="Google Shape;105;p3"/>
+          <p:cNvSpPr txBox="1">
+            <a:spLocks noGrp="1"/>
+          </p:cNvSpPr>
+          <p:nvPr>
+            <p:ph type="title"/>
+          </p:nvPr>
+        </p:nvSpPr>
+        <p:spPr bwMode="auto">
+          <a:xfrm>
+            <a:off x="984900" y="247095"/>
+            <a:ext cx="9362256" cy="1325563"/>
+          </a:xfrm>
+          <a:prstGeom prst="rect">
+            <a:avLst/>
+          </a:prstGeom>
+          <a:noFill/>
+          <a:ln>
+            <a:noFill/>
+          </a:ln>
+        </p:spPr>
+        <p:txBody>
+          <a:bodyPr spcFirstLastPara="1" wrap="square" lIns="91425" tIns="45700" rIns="91425" bIns="45700" anchor="ctr" anchorCtr="0">
+            <a:normAutofit/>
+          </a:bodyPr>
+          <a:lstStyle/>
+          <a:p>
+            <a:pPr marL="0" lvl="0" indent="0" algn="l">
+              <a:lnSpc>
+                <a:spcPct val="90000"/>
+              </a:lnSpc>
+              <a:spcBef>
+                <a:spcPts val="0"/>
+              </a:spcBef>
+              <a:spcAft>
+                <a:spcPts val="0"/>
+              </a:spcAft>
+              <a:buClr>
+                <a:schemeClr val="dk1"/>
+              </a:buClr>
+              <a:buSzPts val="4400"/>
+              <a:buFont typeface="Cambria"/>
+              <a:buNone/>
+              <a:defRPr/>
+            </a:pPr>
+            <a:r>
+              <a:rPr lang="pt-BR" sz="4000" b="1" dirty="0">
+                <a:latin typeface="Cambria"/>
+                <a:ea typeface="Cambria"/>
+                <a:cs typeface="Cambria"/>
+              </a:rPr>
+              <a:t>Diferenças entre as plataformas e Conclusão</a:t>
+            </a:r>
+            <a:endParaRPr sz="4000" dirty="0"/>
+          </a:p>
+        </p:txBody>
+      </p:sp>
+      <p:sp>
+        <p:nvSpPr>
+          <p:cNvPr id="106" name="Google Shape;106;p3"/>
+          <p:cNvSpPr txBox="1">
+            <a:spLocks noGrp="1"/>
+          </p:cNvSpPr>
+          <p:nvPr>
+            <p:ph type="body" idx="1"/>
+          </p:nvPr>
+        </p:nvSpPr>
+        <p:spPr bwMode="auto">
+          <a:xfrm>
+            <a:off x="838200" y="1653528"/>
+            <a:ext cx="10515600" cy="4351338"/>
+          </a:xfrm>
+          <a:prstGeom prst="rect">
+            <a:avLst/>
+          </a:prstGeom>
+          <a:noFill/>
+          <a:ln>
+            <a:noFill/>
+          </a:ln>
+        </p:spPr>
+        <p:txBody>
+          <a:bodyPr spcFirstLastPara="1" wrap="square" lIns="91425" tIns="45700" rIns="91425" bIns="45700" anchor="t" anchorCtr="0">
+            <a:normAutofit/>
+          </a:bodyPr>
+          <a:lstStyle/>
+          <a:p>
+            <a:pPr algn="l">
+              <a:buFont typeface="Arial" panose="020B0604020202020204" pitchFamily="34" charset="0"/>
+              <a:buChar char="•"/>
+            </a:pPr>
+            <a:r>
+              <a:rPr lang="pt-BR" b="1" i="0" dirty="0">
+                <a:solidFill>
+                  <a:schemeClr val="tx1"/>
+                </a:solidFill>
+                <a:effectLst/>
+                <a:latin typeface="Cambria" panose="02040503050406030204" pitchFamily="18" charset="0"/>
+                <a:ea typeface="Cambria" panose="02040503050406030204" pitchFamily="18" charset="0"/>
+              </a:rPr>
+              <a:t>Telegram:</a:t>
+            </a:r>
+            <a:endParaRPr lang="pt-BR" b="0" i="0" dirty="0">
+              <a:solidFill>
+                <a:schemeClr val="tx1"/>
+              </a:solidFill>
+              <a:effectLst/>
+              <a:latin typeface="Cambria" panose="02040503050406030204" pitchFamily="18" charset="0"/>
+              <a:ea typeface="Cambria" panose="02040503050406030204" pitchFamily="18" charset="0"/>
+            </a:endParaRPr>
+          </a:p>
+          <a:p>
+            <a:pPr marL="742950" lvl="1" indent="-285750" algn="l">
+              <a:buFont typeface="Arial" panose="020B0604020202020204" pitchFamily="34" charset="0"/>
+              <a:buChar char="•"/>
+            </a:pPr>
+            <a:r>
+              <a:rPr lang="pt-BR" b="0" i="0" dirty="0">
+                <a:solidFill>
+                  <a:schemeClr val="tx1"/>
+                </a:solidFill>
+                <a:effectLst/>
+                <a:latin typeface="Cambria" panose="02040503050406030204" pitchFamily="18" charset="0"/>
+                <a:ea typeface="Cambria" panose="02040503050406030204" pitchFamily="18" charset="0"/>
+              </a:rPr>
+              <a:t>Predominância de grupos de direita.</a:t>
+            </a:r>
+          </a:p>
+          <a:p>
+            <a:pPr marL="742950" lvl="1" indent="-285750" algn="l">
+              <a:buFont typeface="Arial" panose="020B0604020202020204" pitchFamily="34" charset="0"/>
+              <a:buChar char="•"/>
+            </a:pPr>
+            <a:r>
+              <a:rPr lang="pt-BR" b="0" i="0" dirty="0">
+                <a:solidFill>
+                  <a:schemeClr val="tx1"/>
+                </a:solidFill>
+                <a:effectLst/>
+                <a:latin typeface="Cambria" panose="02040503050406030204" pitchFamily="18" charset="0"/>
+                <a:ea typeface="Cambria" panose="02040503050406030204" pitchFamily="18" charset="0"/>
+              </a:rPr>
+              <a:t>Preservação da privacidade e ênfase em mensagens diretas.</a:t>
+            </a:r>
+          </a:p>
+          <a:p>
+            <a:pPr marL="742950" lvl="1" indent="-285750" algn="l">
+              <a:buFont typeface="Arial" panose="020B0604020202020204" pitchFamily="34" charset="0"/>
+              <a:buChar char="•"/>
+            </a:pPr>
+            <a:r>
+              <a:rPr lang="pt-BR" b="0" i="0" dirty="0">
+                <a:solidFill>
+                  <a:schemeClr val="tx1"/>
+                </a:solidFill>
+                <a:effectLst/>
+                <a:latin typeface="Cambria" panose="02040503050406030204" pitchFamily="18" charset="0"/>
+                <a:ea typeface="Cambria" panose="02040503050406030204" pitchFamily="18" charset="0"/>
+              </a:rPr>
+              <a:t>Comportamento dos grupos durante e após as eleições.</a:t>
+            </a:r>
+          </a:p>
+          <a:p>
+            <a:pPr marL="457200" lvl="1" indent="0" algn="l">
+              <a:buNone/>
+            </a:pPr>
+            <a:endParaRPr lang="pt-BR" b="0" i="0" dirty="0">
+              <a:solidFill>
+                <a:schemeClr val="tx1"/>
+              </a:solidFill>
+              <a:effectLst/>
+              <a:latin typeface="Cambria" panose="02040503050406030204" pitchFamily="18" charset="0"/>
+              <a:ea typeface="Cambria" panose="02040503050406030204" pitchFamily="18" charset="0"/>
+            </a:endParaRPr>
+          </a:p>
+          <a:p>
+            <a:pPr algn="l">
+              <a:buFont typeface="Arial" panose="020B0604020202020204" pitchFamily="34" charset="0"/>
+              <a:buChar char="•"/>
+            </a:pPr>
+            <a:r>
+              <a:rPr lang="pt-BR" b="1" i="0" dirty="0">
+                <a:solidFill>
+                  <a:schemeClr val="tx1"/>
+                </a:solidFill>
+                <a:effectLst/>
+                <a:latin typeface="Cambria" panose="02040503050406030204" pitchFamily="18" charset="0"/>
+                <a:ea typeface="Cambria" panose="02040503050406030204" pitchFamily="18" charset="0"/>
+              </a:rPr>
+              <a:t>Twitter:</a:t>
+            </a:r>
+            <a:endParaRPr lang="pt-BR" b="0" i="0" dirty="0">
+              <a:solidFill>
+                <a:schemeClr val="tx1"/>
+              </a:solidFill>
+              <a:effectLst/>
+              <a:latin typeface="Cambria" panose="02040503050406030204" pitchFamily="18" charset="0"/>
+              <a:ea typeface="Cambria" panose="02040503050406030204" pitchFamily="18" charset="0"/>
+            </a:endParaRPr>
+          </a:p>
+          <a:p>
+            <a:pPr marL="742950" lvl="1" indent="-285750" algn="l">
+              <a:buFont typeface="Arial" panose="020B0604020202020204" pitchFamily="34" charset="0"/>
+              <a:buChar char="•"/>
+            </a:pPr>
+            <a:r>
+              <a:rPr lang="pt-BR" b="0" i="0" dirty="0">
+                <a:solidFill>
+                  <a:schemeClr val="tx1"/>
+                </a:solidFill>
+                <a:effectLst/>
+                <a:latin typeface="Cambria" panose="02040503050406030204" pitchFamily="18" charset="0"/>
+                <a:ea typeface="Cambria" panose="02040503050406030204" pitchFamily="18" charset="0"/>
+              </a:rPr>
+              <a:t>Hashtags de esquerda mais populares.</a:t>
+            </a:r>
+          </a:p>
+          <a:p>
+            <a:pPr marL="742950" lvl="1" indent="-285750" algn="l">
+              <a:buFont typeface="Arial" panose="020B0604020202020204" pitchFamily="34" charset="0"/>
+              <a:buChar char="•"/>
+            </a:pPr>
+            <a:r>
+              <a:rPr lang="pt-BR" b="0" i="0" dirty="0">
+                <a:solidFill>
+                  <a:schemeClr val="tx1"/>
+                </a:solidFill>
+                <a:effectLst/>
+                <a:latin typeface="Cambria" panose="02040503050406030204" pitchFamily="18" charset="0"/>
+                <a:ea typeface="Cambria" panose="02040503050406030204" pitchFamily="18" charset="0"/>
+              </a:rPr>
+              <a:t>Natureza em tempo real e limitação de caracteres.</a:t>
+            </a:r>
+          </a:p>
+          <a:p>
+            <a:pPr marL="742950" lvl="1" indent="-285750" algn="l">
+              <a:buFont typeface="Arial" panose="020B0604020202020204" pitchFamily="34" charset="0"/>
+              <a:buChar char="•"/>
+            </a:pPr>
+            <a:r>
+              <a:rPr lang="pt-BR" b="0" i="0" dirty="0">
+                <a:solidFill>
+                  <a:schemeClr val="tx1"/>
+                </a:solidFill>
+                <a:effectLst/>
+                <a:latin typeface="Cambria" panose="02040503050406030204" pitchFamily="18" charset="0"/>
+                <a:ea typeface="Cambria" panose="02040503050406030204" pitchFamily="18" charset="0"/>
+              </a:rPr>
+              <a:t>Níveis de toxicidade e variações entre ideologias</a:t>
+            </a:r>
+            <a:r>
+              <a:rPr lang="pt-BR" b="0" i="0" dirty="0">
+                <a:solidFill>
+                  <a:schemeClr val="tx1"/>
+                </a:solidFill>
+                <a:effectLst/>
+                <a:latin typeface="Söhne"/>
+              </a:rPr>
+              <a:t>.</a:t>
+            </a:r>
+          </a:p>
+        </p:txBody>
+      </p:sp>
+      <p:sp>
+        <p:nvSpPr>
+          <p:cNvPr id="107" name="Google Shape;107;p3"/>
+          <p:cNvSpPr txBox="1">
+            <a:spLocks noGrp="1"/>
+          </p:cNvSpPr>
+          <p:nvPr>
+            <p:ph type="ftr" idx="11"/>
+          </p:nvPr>
+        </p:nvSpPr>
+        <p:spPr bwMode="auto">
+          <a:xfrm>
+            <a:off x="4038600" y="6356350"/>
+            <a:ext cx="4114800" cy="365125"/>
+          </a:xfrm>
+          <a:prstGeom prst="rect">
+            <a:avLst/>
+          </a:prstGeom>
+          <a:noFill/>
+          <a:ln>
+            <a:noFill/>
+          </a:ln>
+        </p:spPr>
+        <p:txBody>
+          <a:bodyPr spcFirstLastPara="1" wrap="square" lIns="91425" tIns="45700" rIns="91425" bIns="45700" anchor="ctr" anchorCtr="0">
+            <a:noAutofit/>
+          </a:bodyPr>
+          <a:lstStyle/>
+          <a:p>
+            <a:pPr marL="0" lvl="0" indent="0" algn="ctr">
+              <a:spcBef>
+                <a:spcPts val="0"/>
+              </a:spcBef>
+              <a:spcAft>
+                <a:spcPts val="0"/>
+              </a:spcAft>
+              <a:buSzPts val="1400"/>
+              <a:buNone/>
+              <a:defRPr/>
+            </a:pPr>
+            <a:r>
+              <a:rPr lang="pt-BR"/>
+              <a:t>seisicite.com.br</a:t>
+            </a:r>
+            <a:endParaRPr/>
+          </a:p>
+        </p:txBody>
+      </p:sp>
+      <p:pic>
+        <p:nvPicPr>
+          <p:cNvPr id="108" name="Google Shape;108;p3"/>
+          <p:cNvPicPr/>
+          <p:nvPr/>
+        </p:nvPicPr>
+        <p:blipFill>
+          <a:blip r:embed="rId2">
+            <a:alphaModFix/>
+          </a:blip>
+          <a:srcRect l="69636"/>
+          <a:stretch/>
+        </p:blipFill>
+        <p:spPr bwMode="auto">
+          <a:xfrm>
+            <a:off x="10543064" y="0"/>
+            <a:ext cx="1475238" cy="1943425"/>
+          </a:xfrm>
+          <a:prstGeom prst="rect">
+            <a:avLst/>
+          </a:prstGeom>
+          <a:noFill/>
+          <a:ln>
+            <a:noFill/>
+          </a:ln>
+        </p:spPr>
+      </p:pic>
+      <p:pic>
+        <p:nvPicPr>
+          <p:cNvPr id="109" name="Google Shape;109;p3"/>
+          <p:cNvPicPr/>
+          <p:nvPr/>
+        </p:nvPicPr>
+        <p:blipFill>
+          <a:blip r:embed="rId3">
+            <a:alphaModFix/>
+          </a:blip>
+          <a:stretch/>
+        </p:blipFill>
+        <p:spPr bwMode="auto">
+          <a:xfrm>
+            <a:off x="-226800" y="5344202"/>
+            <a:ext cx="2423400" cy="1695226"/>
+          </a:xfrm>
+          <a:prstGeom prst="rect">
+            <a:avLst/>
+          </a:prstGeom>
+          <a:noFill/>
+          <a:ln>
+            <a:noFill/>
+          </a:ln>
+        </p:spPr>
+      </p:pic>
+    </p:spTree>
+    <p:extLst>
+      <p:ext uri="{BB962C8B-B14F-4D97-AF65-F5344CB8AC3E}">
+        <p14:creationId xmlns:p14="http://schemas.microsoft.com/office/powerpoint/2010/main" val="3241361366"/>
+      </p:ext>
+    </p:extLst>
   </p:cSld>
   <p:clrMapOvr>
     <a:masterClrMapping/>

--- a/2023 - Template Apresentação ✅.pptx
+++ b/2023 - Template Apresentação ✅.pptx
@@ -13,10 +13,12 @@
     <p:sldId id="263" r:id="rId7"/>
     <p:sldId id="262" r:id="rId8"/>
     <p:sldId id="267" r:id="rId9"/>
-    <p:sldId id="261" r:id="rId10"/>
-    <p:sldId id="259" r:id="rId11"/>
-    <p:sldId id="260" r:id="rId12"/>
-    <p:sldId id="264" r:id="rId13"/>
+    <p:sldId id="270" r:id="rId10"/>
+    <p:sldId id="272" r:id="rId11"/>
+    <p:sldId id="261" r:id="rId12"/>
+    <p:sldId id="259" r:id="rId13"/>
+    <p:sldId id="260" r:id="rId14"/>
+    <p:sldId id="264" r:id="rId15"/>
   </p:sldIdLst>
   <p:sldSz cx="12192000" cy="6858000"/>
   <p:notesSz cx="12192000" cy="6858000"/>
@@ -13369,6 +13371,607 @@
       </p:grpSpPr>
       <p:sp>
         <p:nvSpPr>
+          <p:cNvPr id="105" name="Google Shape;105;p3"/>
+          <p:cNvSpPr txBox="1">
+            <a:spLocks noGrp="1"/>
+          </p:cNvSpPr>
+          <p:nvPr>
+            <p:ph type="title"/>
+          </p:nvPr>
+        </p:nvSpPr>
+        <p:spPr bwMode="auto">
+          <a:xfrm>
+            <a:off x="838200" y="-99392"/>
+            <a:ext cx="10515600" cy="1325563"/>
+          </a:xfrm>
+          <a:prstGeom prst="rect">
+            <a:avLst/>
+          </a:prstGeom>
+          <a:noFill/>
+          <a:ln>
+            <a:noFill/>
+          </a:ln>
+        </p:spPr>
+        <p:txBody>
+          <a:bodyPr spcFirstLastPara="1" wrap="square" lIns="91425" tIns="45700" rIns="91425" bIns="45700" anchor="ctr" anchorCtr="0">
+            <a:normAutofit/>
+          </a:bodyPr>
+          <a:lstStyle/>
+          <a:p>
+            <a:pPr algn="l"/>
+            <a:r>
+              <a:rPr lang="pt-BR" sz="4000" b="1" i="0" dirty="0">
+                <a:effectLst/>
+                <a:latin typeface="Cambria" panose="02040503050406030204" pitchFamily="18" charset="0"/>
+                <a:ea typeface="Cambria" panose="02040503050406030204" pitchFamily="18" charset="0"/>
+              </a:rPr>
+              <a:t>Domínios mais Relevantes no Telegram</a:t>
+            </a:r>
+            <a:endParaRPr sz="4000" dirty="0">
+              <a:latin typeface="Cambria" panose="02040503050406030204" pitchFamily="18" charset="0"/>
+              <a:ea typeface="Cambria" panose="02040503050406030204" pitchFamily="18" charset="0"/>
+            </a:endParaRPr>
+          </a:p>
+        </p:txBody>
+      </p:sp>
+      <p:sp>
+        <p:nvSpPr>
+          <p:cNvPr id="107" name="Google Shape;107;p3"/>
+          <p:cNvSpPr txBox="1">
+            <a:spLocks noGrp="1"/>
+          </p:cNvSpPr>
+          <p:nvPr>
+            <p:ph type="ftr" idx="11"/>
+          </p:nvPr>
+        </p:nvSpPr>
+        <p:spPr bwMode="auto">
+          <a:xfrm>
+            <a:off x="4038600" y="6356350"/>
+            <a:ext cx="4114800" cy="365125"/>
+          </a:xfrm>
+          <a:prstGeom prst="rect">
+            <a:avLst/>
+          </a:prstGeom>
+          <a:noFill/>
+          <a:ln>
+            <a:noFill/>
+          </a:ln>
+        </p:spPr>
+        <p:txBody>
+          <a:bodyPr spcFirstLastPara="1" wrap="square" lIns="91425" tIns="45700" rIns="91425" bIns="45700" anchor="ctr" anchorCtr="0">
+            <a:noAutofit/>
+          </a:bodyPr>
+          <a:lstStyle/>
+          <a:p>
+            <a:pPr marL="0" lvl="0" indent="0" algn="ctr">
+              <a:spcBef>
+                <a:spcPts val="0"/>
+              </a:spcBef>
+              <a:spcAft>
+                <a:spcPts val="0"/>
+              </a:spcAft>
+              <a:buSzPts val="1400"/>
+              <a:buNone/>
+              <a:defRPr/>
+            </a:pPr>
+            <a:r>
+              <a:rPr lang="pt-BR"/>
+              <a:t>seisicite.com.br</a:t>
+            </a:r>
+            <a:endParaRPr/>
+          </a:p>
+        </p:txBody>
+      </p:sp>
+      <p:pic>
+        <p:nvPicPr>
+          <p:cNvPr id="108" name="Google Shape;108;p3"/>
+          <p:cNvPicPr/>
+          <p:nvPr/>
+        </p:nvPicPr>
+        <p:blipFill>
+          <a:blip r:embed="rId2">
+            <a:alphaModFix/>
+          </a:blip>
+          <a:srcRect l="69636"/>
+          <a:stretch/>
+        </p:blipFill>
+        <p:spPr bwMode="auto">
+          <a:xfrm>
+            <a:off x="10543064" y="0"/>
+            <a:ext cx="1475238" cy="1943425"/>
+          </a:xfrm>
+          <a:prstGeom prst="rect">
+            <a:avLst/>
+          </a:prstGeom>
+          <a:noFill/>
+          <a:ln>
+            <a:noFill/>
+          </a:ln>
+        </p:spPr>
+      </p:pic>
+      <p:pic>
+        <p:nvPicPr>
+          <p:cNvPr id="109" name="Google Shape;109;p3"/>
+          <p:cNvPicPr/>
+          <p:nvPr/>
+        </p:nvPicPr>
+        <p:blipFill>
+          <a:blip r:embed="rId3">
+            <a:alphaModFix/>
+          </a:blip>
+          <a:stretch/>
+        </p:blipFill>
+        <p:spPr bwMode="auto">
+          <a:xfrm>
+            <a:off x="-226800" y="5344202"/>
+            <a:ext cx="2423400" cy="1695226"/>
+          </a:xfrm>
+          <a:prstGeom prst="rect">
+            <a:avLst/>
+          </a:prstGeom>
+          <a:noFill/>
+          <a:ln>
+            <a:noFill/>
+          </a:ln>
+        </p:spPr>
+      </p:pic>
+      <p:pic>
+        <p:nvPicPr>
+          <p:cNvPr id="3" name="Imagem 2">
+            <a:extLst>
+              <a:ext uri="{FF2B5EF4-FFF2-40B4-BE49-F238E27FC236}">
+                <a16:creationId xmlns:a16="http://schemas.microsoft.com/office/drawing/2014/main" id="{9A4ADAD7-F3E8-6120-E5CC-CD8764FA3A0F}"/>
+              </a:ext>
+            </a:extLst>
+          </p:cNvPr>
+          <p:cNvPicPr>
+            <a:picLocks noChangeAspect="1"/>
+          </p:cNvPicPr>
+          <p:nvPr/>
+        </p:nvPicPr>
+        <p:blipFill>
+          <a:blip r:embed="rId4"/>
+          <a:stretch>
+            <a:fillRect/>
+          </a:stretch>
+        </p:blipFill>
+        <p:spPr>
+          <a:xfrm>
+            <a:off x="1537937" y="936971"/>
+            <a:ext cx="9116126" cy="4984058"/>
+          </a:xfrm>
+          <a:prstGeom prst="rect">
+            <a:avLst/>
+          </a:prstGeom>
+        </p:spPr>
+      </p:pic>
+    </p:spTree>
+    <p:extLst>
+      <p:ext uri="{BB962C8B-B14F-4D97-AF65-F5344CB8AC3E}">
+        <p14:creationId xmlns:p14="http://schemas.microsoft.com/office/powerpoint/2010/main" val="2750575789"/>
+      </p:ext>
+    </p:extLst>
+  </p:cSld>
+  <p:clrMapOvr>
+    <a:masterClrMapping/>
+  </p:clrMapOvr>
+</p:sld>
+</file>
+
+<file path=ppt/slides/slide11.xml><?xml version="1.0" encoding="utf-8"?>
+<p:sld xmlns:a="http://schemas.openxmlformats.org/drawingml/2006/main" xmlns:r="http://schemas.openxmlformats.org/officeDocument/2006/relationships" xmlns:p="http://schemas.openxmlformats.org/presentationml/2006/main" showMasterPhAnim="0">
+  <p:cSld>
+    <p:spTree>
+      <p:nvGrpSpPr>
+        <p:cNvPr id="1" name=""/>
+        <p:cNvGrpSpPr/>
+        <p:nvPr/>
+      </p:nvGrpSpPr>
+      <p:grpSpPr bwMode="auto">
+        <a:xfrm>
+          <a:off x="0" y="0"/>
+          <a:ext cx="0" cy="0"/>
+          <a:chOff x="0" y="0"/>
+          <a:chExt cx="0" cy="0"/>
+        </a:xfrm>
+      </p:grpSpPr>
+      <p:sp>
+        <p:nvSpPr>
+          <p:cNvPr id="105" name="Google Shape;105;p3"/>
+          <p:cNvSpPr txBox="1">
+            <a:spLocks noGrp="1"/>
+          </p:cNvSpPr>
+          <p:nvPr>
+            <p:ph type="title"/>
+          </p:nvPr>
+        </p:nvSpPr>
+        <p:spPr bwMode="auto">
+          <a:xfrm>
+            <a:off x="984900" y="247095"/>
+            <a:ext cx="9362256" cy="1325563"/>
+          </a:xfrm>
+          <a:prstGeom prst="rect">
+            <a:avLst/>
+          </a:prstGeom>
+          <a:noFill/>
+          <a:ln>
+            <a:noFill/>
+          </a:ln>
+        </p:spPr>
+        <p:txBody>
+          <a:bodyPr spcFirstLastPara="1" wrap="square" lIns="91425" tIns="45700" rIns="91425" bIns="45700" anchor="ctr" anchorCtr="0">
+            <a:normAutofit/>
+          </a:bodyPr>
+          <a:lstStyle/>
+          <a:p>
+            <a:pPr marL="0" lvl="0" indent="0" algn="l">
+              <a:lnSpc>
+                <a:spcPct val="90000"/>
+              </a:lnSpc>
+              <a:spcBef>
+                <a:spcPts val="0"/>
+              </a:spcBef>
+              <a:spcAft>
+                <a:spcPts val="0"/>
+              </a:spcAft>
+              <a:buClr>
+                <a:schemeClr val="dk1"/>
+              </a:buClr>
+              <a:buSzPts val="4400"/>
+              <a:buFont typeface="Cambria"/>
+              <a:buNone/>
+              <a:defRPr/>
+            </a:pPr>
+            <a:r>
+              <a:rPr lang="pt-BR" sz="4000" b="1" dirty="0">
+                <a:latin typeface="Cambria"/>
+                <a:ea typeface="Cambria"/>
+                <a:cs typeface="Cambria"/>
+              </a:rPr>
+              <a:t>Diferenças entre as plataformas e Conclusão</a:t>
+            </a:r>
+            <a:endParaRPr sz="4000" dirty="0"/>
+          </a:p>
+        </p:txBody>
+      </p:sp>
+      <p:sp>
+        <p:nvSpPr>
+          <p:cNvPr id="106" name="Google Shape;106;p3"/>
+          <p:cNvSpPr txBox="1">
+            <a:spLocks noGrp="1"/>
+          </p:cNvSpPr>
+          <p:nvPr>
+            <p:ph type="body" idx="1"/>
+          </p:nvPr>
+        </p:nvSpPr>
+        <p:spPr bwMode="auto">
+          <a:xfrm>
+            <a:off x="838200" y="1653528"/>
+            <a:ext cx="10515600" cy="4351338"/>
+          </a:xfrm>
+          <a:prstGeom prst="rect">
+            <a:avLst/>
+          </a:prstGeom>
+          <a:noFill/>
+          <a:ln>
+            <a:noFill/>
+          </a:ln>
+        </p:spPr>
+        <p:txBody>
+          <a:bodyPr spcFirstLastPara="1" wrap="square" lIns="91425" tIns="45700" rIns="91425" bIns="45700" anchor="t" anchorCtr="0">
+            <a:normAutofit/>
+          </a:bodyPr>
+          <a:lstStyle/>
+          <a:p>
+            <a:pPr algn="l">
+              <a:buFont typeface="Arial" panose="020B0604020202020204" pitchFamily="34" charset="0"/>
+              <a:buChar char="•"/>
+            </a:pPr>
+            <a:r>
+              <a:rPr lang="pt-BR" b="1" i="0" dirty="0">
+                <a:solidFill>
+                  <a:schemeClr val="tx1"/>
+                </a:solidFill>
+                <a:effectLst/>
+                <a:latin typeface="Cambria" panose="02040503050406030204" pitchFamily="18" charset="0"/>
+                <a:ea typeface="Cambria" panose="02040503050406030204" pitchFamily="18" charset="0"/>
+              </a:rPr>
+              <a:t>Telegram:</a:t>
+            </a:r>
+            <a:endParaRPr lang="pt-BR" b="0" i="0" dirty="0">
+              <a:solidFill>
+                <a:schemeClr val="tx1"/>
+              </a:solidFill>
+              <a:effectLst/>
+              <a:latin typeface="Cambria" panose="02040503050406030204" pitchFamily="18" charset="0"/>
+              <a:ea typeface="Cambria" panose="02040503050406030204" pitchFamily="18" charset="0"/>
+            </a:endParaRPr>
+          </a:p>
+          <a:p>
+            <a:pPr marL="742950" lvl="1" indent="-285750" algn="l">
+              <a:buFont typeface="Arial" panose="020B0604020202020204" pitchFamily="34" charset="0"/>
+              <a:buChar char="•"/>
+            </a:pPr>
+            <a:r>
+              <a:rPr lang="pt-BR" b="0" i="0" dirty="0">
+                <a:solidFill>
+                  <a:schemeClr val="tx1"/>
+                </a:solidFill>
+                <a:effectLst/>
+                <a:latin typeface="Cambria" panose="02040503050406030204" pitchFamily="18" charset="0"/>
+                <a:ea typeface="Cambria" panose="02040503050406030204" pitchFamily="18" charset="0"/>
+              </a:rPr>
+              <a:t>Predominância de grupos de direita.</a:t>
+            </a:r>
+          </a:p>
+          <a:p>
+            <a:pPr marL="742950" lvl="1" indent="-285750" algn="l">
+              <a:buFont typeface="Arial" panose="020B0604020202020204" pitchFamily="34" charset="0"/>
+              <a:buChar char="•"/>
+            </a:pPr>
+            <a:r>
+              <a:rPr lang="pt-BR" b="0" i="0" dirty="0">
+                <a:solidFill>
+                  <a:schemeClr val="tx1"/>
+                </a:solidFill>
+                <a:effectLst/>
+                <a:latin typeface="Cambria" panose="02040503050406030204" pitchFamily="18" charset="0"/>
+                <a:ea typeface="Cambria" panose="02040503050406030204" pitchFamily="18" charset="0"/>
+              </a:rPr>
+              <a:t>Maior relevância de plataformas de notícia e outras redes sociais.</a:t>
+            </a:r>
+          </a:p>
+          <a:p>
+            <a:pPr marL="742950" lvl="1" indent="-285750" algn="l">
+              <a:buFont typeface="Arial" panose="020B0604020202020204" pitchFamily="34" charset="0"/>
+              <a:buChar char="•"/>
+            </a:pPr>
+            <a:r>
+              <a:rPr lang="pt-BR" b="0" i="0" dirty="0">
+                <a:solidFill>
+                  <a:schemeClr val="tx1"/>
+                </a:solidFill>
+                <a:effectLst/>
+                <a:latin typeface="Cambria" panose="02040503050406030204" pitchFamily="18" charset="0"/>
+                <a:ea typeface="Cambria" panose="02040503050406030204" pitchFamily="18" charset="0"/>
+              </a:rPr>
+              <a:t>Comportamento dos grupos durante e após as eleições reacionário aos resultados.</a:t>
+            </a:r>
+          </a:p>
+          <a:p>
+            <a:pPr marL="457200" lvl="1" indent="0" algn="l">
+              <a:buNone/>
+            </a:pPr>
+            <a:endParaRPr lang="pt-BR" b="0" i="0" dirty="0">
+              <a:solidFill>
+                <a:schemeClr val="tx1"/>
+              </a:solidFill>
+              <a:effectLst/>
+              <a:latin typeface="Cambria" panose="02040503050406030204" pitchFamily="18" charset="0"/>
+              <a:ea typeface="Cambria" panose="02040503050406030204" pitchFamily="18" charset="0"/>
+            </a:endParaRPr>
+          </a:p>
+          <a:p>
+            <a:pPr algn="l">
+              <a:buFont typeface="Arial" panose="020B0604020202020204" pitchFamily="34" charset="0"/>
+              <a:buChar char="•"/>
+            </a:pPr>
+            <a:r>
+              <a:rPr lang="pt-BR" b="1" i="0" dirty="0">
+                <a:solidFill>
+                  <a:schemeClr val="tx1"/>
+                </a:solidFill>
+                <a:effectLst/>
+                <a:latin typeface="Cambria" panose="02040503050406030204" pitchFamily="18" charset="0"/>
+                <a:ea typeface="Cambria" panose="02040503050406030204" pitchFamily="18" charset="0"/>
+              </a:rPr>
+              <a:t>Twitter:</a:t>
+            </a:r>
+            <a:endParaRPr lang="pt-BR" b="0" i="0" dirty="0">
+              <a:solidFill>
+                <a:schemeClr val="tx1"/>
+              </a:solidFill>
+              <a:effectLst/>
+              <a:latin typeface="Cambria" panose="02040503050406030204" pitchFamily="18" charset="0"/>
+              <a:ea typeface="Cambria" panose="02040503050406030204" pitchFamily="18" charset="0"/>
+            </a:endParaRPr>
+          </a:p>
+          <a:p>
+            <a:pPr marL="742950" lvl="1" indent="-285750" algn="l">
+              <a:buFont typeface="Arial" panose="020B0604020202020204" pitchFamily="34" charset="0"/>
+              <a:buChar char="•"/>
+            </a:pPr>
+            <a:r>
+              <a:rPr lang="pt-BR" b="0" i="0" dirty="0">
+                <a:solidFill>
+                  <a:schemeClr val="tx1"/>
+                </a:solidFill>
+                <a:effectLst/>
+                <a:latin typeface="Cambria" panose="02040503050406030204" pitchFamily="18" charset="0"/>
+                <a:ea typeface="Cambria" panose="02040503050406030204" pitchFamily="18" charset="0"/>
+              </a:rPr>
+              <a:t>Hashtags de esquerda mais populares.</a:t>
+            </a:r>
+          </a:p>
+          <a:p>
+            <a:pPr marL="742950" lvl="1" indent="-285750" algn="l">
+              <a:buFont typeface="Arial" panose="020B0604020202020204" pitchFamily="34" charset="0"/>
+              <a:buChar char="•"/>
+            </a:pPr>
+            <a:r>
+              <a:rPr lang="pt-BR" b="0" i="0" dirty="0">
+                <a:solidFill>
+                  <a:schemeClr val="tx1"/>
+                </a:solidFill>
+                <a:effectLst/>
+                <a:latin typeface="Cambria" panose="02040503050406030204" pitchFamily="18" charset="0"/>
+                <a:ea typeface="Cambria" panose="02040503050406030204" pitchFamily="18" charset="0"/>
+              </a:rPr>
+              <a:t>Níveis maiores de polarização indicado pelos perfis populares.</a:t>
+            </a:r>
+          </a:p>
+          <a:p>
+            <a:pPr marL="742950" lvl="1" indent="-285750" algn="l">
+              <a:buFont typeface="Arial" panose="020B0604020202020204" pitchFamily="34" charset="0"/>
+              <a:buChar char="•"/>
+            </a:pPr>
+            <a:r>
+              <a:rPr lang="pt-BR" b="0" i="0" dirty="0">
+                <a:solidFill>
+                  <a:schemeClr val="tx1"/>
+                </a:solidFill>
+                <a:effectLst/>
+                <a:latin typeface="Cambria" panose="02040503050406030204" pitchFamily="18" charset="0"/>
+                <a:ea typeface="Cambria" panose="02040503050406030204" pitchFamily="18" charset="0"/>
+              </a:rPr>
+              <a:t>Níveis de toxicidade e variações maiores entre ideologias</a:t>
+            </a:r>
+            <a:r>
+              <a:rPr lang="pt-BR" b="0" i="0" dirty="0">
+                <a:solidFill>
+                  <a:schemeClr val="tx1"/>
+                </a:solidFill>
+                <a:effectLst/>
+                <a:latin typeface="Söhne"/>
+              </a:rPr>
+              <a:t>.</a:t>
+            </a:r>
+          </a:p>
+        </p:txBody>
+      </p:sp>
+      <p:sp>
+        <p:nvSpPr>
+          <p:cNvPr id="107" name="Google Shape;107;p3"/>
+          <p:cNvSpPr txBox="1">
+            <a:spLocks noGrp="1"/>
+          </p:cNvSpPr>
+          <p:nvPr>
+            <p:ph type="ftr" idx="11"/>
+          </p:nvPr>
+        </p:nvSpPr>
+        <p:spPr bwMode="auto">
+          <a:xfrm>
+            <a:off x="4038600" y="6356350"/>
+            <a:ext cx="4114800" cy="365125"/>
+          </a:xfrm>
+          <a:prstGeom prst="rect">
+            <a:avLst/>
+          </a:prstGeom>
+          <a:noFill/>
+          <a:ln>
+            <a:noFill/>
+          </a:ln>
+        </p:spPr>
+        <p:txBody>
+          <a:bodyPr spcFirstLastPara="1" wrap="square" lIns="91425" tIns="45700" rIns="91425" bIns="45700" anchor="ctr" anchorCtr="0">
+            <a:noAutofit/>
+          </a:bodyPr>
+          <a:lstStyle/>
+          <a:p>
+            <a:pPr marL="0" lvl="0" indent="0" algn="ctr">
+              <a:spcBef>
+                <a:spcPts val="0"/>
+              </a:spcBef>
+              <a:spcAft>
+                <a:spcPts val="0"/>
+              </a:spcAft>
+              <a:buSzPts val="1400"/>
+              <a:buNone/>
+              <a:defRPr/>
+            </a:pPr>
+            <a:r>
+              <a:rPr lang="pt-BR"/>
+              <a:t>seisicite.com.br</a:t>
+            </a:r>
+            <a:endParaRPr/>
+          </a:p>
+        </p:txBody>
+      </p:sp>
+      <p:pic>
+        <p:nvPicPr>
+          <p:cNvPr id="108" name="Google Shape;108;p3"/>
+          <p:cNvPicPr/>
+          <p:nvPr/>
+        </p:nvPicPr>
+        <p:blipFill>
+          <a:blip r:embed="rId2">
+            <a:alphaModFix/>
+          </a:blip>
+          <a:srcRect l="69636"/>
+          <a:stretch/>
+        </p:blipFill>
+        <p:spPr bwMode="auto">
+          <a:xfrm>
+            <a:off x="10543064" y="0"/>
+            <a:ext cx="1475238" cy="1943425"/>
+          </a:xfrm>
+          <a:prstGeom prst="rect">
+            <a:avLst/>
+          </a:prstGeom>
+          <a:noFill/>
+          <a:ln>
+            <a:noFill/>
+          </a:ln>
+        </p:spPr>
+      </p:pic>
+      <p:pic>
+        <p:nvPicPr>
+          <p:cNvPr id="109" name="Google Shape;109;p3"/>
+          <p:cNvPicPr/>
+          <p:nvPr/>
+        </p:nvPicPr>
+        <p:blipFill>
+          <a:blip r:embed="rId3">
+            <a:alphaModFix/>
+          </a:blip>
+          <a:stretch/>
+        </p:blipFill>
+        <p:spPr bwMode="auto">
+          <a:xfrm>
+            <a:off x="-226800" y="5344202"/>
+            <a:ext cx="2423400" cy="1695226"/>
+          </a:xfrm>
+          <a:prstGeom prst="rect">
+            <a:avLst/>
+          </a:prstGeom>
+          <a:noFill/>
+          <a:ln>
+            <a:noFill/>
+          </a:ln>
+        </p:spPr>
+      </p:pic>
+    </p:spTree>
+    <p:extLst>
+      <p:ext uri="{BB962C8B-B14F-4D97-AF65-F5344CB8AC3E}">
+        <p14:creationId xmlns:p14="http://schemas.microsoft.com/office/powerpoint/2010/main" val="3241361366"/>
+      </p:ext>
+    </p:extLst>
+  </p:cSld>
+  <p:clrMapOvr>
+    <a:masterClrMapping/>
+  </p:clrMapOvr>
+</p:sld>
+</file>
+
+<file path=ppt/slides/slide12.xml><?xml version="1.0" encoding="utf-8"?>
+<p:sld xmlns:a="http://schemas.openxmlformats.org/drawingml/2006/main" xmlns:r="http://schemas.openxmlformats.org/officeDocument/2006/relationships" xmlns:p="http://schemas.openxmlformats.org/presentationml/2006/main" showMasterPhAnim="0">
+  <p:cSld>
+    <p:spTree>
+      <p:nvGrpSpPr>
+        <p:cNvPr id="1" name=""/>
+        <p:cNvGrpSpPr/>
+        <p:nvPr/>
+      </p:nvGrpSpPr>
+      <p:grpSpPr bwMode="auto">
+        <a:xfrm>
+          <a:off x="0" y="0"/>
+          <a:ext cx="0" cy="0"/>
+          <a:chOff x="0" y="0"/>
+          <a:chExt cx="0" cy="0"/>
+        </a:xfrm>
+      </p:grpSpPr>
+      <p:sp>
+        <p:nvSpPr>
           <p:cNvPr id="114" name="Google Shape;114;p4"/>
           <p:cNvSpPr txBox="1">
             <a:spLocks noGrp="1"/>
@@ -13714,7 +14317,7 @@
 </p:sld>
 </file>
 
-<file path=ppt/slides/slide11.xml><?xml version="1.0" encoding="utf-8"?>
+<file path=ppt/slides/slide13.xml><?xml version="1.0" encoding="utf-8"?>
 <p:sld xmlns:a="http://schemas.openxmlformats.org/drawingml/2006/main" xmlns:r="http://schemas.openxmlformats.org/officeDocument/2006/relationships" xmlns:p="http://schemas.openxmlformats.org/presentationml/2006/main" showMasterPhAnim="0">
   <p:cSld>
     <p:spTree>
@@ -14776,7 +15379,7 @@
 </p:sld>
 </file>
 
-<file path=ppt/slides/slide12.xml><?xml version="1.0" encoding="utf-8"?>
+<file path=ppt/slides/slide14.xml><?xml version="1.0" encoding="utf-8"?>
 <p:sld xmlns:a="http://schemas.openxmlformats.org/drawingml/2006/main" xmlns:r="http://schemas.openxmlformats.org/officeDocument/2006/relationships" xmlns:p="http://schemas.openxmlformats.org/presentationml/2006/main" showMasterPhAnim="0">
   <p:cSld>
     <p:spTree>
@@ -17533,8 +18136,8 @@
         </p:blipFill>
         <p:spPr>
           <a:xfrm>
-            <a:off x="1847528" y="1690688"/>
-            <a:ext cx="8064896" cy="3931996"/>
+            <a:off x="1955540" y="1772816"/>
+            <a:ext cx="8280920" cy="3931996"/>
           </a:xfrm>
           <a:prstGeom prst="rect">
             <a:avLst/>
@@ -18593,8 +19196,8 @@
         </p:nvSpPr>
         <p:spPr bwMode="auto">
           <a:xfrm>
-            <a:off x="984900" y="247095"/>
-            <a:ext cx="9362256" cy="1325563"/>
+            <a:off x="838200" y="-15766"/>
+            <a:ext cx="10515600" cy="1325563"/>
           </a:xfrm>
           <a:prstGeom prst="rect">
             <a:avLst/>
@@ -18610,238 +19213,19 @@
           </a:bodyPr>
           <a:lstStyle/>
           <a:p>
-            <a:pPr marL="0" lvl="0" indent="0" algn="l">
-              <a:lnSpc>
-                <a:spcPct val="90000"/>
-              </a:lnSpc>
-              <a:spcBef>
-                <a:spcPts val="0"/>
-              </a:spcBef>
-              <a:spcAft>
-                <a:spcPts val="0"/>
-              </a:spcAft>
-              <a:buClr>
-                <a:schemeClr val="dk1"/>
-              </a:buClr>
-              <a:buSzPts val="4400"/>
-              <a:buFont typeface="Cambria"/>
-              <a:buNone/>
-              <a:defRPr/>
-            </a:pPr>
-            <a:r>
-              <a:rPr lang="pt-BR" sz="4000" b="1" dirty="0">
-                <a:latin typeface="Cambria"/>
-                <a:ea typeface="Cambria"/>
-                <a:cs typeface="Cambria"/>
-              </a:rPr>
-              <a:t>Diferenças entre as plataformas e Conclusão</a:t>
-            </a:r>
-            <a:endParaRPr sz="4000" dirty="0"/>
-          </a:p>
-        </p:txBody>
-      </p:sp>
-      <p:sp>
-        <p:nvSpPr>
-          <p:cNvPr id="106" name="Google Shape;106;p3"/>
-          <p:cNvSpPr txBox="1">
-            <a:spLocks noGrp="1"/>
-          </p:cNvSpPr>
-          <p:nvPr>
-            <p:ph type="body" idx="1"/>
-          </p:nvPr>
-        </p:nvSpPr>
-        <p:spPr bwMode="auto">
-          <a:xfrm>
-            <a:off x="838200" y="1653528"/>
-            <a:ext cx="10515600" cy="4351338"/>
-          </a:xfrm>
-          <a:prstGeom prst="rect">
-            <a:avLst/>
-          </a:prstGeom>
-          <a:noFill/>
-          <a:ln>
-            <a:noFill/>
-          </a:ln>
-        </p:spPr>
-        <p:txBody>
-          <a:bodyPr spcFirstLastPara="1" wrap="square" lIns="91425" tIns="45700" rIns="91425" bIns="45700" anchor="t" anchorCtr="0">
-            <a:normAutofit/>
-          </a:bodyPr>
-          <a:lstStyle/>
-          <a:p>
-            <a:pPr algn="l">
-              <a:buFont typeface="Arial" panose="020B0604020202020204" pitchFamily="34" charset="0"/>
-              <a:buChar char="•"/>
-            </a:pPr>
-            <a:r>
-              <a:rPr lang="pt-BR" b="1" i="0" dirty="0">
-                <a:solidFill>
-                  <a:schemeClr val="tx1"/>
-                </a:solidFill>
+            <a:pPr algn="l"/>
+            <a:r>
+              <a:rPr lang="pt-BR" sz="4000" b="1" i="0" dirty="0">
                 <a:effectLst/>
                 <a:latin typeface="Cambria" panose="02040503050406030204" pitchFamily="18" charset="0"/>
                 <a:ea typeface="Cambria" panose="02040503050406030204" pitchFamily="18" charset="0"/>
               </a:rPr>
-              <a:t>Telegram:</a:t>
-            </a:r>
-            <a:endParaRPr lang="pt-BR" b="0" i="0" dirty="0">
-              <a:solidFill>
-                <a:schemeClr val="tx1"/>
-              </a:solidFill>
-              <a:effectLst/>
+              <a:t>Perfis mais relevantes no Twitter</a:t>
+            </a:r>
+            <a:endParaRPr sz="4000" dirty="0">
               <a:latin typeface="Cambria" panose="02040503050406030204" pitchFamily="18" charset="0"/>
               <a:ea typeface="Cambria" panose="02040503050406030204" pitchFamily="18" charset="0"/>
             </a:endParaRPr>
-          </a:p>
-          <a:p>
-            <a:pPr marL="742950" lvl="1" indent="-285750" algn="l">
-              <a:buFont typeface="Arial" panose="020B0604020202020204" pitchFamily="34" charset="0"/>
-              <a:buChar char="•"/>
-            </a:pPr>
-            <a:r>
-              <a:rPr lang="pt-BR" b="0" i="0" dirty="0">
-                <a:solidFill>
-                  <a:schemeClr val="tx1"/>
-                </a:solidFill>
-                <a:effectLst/>
-                <a:latin typeface="Cambria" panose="02040503050406030204" pitchFamily="18" charset="0"/>
-                <a:ea typeface="Cambria" panose="02040503050406030204" pitchFamily="18" charset="0"/>
-              </a:rPr>
-              <a:t>Predominância de grupos de direita.</a:t>
-            </a:r>
-          </a:p>
-          <a:p>
-            <a:pPr marL="742950" lvl="1" indent="-285750" algn="l">
-              <a:buFont typeface="Arial" panose="020B0604020202020204" pitchFamily="34" charset="0"/>
-              <a:buChar char="•"/>
-            </a:pPr>
-            <a:r>
-              <a:rPr lang="pt-BR" b="0" i="0" dirty="0">
-                <a:solidFill>
-                  <a:schemeClr val="tx1"/>
-                </a:solidFill>
-                <a:effectLst/>
-                <a:latin typeface="Cambria" panose="02040503050406030204" pitchFamily="18" charset="0"/>
-                <a:ea typeface="Cambria" panose="02040503050406030204" pitchFamily="18" charset="0"/>
-              </a:rPr>
-              <a:t>Preservação da privacidade e ênfase em mensagens diretas.</a:t>
-            </a:r>
-          </a:p>
-          <a:p>
-            <a:pPr marL="742950" lvl="1" indent="-285750" algn="l">
-              <a:buFont typeface="Arial" panose="020B0604020202020204" pitchFamily="34" charset="0"/>
-              <a:buChar char="•"/>
-            </a:pPr>
-            <a:r>
-              <a:rPr lang="pt-BR" b="0" i="0" dirty="0">
-                <a:solidFill>
-                  <a:schemeClr val="tx1"/>
-                </a:solidFill>
-                <a:effectLst/>
-                <a:latin typeface="Cambria" panose="02040503050406030204" pitchFamily="18" charset="0"/>
-                <a:ea typeface="Cambria" panose="02040503050406030204" pitchFamily="18" charset="0"/>
-              </a:rPr>
-              <a:t>Comportamento dos grupos durante e após as eleições.</a:t>
-            </a:r>
-          </a:p>
-          <a:p>
-            <a:pPr marL="457200" lvl="1" indent="0" algn="l">
-              <a:buNone/>
-            </a:pPr>
-            <a:endParaRPr lang="pt-BR" b="0" i="0" dirty="0">
-              <a:solidFill>
-                <a:schemeClr val="tx1"/>
-              </a:solidFill>
-              <a:effectLst/>
-              <a:latin typeface="Cambria" panose="02040503050406030204" pitchFamily="18" charset="0"/>
-              <a:ea typeface="Cambria" panose="02040503050406030204" pitchFamily="18" charset="0"/>
-            </a:endParaRPr>
-          </a:p>
-          <a:p>
-            <a:pPr algn="l">
-              <a:buFont typeface="Arial" panose="020B0604020202020204" pitchFamily="34" charset="0"/>
-              <a:buChar char="•"/>
-            </a:pPr>
-            <a:r>
-              <a:rPr lang="pt-BR" b="1" i="0" dirty="0">
-                <a:solidFill>
-                  <a:schemeClr val="tx1"/>
-                </a:solidFill>
-                <a:effectLst/>
-                <a:latin typeface="Cambria" panose="02040503050406030204" pitchFamily="18" charset="0"/>
-                <a:ea typeface="Cambria" panose="02040503050406030204" pitchFamily="18" charset="0"/>
-              </a:rPr>
-              <a:t>Twitter:</a:t>
-            </a:r>
-            <a:endParaRPr lang="pt-BR" b="0" i="0" dirty="0">
-              <a:solidFill>
-                <a:schemeClr val="tx1"/>
-              </a:solidFill>
-              <a:effectLst/>
-              <a:latin typeface="Cambria" panose="02040503050406030204" pitchFamily="18" charset="0"/>
-              <a:ea typeface="Cambria" panose="02040503050406030204" pitchFamily="18" charset="0"/>
-            </a:endParaRPr>
-          </a:p>
-          <a:p>
-            <a:pPr marL="742950" lvl="1" indent="-285750" algn="l">
-              <a:buFont typeface="Arial" panose="020B0604020202020204" pitchFamily="34" charset="0"/>
-              <a:buChar char="•"/>
-            </a:pPr>
-            <a:r>
-              <a:rPr lang="pt-BR" b="0" i="0" dirty="0">
-                <a:solidFill>
-                  <a:schemeClr val="tx1"/>
-                </a:solidFill>
-                <a:effectLst/>
-                <a:latin typeface="Cambria" panose="02040503050406030204" pitchFamily="18" charset="0"/>
-                <a:ea typeface="Cambria" panose="02040503050406030204" pitchFamily="18" charset="0"/>
-              </a:rPr>
-              <a:t>Hashtags de esquerda mais populares.</a:t>
-            </a:r>
-          </a:p>
-          <a:p>
-            <a:pPr marL="742950" lvl="1" indent="-285750" algn="l">
-              <a:buFont typeface="Arial" panose="020B0604020202020204" pitchFamily="34" charset="0"/>
-              <a:buChar char="•"/>
-            </a:pPr>
-            <a:r>
-              <a:rPr lang="pt-BR" b="0" i="0" dirty="0">
-                <a:solidFill>
-                  <a:schemeClr val="tx1"/>
-                </a:solidFill>
-                <a:effectLst/>
-                <a:latin typeface="Cambria" panose="02040503050406030204" pitchFamily="18" charset="0"/>
-                <a:ea typeface="Cambria" panose="02040503050406030204" pitchFamily="18" charset="0"/>
-              </a:rPr>
-              <a:t>Natureza em tempo real e limitação de caracteres.</a:t>
-            </a:r>
-          </a:p>
-          <a:p>
-            <a:pPr marL="742950" lvl="1" indent="-285750" algn="l">
-              <a:buFont typeface="Arial" panose="020B0604020202020204" pitchFamily="34" charset="0"/>
-              <a:buChar char="•"/>
-            </a:pPr>
-            <a:r>
-              <a:rPr lang="pt-BR" b="0" i="0" dirty="0">
-                <a:solidFill>
-                  <a:schemeClr val="tx1"/>
-                </a:solidFill>
-                <a:effectLst/>
-                <a:latin typeface="Cambria" panose="02040503050406030204" pitchFamily="18" charset="0"/>
-                <a:ea typeface="Cambria" panose="02040503050406030204" pitchFamily="18" charset="0"/>
-              </a:rPr>
-              <a:t>Níveis de toxicidade e variações entre ideologias</a:t>
-            </a:r>
-            <a:r>
-              <a:rPr lang="pt-BR" b="0" i="0" dirty="0">
-                <a:solidFill>
-                  <a:schemeClr val="tx1"/>
-                </a:solidFill>
-                <a:effectLst/>
-                <a:latin typeface="Söhne"/>
-              </a:rPr>
-              <a:t>.</a:t>
-            </a:r>
           </a:p>
         </p:txBody>
       </p:sp>
@@ -18946,10 +19330,40 @@
           </a:ln>
         </p:spPr>
       </p:pic>
+      <p:pic>
+        <p:nvPicPr>
+          <p:cNvPr id="7" name="Imagem 6">
+            <a:extLst>
+              <a:ext uri="{FF2B5EF4-FFF2-40B4-BE49-F238E27FC236}">
+                <a16:creationId xmlns:a16="http://schemas.microsoft.com/office/drawing/2014/main" id="{41A951CF-97CB-E225-0C68-A383635F2516}"/>
+              </a:ext>
+            </a:extLst>
+          </p:cNvPr>
+          <p:cNvPicPr>
+            <a:picLocks noChangeAspect="1"/>
+          </p:cNvPicPr>
+          <p:nvPr/>
+        </p:nvPicPr>
+        <p:blipFill>
+          <a:blip r:embed="rId4"/>
+          <a:stretch>
+            <a:fillRect/>
+          </a:stretch>
+        </p:blipFill>
+        <p:spPr>
+          <a:xfrm>
+            <a:off x="1199456" y="1124744"/>
+            <a:ext cx="9433048" cy="4814030"/>
+          </a:xfrm>
+          <a:prstGeom prst="rect">
+            <a:avLst/>
+          </a:prstGeom>
+        </p:spPr>
+      </p:pic>
     </p:spTree>
     <p:extLst>
       <p:ext uri="{BB962C8B-B14F-4D97-AF65-F5344CB8AC3E}">
-        <p14:creationId xmlns:p14="http://schemas.microsoft.com/office/powerpoint/2010/main" val="3241361366"/>
+        <p14:creationId xmlns:p14="http://schemas.microsoft.com/office/powerpoint/2010/main" val="1086129353"/>
       </p:ext>
     </p:extLst>
   </p:cSld>
